--- a/doc/MicroservicesInServiceFabric.pptx
+++ b/doc/MicroservicesInServiceFabric.pptx
@@ -10,9 +10,10 @@
     <p:sldId id="258" r:id="rId4"/>
     <p:sldId id="260" r:id="rId5"/>
     <p:sldId id="259" r:id="rId6"/>
-    <p:sldId id="261" r:id="rId7"/>
-    <p:sldId id="263" r:id="rId8"/>
-    <p:sldId id="262" r:id="rId9"/>
+    <p:sldId id="264" r:id="rId7"/>
+    <p:sldId id="261" r:id="rId8"/>
+    <p:sldId id="263" r:id="rId9"/>
+    <p:sldId id="262" r:id="rId10"/>
   </p:sldIdLst>
   <p:sldSz cx="12192000" cy="6858000"/>
   <p:notesSz cx="6858000" cy="9144000"/>
@@ -119,6 +120,2995 @@
 </p:presentation>
 </file>
 
+<file path=ppt/diagrams/colors1.xml><?xml version="1.0" encoding="utf-8"?>
+<dgm:colorsDef xmlns:dgm="http://schemas.openxmlformats.org/drawingml/2006/diagram" xmlns:a="http://schemas.openxmlformats.org/drawingml/2006/main" uniqueId="urn:microsoft.com/office/officeart/2005/8/colors/accent1_2">
+  <dgm:title val=""/>
+  <dgm:desc val=""/>
+  <dgm:catLst>
+    <dgm:cat type="accent1" pri="11200"/>
+  </dgm:catLst>
+  <dgm:styleLbl name="node0">
+    <dgm:fillClrLst meth="repeat">
+      <a:schemeClr val="accent1"/>
+    </dgm:fillClrLst>
+    <dgm:linClrLst meth="repeat">
+      <a:schemeClr val="lt1"/>
+    </dgm:linClrLst>
+    <dgm:effectClrLst/>
+    <dgm:txLinClrLst/>
+    <dgm:txFillClrLst/>
+    <dgm:txEffectClrLst/>
+  </dgm:styleLbl>
+  <dgm:styleLbl name="alignNode1">
+    <dgm:fillClrLst meth="repeat">
+      <a:schemeClr val="accent1"/>
+    </dgm:fillClrLst>
+    <dgm:linClrLst meth="repeat">
+      <a:schemeClr val="accent1"/>
+    </dgm:linClrLst>
+    <dgm:effectClrLst/>
+    <dgm:txLinClrLst/>
+    <dgm:txFillClrLst/>
+    <dgm:txEffectClrLst/>
+  </dgm:styleLbl>
+  <dgm:styleLbl name="node1">
+    <dgm:fillClrLst meth="repeat">
+      <a:schemeClr val="accent1"/>
+    </dgm:fillClrLst>
+    <dgm:linClrLst meth="repeat">
+      <a:schemeClr val="lt1"/>
+    </dgm:linClrLst>
+    <dgm:effectClrLst/>
+    <dgm:txLinClrLst/>
+    <dgm:txFillClrLst/>
+    <dgm:txEffectClrLst/>
+  </dgm:styleLbl>
+  <dgm:styleLbl name="lnNode1">
+    <dgm:fillClrLst meth="repeat">
+      <a:schemeClr val="accent1"/>
+    </dgm:fillClrLst>
+    <dgm:linClrLst meth="repeat">
+      <a:schemeClr val="lt1"/>
+    </dgm:linClrLst>
+    <dgm:effectClrLst/>
+    <dgm:txLinClrLst/>
+    <dgm:txFillClrLst/>
+    <dgm:txEffectClrLst/>
+  </dgm:styleLbl>
+  <dgm:styleLbl name="vennNode1">
+    <dgm:fillClrLst meth="repeat">
+      <a:schemeClr val="accent1">
+        <a:alpha val="50000"/>
+      </a:schemeClr>
+    </dgm:fillClrLst>
+    <dgm:linClrLst meth="repeat">
+      <a:schemeClr val="lt1"/>
+    </dgm:linClrLst>
+    <dgm:effectClrLst/>
+    <dgm:txLinClrLst/>
+    <dgm:txFillClrLst/>
+    <dgm:txEffectClrLst/>
+  </dgm:styleLbl>
+  <dgm:styleLbl name="node2">
+    <dgm:fillClrLst meth="repeat">
+      <a:schemeClr val="accent1"/>
+    </dgm:fillClrLst>
+    <dgm:linClrLst meth="repeat">
+      <a:schemeClr val="lt1"/>
+    </dgm:linClrLst>
+    <dgm:effectClrLst/>
+    <dgm:txLinClrLst/>
+    <dgm:txFillClrLst/>
+    <dgm:txEffectClrLst/>
+  </dgm:styleLbl>
+  <dgm:styleLbl name="node3">
+    <dgm:fillClrLst meth="repeat">
+      <a:schemeClr val="accent1"/>
+    </dgm:fillClrLst>
+    <dgm:linClrLst meth="repeat">
+      <a:schemeClr val="lt1"/>
+    </dgm:linClrLst>
+    <dgm:effectClrLst/>
+    <dgm:txLinClrLst/>
+    <dgm:txFillClrLst/>
+    <dgm:txEffectClrLst/>
+  </dgm:styleLbl>
+  <dgm:styleLbl name="node4">
+    <dgm:fillClrLst meth="repeat">
+      <a:schemeClr val="accent1"/>
+    </dgm:fillClrLst>
+    <dgm:linClrLst meth="repeat">
+      <a:schemeClr val="lt1"/>
+    </dgm:linClrLst>
+    <dgm:effectClrLst/>
+    <dgm:txLinClrLst/>
+    <dgm:txFillClrLst/>
+    <dgm:txEffectClrLst/>
+  </dgm:styleLbl>
+  <dgm:styleLbl name="fgImgPlace1">
+    <dgm:fillClrLst meth="repeat">
+      <a:schemeClr val="accent1">
+        <a:tint val="50000"/>
+      </a:schemeClr>
+    </dgm:fillClrLst>
+    <dgm:linClrLst meth="repeat">
+      <a:schemeClr val="lt1"/>
+    </dgm:linClrLst>
+    <dgm:effectClrLst/>
+    <dgm:txLinClrLst/>
+    <dgm:txFillClrLst meth="repeat">
+      <a:schemeClr val="lt1"/>
+    </dgm:txFillClrLst>
+    <dgm:txEffectClrLst/>
+  </dgm:styleLbl>
+  <dgm:styleLbl name="alignImgPlace1">
+    <dgm:fillClrLst meth="repeat">
+      <a:schemeClr val="accent1">
+        <a:tint val="50000"/>
+      </a:schemeClr>
+    </dgm:fillClrLst>
+    <dgm:linClrLst meth="repeat">
+      <a:schemeClr val="lt1"/>
+    </dgm:linClrLst>
+    <dgm:effectClrLst/>
+    <dgm:txLinClrLst/>
+    <dgm:txFillClrLst meth="repeat">
+      <a:schemeClr val="lt1"/>
+    </dgm:txFillClrLst>
+    <dgm:txEffectClrLst/>
+  </dgm:styleLbl>
+  <dgm:styleLbl name="bgImgPlace1">
+    <dgm:fillClrLst meth="repeat">
+      <a:schemeClr val="accent1">
+        <a:tint val="50000"/>
+      </a:schemeClr>
+    </dgm:fillClrLst>
+    <dgm:linClrLst meth="repeat">
+      <a:schemeClr val="lt1"/>
+    </dgm:linClrLst>
+    <dgm:effectClrLst/>
+    <dgm:txLinClrLst/>
+    <dgm:txFillClrLst meth="repeat">
+      <a:schemeClr val="lt1"/>
+    </dgm:txFillClrLst>
+    <dgm:txEffectClrLst/>
+  </dgm:styleLbl>
+  <dgm:styleLbl name="sibTrans2D1">
+    <dgm:fillClrLst meth="repeat">
+      <a:schemeClr val="accent1">
+        <a:tint val="60000"/>
+      </a:schemeClr>
+    </dgm:fillClrLst>
+    <dgm:linClrLst meth="repeat">
+      <a:schemeClr val="accent1">
+        <a:tint val="60000"/>
+      </a:schemeClr>
+    </dgm:linClrLst>
+    <dgm:effectClrLst/>
+    <dgm:txLinClrLst/>
+    <dgm:txFillClrLst/>
+    <dgm:txEffectClrLst/>
+  </dgm:styleLbl>
+  <dgm:styleLbl name="fgSibTrans2D1">
+    <dgm:fillClrLst meth="repeat">
+      <a:schemeClr val="accent1">
+        <a:tint val="60000"/>
+      </a:schemeClr>
+    </dgm:fillClrLst>
+    <dgm:linClrLst meth="repeat">
+      <a:schemeClr val="accent1">
+        <a:tint val="60000"/>
+      </a:schemeClr>
+    </dgm:linClrLst>
+    <dgm:effectClrLst/>
+    <dgm:txLinClrLst/>
+    <dgm:txFillClrLst/>
+    <dgm:txEffectClrLst/>
+  </dgm:styleLbl>
+  <dgm:styleLbl name="bgSibTrans2D1">
+    <dgm:fillClrLst meth="repeat">
+      <a:schemeClr val="accent1">
+        <a:tint val="60000"/>
+      </a:schemeClr>
+    </dgm:fillClrLst>
+    <dgm:linClrLst meth="repeat">
+      <a:schemeClr val="accent1">
+        <a:tint val="60000"/>
+      </a:schemeClr>
+    </dgm:linClrLst>
+    <dgm:effectClrLst/>
+    <dgm:txLinClrLst/>
+    <dgm:txFillClrLst/>
+    <dgm:txEffectClrLst/>
+  </dgm:styleLbl>
+  <dgm:styleLbl name="sibTrans1D1">
+    <dgm:fillClrLst meth="repeat">
+      <a:schemeClr val="accent1"/>
+    </dgm:fillClrLst>
+    <dgm:linClrLst meth="repeat">
+      <a:schemeClr val="accent1"/>
+    </dgm:linClrLst>
+    <dgm:effectClrLst/>
+    <dgm:txLinClrLst/>
+    <dgm:txFillClrLst meth="repeat">
+      <a:schemeClr val="tx1"/>
+    </dgm:txFillClrLst>
+    <dgm:txEffectClrLst/>
+  </dgm:styleLbl>
+  <dgm:styleLbl name="callout">
+    <dgm:fillClrLst meth="repeat">
+      <a:schemeClr val="accent1"/>
+    </dgm:fillClrLst>
+    <dgm:linClrLst meth="repeat">
+      <a:schemeClr val="accent1">
+        <a:tint val="50000"/>
+      </a:schemeClr>
+    </dgm:linClrLst>
+    <dgm:effectClrLst/>
+    <dgm:txLinClrLst/>
+    <dgm:txFillClrLst meth="repeat">
+      <a:schemeClr val="tx1"/>
+    </dgm:txFillClrLst>
+    <dgm:txEffectClrLst/>
+  </dgm:styleLbl>
+  <dgm:styleLbl name="asst0">
+    <dgm:fillClrLst meth="repeat">
+      <a:schemeClr val="accent1"/>
+    </dgm:fillClrLst>
+    <dgm:linClrLst meth="repeat">
+      <a:schemeClr val="lt1"/>
+    </dgm:linClrLst>
+    <dgm:effectClrLst/>
+    <dgm:txLinClrLst/>
+    <dgm:txFillClrLst/>
+    <dgm:txEffectClrLst/>
+  </dgm:styleLbl>
+  <dgm:styleLbl name="asst1">
+    <dgm:fillClrLst meth="repeat">
+      <a:schemeClr val="accent1"/>
+    </dgm:fillClrLst>
+    <dgm:linClrLst meth="repeat">
+      <a:schemeClr val="lt1"/>
+    </dgm:linClrLst>
+    <dgm:effectClrLst/>
+    <dgm:txLinClrLst/>
+    <dgm:txFillClrLst/>
+    <dgm:txEffectClrLst/>
+  </dgm:styleLbl>
+  <dgm:styleLbl name="asst2">
+    <dgm:fillClrLst meth="repeat">
+      <a:schemeClr val="accent1"/>
+    </dgm:fillClrLst>
+    <dgm:linClrLst meth="repeat">
+      <a:schemeClr val="lt1"/>
+    </dgm:linClrLst>
+    <dgm:effectClrLst/>
+    <dgm:txLinClrLst/>
+    <dgm:txFillClrLst/>
+    <dgm:txEffectClrLst/>
+  </dgm:styleLbl>
+  <dgm:styleLbl name="asst3">
+    <dgm:fillClrLst meth="repeat">
+      <a:schemeClr val="accent1"/>
+    </dgm:fillClrLst>
+    <dgm:linClrLst meth="repeat">
+      <a:schemeClr val="lt1"/>
+    </dgm:linClrLst>
+    <dgm:effectClrLst/>
+    <dgm:txLinClrLst/>
+    <dgm:txFillClrLst/>
+    <dgm:txEffectClrLst/>
+  </dgm:styleLbl>
+  <dgm:styleLbl name="asst4">
+    <dgm:fillClrLst meth="repeat">
+      <a:schemeClr val="accent1"/>
+    </dgm:fillClrLst>
+    <dgm:linClrLst meth="repeat">
+      <a:schemeClr val="lt1"/>
+    </dgm:linClrLst>
+    <dgm:effectClrLst/>
+    <dgm:txLinClrLst/>
+    <dgm:txFillClrLst/>
+    <dgm:txEffectClrLst/>
+  </dgm:styleLbl>
+  <dgm:styleLbl name="parChTrans2D1">
+    <dgm:fillClrLst meth="repeat">
+      <a:schemeClr val="accent1">
+        <a:tint val="60000"/>
+      </a:schemeClr>
+    </dgm:fillClrLst>
+    <dgm:linClrLst meth="repeat">
+      <a:schemeClr val="accent1">
+        <a:tint val="60000"/>
+      </a:schemeClr>
+    </dgm:linClrLst>
+    <dgm:effectClrLst/>
+    <dgm:txLinClrLst/>
+    <dgm:txFillClrLst meth="repeat">
+      <a:schemeClr val="lt1"/>
+    </dgm:txFillClrLst>
+    <dgm:txEffectClrLst/>
+  </dgm:styleLbl>
+  <dgm:styleLbl name="parChTrans2D2">
+    <dgm:fillClrLst meth="repeat">
+      <a:schemeClr val="accent1"/>
+    </dgm:fillClrLst>
+    <dgm:linClrLst meth="repeat">
+      <a:schemeClr val="accent1"/>
+    </dgm:linClrLst>
+    <dgm:effectClrLst/>
+    <dgm:txLinClrLst/>
+    <dgm:txFillClrLst meth="repeat">
+      <a:schemeClr val="lt1"/>
+    </dgm:txFillClrLst>
+    <dgm:txEffectClrLst/>
+  </dgm:styleLbl>
+  <dgm:styleLbl name="parChTrans2D3">
+    <dgm:fillClrLst meth="repeat">
+      <a:schemeClr val="accent1"/>
+    </dgm:fillClrLst>
+    <dgm:linClrLst meth="repeat">
+      <a:schemeClr val="accent1"/>
+    </dgm:linClrLst>
+    <dgm:effectClrLst/>
+    <dgm:txLinClrLst/>
+    <dgm:txFillClrLst meth="repeat">
+      <a:schemeClr val="lt1"/>
+    </dgm:txFillClrLst>
+    <dgm:txEffectClrLst/>
+  </dgm:styleLbl>
+  <dgm:styleLbl name="parChTrans2D4">
+    <dgm:fillClrLst meth="repeat">
+      <a:schemeClr val="accent1"/>
+    </dgm:fillClrLst>
+    <dgm:linClrLst meth="repeat">
+      <a:schemeClr val="accent1"/>
+    </dgm:linClrLst>
+    <dgm:effectClrLst/>
+    <dgm:txLinClrLst/>
+    <dgm:txFillClrLst meth="repeat">
+      <a:schemeClr val="lt1"/>
+    </dgm:txFillClrLst>
+    <dgm:txEffectClrLst/>
+  </dgm:styleLbl>
+  <dgm:styleLbl name="parChTrans1D1">
+    <dgm:fillClrLst meth="repeat">
+      <a:schemeClr val="accent1"/>
+    </dgm:fillClrLst>
+    <dgm:linClrLst meth="repeat">
+      <a:schemeClr val="accent1">
+        <a:shade val="60000"/>
+      </a:schemeClr>
+    </dgm:linClrLst>
+    <dgm:effectClrLst/>
+    <dgm:txLinClrLst/>
+    <dgm:txFillClrLst meth="repeat">
+      <a:schemeClr val="tx1"/>
+    </dgm:txFillClrLst>
+    <dgm:txEffectClrLst/>
+  </dgm:styleLbl>
+  <dgm:styleLbl name="parChTrans1D2">
+    <dgm:fillClrLst meth="repeat">
+      <a:schemeClr val="accent1"/>
+    </dgm:fillClrLst>
+    <dgm:linClrLst meth="repeat">
+      <a:schemeClr val="accent1">
+        <a:shade val="60000"/>
+      </a:schemeClr>
+    </dgm:linClrLst>
+    <dgm:effectClrLst/>
+    <dgm:txLinClrLst/>
+    <dgm:txFillClrLst meth="repeat">
+      <a:schemeClr val="tx1"/>
+    </dgm:txFillClrLst>
+    <dgm:txEffectClrLst/>
+  </dgm:styleLbl>
+  <dgm:styleLbl name="parChTrans1D3">
+    <dgm:fillClrLst meth="repeat">
+      <a:schemeClr val="accent1"/>
+    </dgm:fillClrLst>
+    <dgm:linClrLst meth="repeat">
+      <a:schemeClr val="accent1">
+        <a:shade val="80000"/>
+      </a:schemeClr>
+    </dgm:linClrLst>
+    <dgm:effectClrLst/>
+    <dgm:txLinClrLst/>
+    <dgm:txFillClrLst meth="repeat">
+      <a:schemeClr val="tx1"/>
+    </dgm:txFillClrLst>
+    <dgm:txEffectClrLst/>
+  </dgm:styleLbl>
+  <dgm:styleLbl name="parChTrans1D4">
+    <dgm:fillClrLst meth="repeat">
+      <a:schemeClr val="accent1"/>
+    </dgm:fillClrLst>
+    <dgm:linClrLst meth="repeat">
+      <a:schemeClr val="accent1">
+        <a:shade val="80000"/>
+      </a:schemeClr>
+    </dgm:linClrLst>
+    <dgm:effectClrLst/>
+    <dgm:txLinClrLst/>
+    <dgm:txFillClrLst meth="repeat">
+      <a:schemeClr val="tx1"/>
+    </dgm:txFillClrLst>
+    <dgm:txEffectClrLst/>
+  </dgm:styleLbl>
+  <dgm:styleLbl name="fgAcc1">
+    <dgm:fillClrLst meth="repeat">
+      <a:schemeClr val="lt1">
+        <a:alpha val="90000"/>
+      </a:schemeClr>
+    </dgm:fillClrLst>
+    <dgm:linClrLst meth="repeat">
+      <a:schemeClr val="accent1"/>
+    </dgm:linClrLst>
+    <dgm:effectClrLst/>
+    <dgm:txLinClrLst/>
+    <dgm:txFillClrLst meth="repeat">
+      <a:schemeClr val="dk1"/>
+    </dgm:txFillClrLst>
+    <dgm:txEffectClrLst/>
+  </dgm:styleLbl>
+  <dgm:styleLbl name="conFgAcc1">
+    <dgm:fillClrLst meth="repeat">
+      <a:schemeClr val="lt1">
+        <a:alpha val="90000"/>
+      </a:schemeClr>
+    </dgm:fillClrLst>
+    <dgm:linClrLst meth="repeat">
+      <a:schemeClr val="accent1"/>
+    </dgm:linClrLst>
+    <dgm:effectClrLst/>
+    <dgm:txLinClrLst/>
+    <dgm:txFillClrLst meth="repeat">
+      <a:schemeClr val="dk1"/>
+    </dgm:txFillClrLst>
+    <dgm:txEffectClrLst/>
+  </dgm:styleLbl>
+  <dgm:styleLbl name="alignAcc1">
+    <dgm:fillClrLst meth="repeat">
+      <a:schemeClr val="lt1">
+        <a:alpha val="90000"/>
+      </a:schemeClr>
+    </dgm:fillClrLst>
+    <dgm:linClrLst meth="repeat">
+      <a:schemeClr val="accent1"/>
+    </dgm:linClrLst>
+    <dgm:effectClrLst/>
+    <dgm:txLinClrLst/>
+    <dgm:txFillClrLst meth="repeat">
+      <a:schemeClr val="dk1"/>
+    </dgm:txFillClrLst>
+    <dgm:txEffectClrLst/>
+  </dgm:styleLbl>
+  <dgm:styleLbl name="trAlignAcc1">
+    <dgm:fillClrLst meth="repeat">
+      <a:schemeClr val="lt1">
+        <a:alpha val="40000"/>
+      </a:schemeClr>
+    </dgm:fillClrLst>
+    <dgm:linClrLst meth="repeat">
+      <a:schemeClr val="accent1"/>
+    </dgm:linClrLst>
+    <dgm:effectClrLst/>
+    <dgm:txLinClrLst/>
+    <dgm:txFillClrLst meth="repeat">
+      <a:schemeClr val="dk1"/>
+    </dgm:txFillClrLst>
+    <dgm:txEffectClrLst/>
+  </dgm:styleLbl>
+  <dgm:styleLbl name="bgAcc1">
+    <dgm:fillClrLst meth="repeat">
+      <a:schemeClr val="lt1">
+        <a:alpha val="90000"/>
+      </a:schemeClr>
+    </dgm:fillClrLst>
+    <dgm:linClrLst meth="repeat">
+      <a:schemeClr val="accent1"/>
+    </dgm:linClrLst>
+    <dgm:effectClrLst/>
+    <dgm:txLinClrLst/>
+    <dgm:txFillClrLst meth="repeat">
+      <a:schemeClr val="dk1"/>
+    </dgm:txFillClrLst>
+    <dgm:txEffectClrLst/>
+  </dgm:styleLbl>
+  <dgm:styleLbl name="solidFgAcc1">
+    <dgm:fillClrLst meth="repeat">
+      <a:schemeClr val="lt1"/>
+    </dgm:fillClrLst>
+    <dgm:linClrLst meth="repeat">
+      <a:schemeClr val="accent1"/>
+    </dgm:linClrLst>
+    <dgm:effectClrLst/>
+    <dgm:txLinClrLst/>
+    <dgm:txFillClrLst meth="repeat">
+      <a:schemeClr val="dk1"/>
+    </dgm:txFillClrLst>
+    <dgm:txEffectClrLst/>
+  </dgm:styleLbl>
+  <dgm:styleLbl name="solidAlignAcc1">
+    <dgm:fillClrLst meth="repeat">
+      <a:schemeClr val="lt1"/>
+    </dgm:fillClrLst>
+    <dgm:linClrLst meth="repeat">
+      <a:schemeClr val="accent1"/>
+    </dgm:linClrLst>
+    <dgm:effectClrLst/>
+    <dgm:txLinClrLst/>
+    <dgm:txFillClrLst meth="repeat">
+      <a:schemeClr val="dk1"/>
+    </dgm:txFillClrLst>
+    <dgm:txEffectClrLst/>
+  </dgm:styleLbl>
+  <dgm:styleLbl name="solidBgAcc1">
+    <dgm:fillClrLst meth="repeat">
+      <a:schemeClr val="lt1"/>
+    </dgm:fillClrLst>
+    <dgm:linClrLst meth="repeat">
+      <a:schemeClr val="accent1"/>
+    </dgm:linClrLst>
+    <dgm:effectClrLst/>
+    <dgm:txLinClrLst/>
+    <dgm:txFillClrLst meth="repeat">
+      <a:schemeClr val="dk1"/>
+    </dgm:txFillClrLst>
+    <dgm:txEffectClrLst/>
+  </dgm:styleLbl>
+  <dgm:styleLbl name="fgAccFollowNode1">
+    <dgm:fillClrLst meth="repeat">
+      <a:schemeClr val="accent1">
+        <a:alpha val="90000"/>
+        <a:tint val="40000"/>
+      </a:schemeClr>
+    </dgm:fillClrLst>
+    <dgm:linClrLst meth="repeat">
+      <a:schemeClr val="accent1">
+        <a:alpha val="90000"/>
+        <a:tint val="40000"/>
+      </a:schemeClr>
+    </dgm:linClrLst>
+    <dgm:effectClrLst/>
+    <dgm:txLinClrLst/>
+    <dgm:txFillClrLst meth="repeat">
+      <a:schemeClr val="dk1"/>
+    </dgm:txFillClrLst>
+    <dgm:txEffectClrLst/>
+  </dgm:styleLbl>
+  <dgm:styleLbl name="alignAccFollowNode1">
+    <dgm:fillClrLst meth="repeat">
+      <a:schemeClr val="accent1">
+        <a:alpha val="90000"/>
+        <a:tint val="40000"/>
+      </a:schemeClr>
+    </dgm:fillClrLst>
+    <dgm:linClrLst meth="repeat">
+      <a:schemeClr val="accent1">
+        <a:alpha val="90000"/>
+        <a:tint val="40000"/>
+      </a:schemeClr>
+    </dgm:linClrLst>
+    <dgm:effectClrLst/>
+    <dgm:txLinClrLst/>
+    <dgm:txFillClrLst meth="repeat">
+      <a:schemeClr val="dk1"/>
+    </dgm:txFillClrLst>
+    <dgm:txEffectClrLst/>
+  </dgm:styleLbl>
+  <dgm:styleLbl name="bgAccFollowNode1">
+    <dgm:fillClrLst meth="repeat">
+      <a:schemeClr val="accent1">
+        <a:alpha val="90000"/>
+        <a:tint val="40000"/>
+      </a:schemeClr>
+    </dgm:fillClrLst>
+    <dgm:linClrLst meth="repeat">
+      <a:schemeClr val="accent1">
+        <a:alpha val="90000"/>
+        <a:tint val="40000"/>
+      </a:schemeClr>
+    </dgm:linClrLst>
+    <dgm:effectClrLst/>
+    <dgm:txLinClrLst/>
+    <dgm:txFillClrLst meth="repeat">
+      <a:schemeClr val="dk1"/>
+    </dgm:txFillClrLst>
+    <dgm:txEffectClrLst/>
+  </dgm:styleLbl>
+  <dgm:styleLbl name="fgAcc0">
+    <dgm:fillClrLst meth="repeat">
+      <a:schemeClr val="lt1">
+        <a:alpha val="90000"/>
+      </a:schemeClr>
+    </dgm:fillClrLst>
+    <dgm:linClrLst meth="repeat">
+      <a:schemeClr val="accent1"/>
+    </dgm:linClrLst>
+    <dgm:effectClrLst/>
+    <dgm:txLinClrLst/>
+    <dgm:txFillClrLst meth="repeat">
+      <a:schemeClr val="dk1"/>
+    </dgm:txFillClrLst>
+    <dgm:txEffectClrLst/>
+  </dgm:styleLbl>
+  <dgm:styleLbl name="fgAcc2">
+    <dgm:fillClrLst meth="repeat">
+      <a:schemeClr val="lt1">
+        <a:alpha val="90000"/>
+      </a:schemeClr>
+    </dgm:fillClrLst>
+    <dgm:linClrLst meth="repeat">
+      <a:schemeClr val="accent1"/>
+    </dgm:linClrLst>
+    <dgm:effectClrLst/>
+    <dgm:txLinClrLst/>
+    <dgm:txFillClrLst meth="repeat">
+      <a:schemeClr val="dk1"/>
+    </dgm:txFillClrLst>
+    <dgm:txEffectClrLst/>
+  </dgm:styleLbl>
+  <dgm:styleLbl name="fgAcc3">
+    <dgm:fillClrLst meth="repeat">
+      <a:schemeClr val="lt1">
+        <a:alpha val="90000"/>
+      </a:schemeClr>
+    </dgm:fillClrLst>
+    <dgm:linClrLst meth="repeat">
+      <a:schemeClr val="accent1"/>
+    </dgm:linClrLst>
+    <dgm:effectClrLst/>
+    <dgm:txLinClrLst/>
+    <dgm:txFillClrLst meth="repeat">
+      <a:schemeClr val="dk1"/>
+    </dgm:txFillClrLst>
+    <dgm:txEffectClrLst/>
+  </dgm:styleLbl>
+  <dgm:styleLbl name="fgAcc4">
+    <dgm:fillClrLst meth="repeat">
+      <a:schemeClr val="lt1">
+        <a:alpha val="90000"/>
+      </a:schemeClr>
+    </dgm:fillClrLst>
+    <dgm:linClrLst meth="repeat">
+      <a:schemeClr val="accent1"/>
+    </dgm:linClrLst>
+    <dgm:effectClrLst/>
+    <dgm:txLinClrLst/>
+    <dgm:txFillClrLst meth="repeat">
+      <a:schemeClr val="dk1"/>
+    </dgm:txFillClrLst>
+    <dgm:txEffectClrLst/>
+  </dgm:styleLbl>
+  <dgm:styleLbl name="bgShp">
+    <dgm:fillClrLst meth="repeat">
+      <a:schemeClr val="accent1">
+        <a:tint val="40000"/>
+      </a:schemeClr>
+    </dgm:fillClrLst>
+    <dgm:linClrLst meth="repeat">
+      <a:schemeClr val="accent1"/>
+    </dgm:linClrLst>
+    <dgm:effectClrLst/>
+    <dgm:txLinClrLst/>
+    <dgm:txFillClrLst meth="repeat">
+      <a:schemeClr val="dk1"/>
+    </dgm:txFillClrLst>
+    <dgm:txEffectClrLst/>
+  </dgm:styleLbl>
+  <dgm:styleLbl name="dkBgShp">
+    <dgm:fillClrLst meth="repeat">
+      <a:schemeClr val="accent1">
+        <a:shade val="80000"/>
+      </a:schemeClr>
+    </dgm:fillClrLst>
+    <dgm:linClrLst meth="repeat">
+      <a:schemeClr val="accent1"/>
+    </dgm:linClrLst>
+    <dgm:effectClrLst/>
+    <dgm:txLinClrLst/>
+    <dgm:txFillClrLst meth="repeat">
+      <a:schemeClr val="lt1"/>
+    </dgm:txFillClrLst>
+    <dgm:txEffectClrLst/>
+  </dgm:styleLbl>
+  <dgm:styleLbl name="trBgShp">
+    <dgm:fillClrLst meth="repeat">
+      <a:schemeClr val="accent1">
+        <a:tint val="50000"/>
+        <a:alpha val="40000"/>
+      </a:schemeClr>
+    </dgm:fillClrLst>
+    <dgm:linClrLst meth="repeat">
+      <a:schemeClr val="accent1"/>
+    </dgm:linClrLst>
+    <dgm:effectClrLst/>
+    <dgm:txLinClrLst/>
+    <dgm:txFillClrLst meth="repeat">
+      <a:schemeClr val="lt1"/>
+    </dgm:txFillClrLst>
+    <dgm:txEffectClrLst/>
+  </dgm:styleLbl>
+  <dgm:styleLbl name="fgShp">
+    <dgm:fillClrLst meth="repeat">
+      <a:schemeClr val="accent1">
+        <a:tint val="60000"/>
+      </a:schemeClr>
+    </dgm:fillClrLst>
+    <dgm:linClrLst meth="repeat">
+      <a:schemeClr val="lt1"/>
+    </dgm:linClrLst>
+    <dgm:effectClrLst/>
+    <dgm:txLinClrLst/>
+    <dgm:txFillClrLst meth="repeat">
+      <a:schemeClr val="dk1"/>
+    </dgm:txFillClrLst>
+    <dgm:txEffectClrLst/>
+  </dgm:styleLbl>
+  <dgm:styleLbl name="revTx">
+    <dgm:fillClrLst meth="repeat">
+      <a:schemeClr val="lt1">
+        <a:alpha val="0"/>
+      </a:schemeClr>
+    </dgm:fillClrLst>
+    <dgm:linClrLst meth="repeat">
+      <a:schemeClr val="dk1">
+        <a:alpha val="0"/>
+      </a:schemeClr>
+    </dgm:linClrLst>
+    <dgm:effectClrLst/>
+    <dgm:txLinClrLst/>
+    <dgm:txFillClrLst meth="repeat">
+      <a:schemeClr val="tx1"/>
+    </dgm:txFillClrLst>
+    <dgm:txEffectClrLst/>
+  </dgm:styleLbl>
+</dgm:colorsDef>
+</file>
+
+<file path=ppt/diagrams/data1.xml><?xml version="1.0" encoding="utf-8"?>
+<dgm:dataModel xmlns:dgm="http://schemas.openxmlformats.org/drawingml/2006/diagram" xmlns:a="http://schemas.openxmlformats.org/drawingml/2006/main">
+  <dgm:ptLst>
+    <dgm:pt modelId="{5603994E-E397-4F1E-BD0D-2CF7415002ED}" type="doc">
+      <dgm:prSet loTypeId="urn:microsoft.com/office/officeart/2005/8/layout/cycle6" loCatId="cycle" qsTypeId="urn:microsoft.com/office/officeart/2005/8/quickstyle/simple1" qsCatId="simple" csTypeId="urn:microsoft.com/office/officeart/2005/8/colors/accent1_2" csCatId="accent1" phldr="1"/>
+      <dgm:spPr/>
+      <dgm:t>
+        <a:bodyPr/>
+        <a:lstStyle/>
+        <a:p>
+          <a:endParaRPr lang="en-US"/>
+        </a:p>
+      </dgm:t>
+    </dgm:pt>
+    <dgm:pt modelId="{1BA18118-42AA-445E-847A-5A6DDE17B14E}">
+      <dgm:prSet phldrT="[Text]" custT="1"/>
+      <dgm:spPr/>
+      <dgm:t>
+        <a:bodyPr/>
+        <a:lstStyle/>
+        <a:p>
+          <a:pPr algn="r"/>
+          <a:r>
+            <a:rPr lang="en-US" sz="1100" dirty="0"/>
+            <a:t>Node 0</a:t>
+          </a:r>
+        </a:p>
+      </dgm:t>
+    </dgm:pt>
+    <dgm:pt modelId="{0FFFB65B-BCC7-418D-9F39-D208B54A6379}" type="parTrans" cxnId="{D9DFDD19-CBF5-4545-A6A3-13728770F5F1}">
+      <dgm:prSet/>
+      <dgm:spPr/>
+      <dgm:t>
+        <a:bodyPr/>
+        <a:lstStyle/>
+        <a:p>
+          <a:pPr algn="r"/>
+          <a:endParaRPr lang="en-US" sz="1100"/>
+        </a:p>
+      </dgm:t>
+    </dgm:pt>
+    <dgm:pt modelId="{9969A4B4-38A9-48B5-8AC0-F83CAD699C8C}" type="sibTrans" cxnId="{D9DFDD19-CBF5-4545-A6A3-13728770F5F1}">
+      <dgm:prSet/>
+      <dgm:spPr/>
+      <dgm:t>
+        <a:bodyPr/>
+        <a:lstStyle/>
+        <a:p>
+          <a:pPr algn="r"/>
+          <a:endParaRPr lang="en-US" sz="1100"/>
+        </a:p>
+      </dgm:t>
+    </dgm:pt>
+    <dgm:pt modelId="{5D2A2FDE-AA36-48AA-9F02-AE2712537F7B}">
+      <dgm:prSet phldrT="[Text]" custT="1"/>
+      <dgm:spPr/>
+      <dgm:t>
+        <a:bodyPr/>
+        <a:lstStyle/>
+        <a:p>
+          <a:pPr algn="r"/>
+          <a:r>
+            <a:rPr lang="en-US" sz="1100" dirty="0"/>
+            <a:t>Node 1</a:t>
+          </a:r>
+        </a:p>
+      </dgm:t>
+    </dgm:pt>
+    <dgm:pt modelId="{8F9321E7-5351-46F4-AE52-E78D2736D3D2}" type="parTrans" cxnId="{93E9F5F7-B9D5-4E5D-B7F9-5C09DDB001D2}">
+      <dgm:prSet/>
+      <dgm:spPr/>
+      <dgm:t>
+        <a:bodyPr/>
+        <a:lstStyle/>
+        <a:p>
+          <a:pPr algn="r"/>
+          <a:endParaRPr lang="en-US" sz="1100"/>
+        </a:p>
+      </dgm:t>
+    </dgm:pt>
+    <dgm:pt modelId="{B4AE791C-ACEF-4AF5-96F4-8633A1C56B97}" type="sibTrans" cxnId="{93E9F5F7-B9D5-4E5D-B7F9-5C09DDB001D2}">
+      <dgm:prSet/>
+      <dgm:spPr/>
+      <dgm:t>
+        <a:bodyPr/>
+        <a:lstStyle/>
+        <a:p>
+          <a:pPr algn="r"/>
+          <a:endParaRPr lang="en-US" sz="1100"/>
+        </a:p>
+      </dgm:t>
+    </dgm:pt>
+    <dgm:pt modelId="{D31C8182-2E63-4216-AAE9-0BAA60F6D1C6}">
+      <dgm:prSet phldrT="[Text]" custT="1"/>
+      <dgm:spPr/>
+      <dgm:t>
+        <a:bodyPr/>
+        <a:lstStyle/>
+        <a:p>
+          <a:pPr algn="r"/>
+          <a:r>
+            <a:rPr lang="en-US" sz="1100" dirty="0"/>
+            <a:t>Node 2</a:t>
+          </a:r>
+        </a:p>
+      </dgm:t>
+    </dgm:pt>
+    <dgm:pt modelId="{1CA0ED63-1F4F-4A48-B49E-893CDFD95E91}" type="parTrans" cxnId="{BD10D114-7F36-4A0C-9FEF-0DD0B3677C31}">
+      <dgm:prSet/>
+      <dgm:spPr/>
+      <dgm:t>
+        <a:bodyPr/>
+        <a:lstStyle/>
+        <a:p>
+          <a:pPr algn="r"/>
+          <a:endParaRPr lang="en-US" sz="1100"/>
+        </a:p>
+      </dgm:t>
+    </dgm:pt>
+    <dgm:pt modelId="{3E3ABCE4-2CFD-44D3-8034-435D4F5A1A6B}" type="sibTrans" cxnId="{BD10D114-7F36-4A0C-9FEF-0DD0B3677C31}">
+      <dgm:prSet/>
+      <dgm:spPr/>
+      <dgm:t>
+        <a:bodyPr/>
+        <a:lstStyle/>
+        <a:p>
+          <a:pPr algn="r"/>
+          <a:endParaRPr lang="en-US" sz="1100"/>
+        </a:p>
+      </dgm:t>
+    </dgm:pt>
+    <dgm:pt modelId="{F65C6708-60F4-4428-9988-E630EA6AF51B}">
+      <dgm:prSet phldrT="[Text]" custT="1"/>
+      <dgm:spPr/>
+      <dgm:t>
+        <a:bodyPr/>
+        <a:lstStyle/>
+        <a:p>
+          <a:pPr algn="r"/>
+          <a:r>
+            <a:rPr lang="en-US" sz="1100" dirty="0"/>
+            <a:t>Node 3</a:t>
+          </a:r>
+        </a:p>
+      </dgm:t>
+    </dgm:pt>
+    <dgm:pt modelId="{F648B5D5-FF2D-4C06-9811-455DFC813199}" type="parTrans" cxnId="{A5E726E6-0369-4981-8332-F006BFD0ED65}">
+      <dgm:prSet/>
+      <dgm:spPr/>
+      <dgm:t>
+        <a:bodyPr/>
+        <a:lstStyle/>
+        <a:p>
+          <a:pPr algn="r"/>
+          <a:endParaRPr lang="en-US" sz="1100"/>
+        </a:p>
+      </dgm:t>
+    </dgm:pt>
+    <dgm:pt modelId="{50AB9709-3306-41BA-A116-381A41C046AC}" type="sibTrans" cxnId="{A5E726E6-0369-4981-8332-F006BFD0ED65}">
+      <dgm:prSet/>
+      <dgm:spPr/>
+      <dgm:t>
+        <a:bodyPr/>
+        <a:lstStyle/>
+        <a:p>
+          <a:pPr algn="r"/>
+          <a:endParaRPr lang="en-US" sz="1100"/>
+        </a:p>
+      </dgm:t>
+    </dgm:pt>
+    <dgm:pt modelId="{182C485C-F71B-475D-8FA1-54807624D671}">
+      <dgm:prSet phldrT="[Text]" custT="1"/>
+      <dgm:spPr/>
+      <dgm:t>
+        <a:bodyPr/>
+        <a:lstStyle/>
+        <a:p>
+          <a:pPr algn="r"/>
+          <a:r>
+            <a:rPr lang="en-US" sz="1100" dirty="0"/>
+            <a:t>Node 4</a:t>
+          </a:r>
+        </a:p>
+      </dgm:t>
+    </dgm:pt>
+    <dgm:pt modelId="{678D7D27-F927-47AF-8444-F84D14DA4FE9}" type="sibTrans" cxnId="{6C4B1554-BE1C-4AF1-BD05-01B762C7DAE7}">
+      <dgm:prSet/>
+      <dgm:spPr/>
+      <dgm:t>
+        <a:bodyPr/>
+        <a:lstStyle/>
+        <a:p>
+          <a:pPr algn="r"/>
+          <a:endParaRPr lang="en-US" sz="1100"/>
+        </a:p>
+      </dgm:t>
+    </dgm:pt>
+    <dgm:pt modelId="{62C34457-202A-4F36-97BB-A43DF677E945}" type="parTrans" cxnId="{6C4B1554-BE1C-4AF1-BD05-01B762C7DAE7}">
+      <dgm:prSet/>
+      <dgm:spPr/>
+      <dgm:t>
+        <a:bodyPr/>
+        <a:lstStyle/>
+        <a:p>
+          <a:pPr algn="r"/>
+          <a:endParaRPr lang="en-US" sz="1100"/>
+        </a:p>
+      </dgm:t>
+    </dgm:pt>
+    <dgm:pt modelId="{2C001605-7B91-43F5-AD95-961CBBB5D05A}" type="pres">
+      <dgm:prSet presAssocID="{5603994E-E397-4F1E-BD0D-2CF7415002ED}" presName="cycle" presStyleCnt="0">
+        <dgm:presLayoutVars>
+          <dgm:dir/>
+          <dgm:resizeHandles val="exact"/>
+        </dgm:presLayoutVars>
+      </dgm:prSet>
+      <dgm:spPr/>
+    </dgm:pt>
+    <dgm:pt modelId="{9FFD6286-BB3E-45EB-9810-7A5D69F5B6CF}" type="pres">
+      <dgm:prSet presAssocID="{1BA18118-42AA-445E-847A-5A6DDE17B14E}" presName="node" presStyleLbl="node1" presStyleIdx="0" presStyleCnt="5">
+        <dgm:presLayoutVars>
+          <dgm:bulletEnabled val="1"/>
+        </dgm:presLayoutVars>
+      </dgm:prSet>
+      <dgm:spPr/>
+    </dgm:pt>
+    <dgm:pt modelId="{7337AAAF-5DB3-426B-9B40-E80D13DB1A1C}" type="pres">
+      <dgm:prSet presAssocID="{1BA18118-42AA-445E-847A-5A6DDE17B14E}" presName="spNode" presStyleCnt="0"/>
+      <dgm:spPr/>
+    </dgm:pt>
+    <dgm:pt modelId="{5D27FCD1-B115-47EF-A2F3-B0B05788D073}" type="pres">
+      <dgm:prSet presAssocID="{9969A4B4-38A9-48B5-8AC0-F83CAD699C8C}" presName="sibTrans" presStyleLbl="sibTrans1D1" presStyleIdx="0" presStyleCnt="5"/>
+      <dgm:spPr/>
+    </dgm:pt>
+    <dgm:pt modelId="{7FF7D933-3E3C-454C-AB10-DD0E0BA088E5}" type="pres">
+      <dgm:prSet presAssocID="{5D2A2FDE-AA36-48AA-9F02-AE2712537F7B}" presName="node" presStyleLbl="node1" presStyleIdx="1" presStyleCnt="5">
+        <dgm:presLayoutVars>
+          <dgm:bulletEnabled val="1"/>
+        </dgm:presLayoutVars>
+      </dgm:prSet>
+      <dgm:spPr/>
+    </dgm:pt>
+    <dgm:pt modelId="{644AF5E5-C88D-43C3-BE1E-02B3F67C7A8A}" type="pres">
+      <dgm:prSet presAssocID="{5D2A2FDE-AA36-48AA-9F02-AE2712537F7B}" presName="spNode" presStyleCnt="0"/>
+      <dgm:spPr/>
+    </dgm:pt>
+    <dgm:pt modelId="{9498B5FE-7748-494D-B837-026E9E5D4BFB}" type="pres">
+      <dgm:prSet presAssocID="{B4AE791C-ACEF-4AF5-96F4-8633A1C56B97}" presName="sibTrans" presStyleLbl="sibTrans1D1" presStyleIdx="1" presStyleCnt="5"/>
+      <dgm:spPr/>
+    </dgm:pt>
+    <dgm:pt modelId="{53803C2F-5733-49C8-BE2B-ABB52E6EA166}" type="pres">
+      <dgm:prSet presAssocID="{D31C8182-2E63-4216-AAE9-0BAA60F6D1C6}" presName="node" presStyleLbl="node1" presStyleIdx="2" presStyleCnt="5">
+        <dgm:presLayoutVars>
+          <dgm:bulletEnabled val="1"/>
+        </dgm:presLayoutVars>
+      </dgm:prSet>
+      <dgm:spPr/>
+    </dgm:pt>
+    <dgm:pt modelId="{E3AE1985-1607-4FB5-80C8-9B3C610CB7C8}" type="pres">
+      <dgm:prSet presAssocID="{D31C8182-2E63-4216-AAE9-0BAA60F6D1C6}" presName="spNode" presStyleCnt="0"/>
+      <dgm:spPr/>
+    </dgm:pt>
+    <dgm:pt modelId="{9AEF055B-5F68-41B1-B3E0-520E08AACD80}" type="pres">
+      <dgm:prSet presAssocID="{3E3ABCE4-2CFD-44D3-8034-435D4F5A1A6B}" presName="sibTrans" presStyleLbl="sibTrans1D1" presStyleIdx="2" presStyleCnt="5"/>
+      <dgm:spPr/>
+    </dgm:pt>
+    <dgm:pt modelId="{D79FED62-E142-45CD-B87A-50190DFD3606}" type="pres">
+      <dgm:prSet presAssocID="{F65C6708-60F4-4428-9988-E630EA6AF51B}" presName="node" presStyleLbl="node1" presStyleIdx="3" presStyleCnt="5">
+        <dgm:presLayoutVars>
+          <dgm:bulletEnabled val="1"/>
+        </dgm:presLayoutVars>
+      </dgm:prSet>
+      <dgm:spPr/>
+    </dgm:pt>
+    <dgm:pt modelId="{0EE8683A-0FB3-4900-85E0-59E314D54FC2}" type="pres">
+      <dgm:prSet presAssocID="{F65C6708-60F4-4428-9988-E630EA6AF51B}" presName="spNode" presStyleCnt="0"/>
+      <dgm:spPr/>
+    </dgm:pt>
+    <dgm:pt modelId="{678E38F1-30A8-4F39-AAC3-8836EF668087}" type="pres">
+      <dgm:prSet presAssocID="{50AB9709-3306-41BA-A116-381A41C046AC}" presName="sibTrans" presStyleLbl="sibTrans1D1" presStyleIdx="3" presStyleCnt="5"/>
+      <dgm:spPr/>
+    </dgm:pt>
+    <dgm:pt modelId="{F54AD82D-41DF-4A83-92A8-DA2FD21373C9}" type="pres">
+      <dgm:prSet presAssocID="{182C485C-F71B-475D-8FA1-54807624D671}" presName="node" presStyleLbl="node1" presStyleIdx="4" presStyleCnt="5">
+        <dgm:presLayoutVars>
+          <dgm:bulletEnabled val="1"/>
+        </dgm:presLayoutVars>
+      </dgm:prSet>
+      <dgm:spPr/>
+    </dgm:pt>
+    <dgm:pt modelId="{E9B141FC-CAF9-4C2A-88A4-424EEA0A81FD}" type="pres">
+      <dgm:prSet presAssocID="{182C485C-F71B-475D-8FA1-54807624D671}" presName="spNode" presStyleCnt="0"/>
+      <dgm:spPr/>
+    </dgm:pt>
+    <dgm:pt modelId="{4FED0471-E7FA-43DC-B595-52E1966773A1}" type="pres">
+      <dgm:prSet presAssocID="{678D7D27-F927-47AF-8444-F84D14DA4FE9}" presName="sibTrans" presStyleLbl="sibTrans1D1" presStyleIdx="4" presStyleCnt="5"/>
+      <dgm:spPr/>
+    </dgm:pt>
+  </dgm:ptLst>
+  <dgm:cxnLst>
+    <dgm:cxn modelId="{83B9BAA4-9293-4C03-834C-72A607F31B1B}" type="presOf" srcId="{5D2A2FDE-AA36-48AA-9F02-AE2712537F7B}" destId="{7FF7D933-3E3C-454C-AB10-DD0E0BA088E5}" srcOrd="0" destOrd="0" presId="urn:microsoft.com/office/officeart/2005/8/layout/cycle6"/>
+    <dgm:cxn modelId="{BD10D114-7F36-4A0C-9FEF-0DD0B3677C31}" srcId="{5603994E-E397-4F1E-BD0D-2CF7415002ED}" destId="{D31C8182-2E63-4216-AAE9-0BAA60F6D1C6}" srcOrd="2" destOrd="0" parTransId="{1CA0ED63-1F4F-4A48-B49E-893CDFD95E91}" sibTransId="{3E3ABCE4-2CFD-44D3-8034-435D4F5A1A6B}"/>
+    <dgm:cxn modelId="{F5F0BE32-DE31-4E6D-9BB5-0581082414B2}" type="presOf" srcId="{182C485C-F71B-475D-8FA1-54807624D671}" destId="{F54AD82D-41DF-4A83-92A8-DA2FD21373C9}" srcOrd="0" destOrd="0" presId="urn:microsoft.com/office/officeart/2005/8/layout/cycle6"/>
+    <dgm:cxn modelId="{5776C8F8-ECB7-4702-AEBE-6295704A59BE}" type="presOf" srcId="{1BA18118-42AA-445E-847A-5A6DDE17B14E}" destId="{9FFD6286-BB3E-45EB-9810-7A5D69F5B6CF}" srcOrd="0" destOrd="0" presId="urn:microsoft.com/office/officeart/2005/8/layout/cycle6"/>
+    <dgm:cxn modelId="{A5E726E6-0369-4981-8332-F006BFD0ED65}" srcId="{5603994E-E397-4F1E-BD0D-2CF7415002ED}" destId="{F65C6708-60F4-4428-9988-E630EA6AF51B}" srcOrd="3" destOrd="0" parTransId="{F648B5D5-FF2D-4C06-9811-455DFC813199}" sibTransId="{50AB9709-3306-41BA-A116-381A41C046AC}"/>
+    <dgm:cxn modelId="{BD774E5D-1682-41CE-9E4D-E847FDA1DE39}" type="presOf" srcId="{D31C8182-2E63-4216-AAE9-0BAA60F6D1C6}" destId="{53803C2F-5733-49C8-BE2B-ABB52E6EA166}" srcOrd="0" destOrd="0" presId="urn:microsoft.com/office/officeart/2005/8/layout/cycle6"/>
+    <dgm:cxn modelId="{D50F916E-5C43-4B09-8552-35E04C72AFC6}" type="presOf" srcId="{9969A4B4-38A9-48B5-8AC0-F83CAD699C8C}" destId="{5D27FCD1-B115-47EF-A2F3-B0B05788D073}" srcOrd="0" destOrd="0" presId="urn:microsoft.com/office/officeart/2005/8/layout/cycle6"/>
+    <dgm:cxn modelId="{08B56A34-1BD1-4ACB-B1C4-E13C8FAB35EC}" type="presOf" srcId="{3E3ABCE4-2CFD-44D3-8034-435D4F5A1A6B}" destId="{9AEF055B-5F68-41B1-B3E0-520E08AACD80}" srcOrd="0" destOrd="0" presId="urn:microsoft.com/office/officeart/2005/8/layout/cycle6"/>
+    <dgm:cxn modelId="{5905414D-C82A-4945-A27C-D3CDD01E7EF2}" type="presOf" srcId="{B4AE791C-ACEF-4AF5-96F4-8633A1C56B97}" destId="{9498B5FE-7748-494D-B837-026E9E5D4BFB}" srcOrd="0" destOrd="0" presId="urn:microsoft.com/office/officeart/2005/8/layout/cycle6"/>
+    <dgm:cxn modelId="{D9DFDD19-CBF5-4545-A6A3-13728770F5F1}" srcId="{5603994E-E397-4F1E-BD0D-2CF7415002ED}" destId="{1BA18118-42AA-445E-847A-5A6DDE17B14E}" srcOrd="0" destOrd="0" parTransId="{0FFFB65B-BCC7-418D-9F39-D208B54A6379}" sibTransId="{9969A4B4-38A9-48B5-8AC0-F83CAD699C8C}"/>
+    <dgm:cxn modelId="{93E9F5F7-B9D5-4E5D-B7F9-5C09DDB001D2}" srcId="{5603994E-E397-4F1E-BD0D-2CF7415002ED}" destId="{5D2A2FDE-AA36-48AA-9F02-AE2712537F7B}" srcOrd="1" destOrd="0" parTransId="{8F9321E7-5351-46F4-AE52-E78D2736D3D2}" sibTransId="{B4AE791C-ACEF-4AF5-96F4-8633A1C56B97}"/>
+    <dgm:cxn modelId="{75DA6E65-AD67-4B02-B656-78AB0A2D2FAC}" type="presOf" srcId="{5603994E-E397-4F1E-BD0D-2CF7415002ED}" destId="{2C001605-7B91-43F5-AD95-961CBBB5D05A}" srcOrd="0" destOrd="0" presId="urn:microsoft.com/office/officeart/2005/8/layout/cycle6"/>
+    <dgm:cxn modelId="{D619B7A2-D1C1-4214-92BA-1ECD5D1EC499}" type="presOf" srcId="{F65C6708-60F4-4428-9988-E630EA6AF51B}" destId="{D79FED62-E142-45CD-B87A-50190DFD3606}" srcOrd="0" destOrd="0" presId="urn:microsoft.com/office/officeart/2005/8/layout/cycle6"/>
+    <dgm:cxn modelId="{F979C179-5FD3-486E-9F6A-49B6B4EBB907}" type="presOf" srcId="{678D7D27-F927-47AF-8444-F84D14DA4FE9}" destId="{4FED0471-E7FA-43DC-B595-52E1966773A1}" srcOrd="0" destOrd="0" presId="urn:microsoft.com/office/officeart/2005/8/layout/cycle6"/>
+    <dgm:cxn modelId="{1CFC375D-F302-471C-8204-1DA028242BA6}" type="presOf" srcId="{50AB9709-3306-41BA-A116-381A41C046AC}" destId="{678E38F1-30A8-4F39-AAC3-8836EF668087}" srcOrd="0" destOrd="0" presId="urn:microsoft.com/office/officeart/2005/8/layout/cycle6"/>
+    <dgm:cxn modelId="{6C4B1554-BE1C-4AF1-BD05-01B762C7DAE7}" srcId="{5603994E-E397-4F1E-BD0D-2CF7415002ED}" destId="{182C485C-F71B-475D-8FA1-54807624D671}" srcOrd="4" destOrd="0" parTransId="{62C34457-202A-4F36-97BB-A43DF677E945}" sibTransId="{678D7D27-F927-47AF-8444-F84D14DA4FE9}"/>
+    <dgm:cxn modelId="{23ADBBF6-5C93-4849-8F24-DE68F96C24EF}" type="presParOf" srcId="{2C001605-7B91-43F5-AD95-961CBBB5D05A}" destId="{9FFD6286-BB3E-45EB-9810-7A5D69F5B6CF}" srcOrd="0" destOrd="0" presId="urn:microsoft.com/office/officeart/2005/8/layout/cycle6"/>
+    <dgm:cxn modelId="{8ED0CA0E-79E9-4EAA-900B-850BBA4BF5F7}" type="presParOf" srcId="{2C001605-7B91-43F5-AD95-961CBBB5D05A}" destId="{7337AAAF-5DB3-426B-9B40-E80D13DB1A1C}" srcOrd="1" destOrd="0" presId="urn:microsoft.com/office/officeart/2005/8/layout/cycle6"/>
+    <dgm:cxn modelId="{0FA8045B-1494-4A83-82D5-A44A8E8E79E9}" type="presParOf" srcId="{2C001605-7B91-43F5-AD95-961CBBB5D05A}" destId="{5D27FCD1-B115-47EF-A2F3-B0B05788D073}" srcOrd="2" destOrd="0" presId="urn:microsoft.com/office/officeart/2005/8/layout/cycle6"/>
+    <dgm:cxn modelId="{F9A24F6A-428D-4686-9E3F-85F6A1661290}" type="presParOf" srcId="{2C001605-7B91-43F5-AD95-961CBBB5D05A}" destId="{7FF7D933-3E3C-454C-AB10-DD0E0BA088E5}" srcOrd="3" destOrd="0" presId="urn:microsoft.com/office/officeart/2005/8/layout/cycle6"/>
+    <dgm:cxn modelId="{0A1E8706-DFB7-45C9-88DC-518CA5FDE38D}" type="presParOf" srcId="{2C001605-7B91-43F5-AD95-961CBBB5D05A}" destId="{644AF5E5-C88D-43C3-BE1E-02B3F67C7A8A}" srcOrd="4" destOrd="0" presId="urn:microsoft.com/office/officeart/2005/8/layout/cycle6"/>
+    <dgm:cxn modelId="{7594503B-A054-46F1-8538-6ABA15EFAD90}" type="presParOf" srcId="{2C001605-7B91-43F5-AD95-961CBBB5D05A}" destId="{9498B5FE-7748-494D-B837-026E9E5D4BFB}" srcOrd="5" destOrd="0" presId="urn:microsoft.com/office/officeart/2005/8/layout/cycle6"/>
+    <dgm:cxn modelId="{9415D491-A416-486A-8C64-0A155D22D4AD}" type="presParOf" srcId="{2C001605-7B91-43F5-AD95-961CBBB5D05A}" destId="{53803C2F-5733-49C8-BE2B-ABB52E6EA166}" srcOrd="6" destOrd="0" presId="urn:microsoft.com/office/officeart/2005/8/layout/cycle6"/>
+    <dgm:cxn modelId="{28895580-782E-4879-A5BE-D579AD340345}" type="presParOf" srcId="{2C001605-7B91-43F5-AD95-961CBBB5D05A}" destId="{E3AE1985-1607-4FB5-80C8-9B3C610CB7C8}" srcOrd="7" destOrd="0" presId="urn:microsoft.com/office/officeart/2005/8/layout/cycle6"/>
+    <dgm:cxn modelId="{9623780A-A25E-4AC2-969A-CB0C56816D3D}" type="presParOf" srcId="{2C001605-7B91-43F5-AD95-961CBBB5D05A}" destId="{9AEF055B-5F68-41B1-B3E0-520E08AACD80}" srcOrd="8" destOrd="0" presId="urn:microsoft.com/office/officeart/2005/8/layout/cycle6"/>
+    <dgm:cxn modelId="{736F1797-DD99-44F6-AD46-40D0AD07EBDE}" type="presParOf" srcId="{2C001605-7B91-43F5-AD95-961CBBB5D05A}" destId="{D79FED62-E142-45CD-B87A-50190DFD3606}" srcOrd="9" destOrd="0" presId="urn:microsoft.com/office/officeart/2005/8/layout/cycle6"/>
+    <dgm:cxn modelId="{A7EF336E-D39E-4416-841A-E4EC1E86F5F7}" type="presParOf" srcId="{2C001605-7B91-43F5-AD95-961CBBB5D05A}" destId="{0EE8683A-0FB3-4900-85E0-59E314D54FC2}" srcOrd="10" destOrd="0" presId="urn:microsoft.com/office/officeart/2005/8/layout/cycle6"/>
+    <dgm:cxn modelId="{2DC2A0E9-9997-45F9-B027-8C6A5B85A4D3}" type="presParOf" srcId="{2C001605-7B91-43F5-AD95-961CBBB5D05A}" destId="{678E38F1-30A8-4F39-AAC3-8836EF668087}" srcOrd="11" destOrd="0" presId="urn:microsoft.com/office/officeart/2005/8/layout/cycle6"/>
+    <dgm:cxn modelId="{686CC027-0456-4038-8AA9-1CE68D15ED8E}" type="presParOf" srcId="{2C001605-7B91-43F5-AD95-961CBBB5D05A}" destId="{F54AD82D-41DF-4A83-92A8-DA2FD21373C9}" srcOrd="12" destOrd="0" presId="urn:microsoft.com/office/officeart/2005/8/layout/cycle6"/>
+    <dgm:cxn modelId="{96FB43FA-710B-4FC7-8D7B-08827719E6B1}" type="presParOf" srcId="{2C001605-7B91-43F5-AD95-961CBBB5D05A}" destId="{E9B141FC-CAF9-4C2A-88A4-424EEA0A81FD}" srcOrd="13" destOrd="0" presId="urn:microsoft.com/office/officeart/2005/8/layout/cycle6"/>
+    <dgm:cxn modelId="{9B87D6EA-975F-410C-BBBE-FDCF206310F2}" type="presParOf" srcId="{2C001605-7B91-43F5-AD95-961CBBB5D05A}" destId="{4FED0471-E7FA-43DC-B595-52E1966773A1}" srcOrd="14" destOrd="0" presId="urn:microsoft.com/office/officeart/2005/8/layout/cycle6"/>
+  </dgm:cxnLst>
+  <dgm:bg/>
+  <dgm:whole/>
+  <dgm:extLst>
+    <a:ext uri="http://schemas.microsoft.com/office/drawing/2008/diagram">
+      <dsp:dataModelExt xmlns:dsp="http://schemas.microsoft.com/office/drawing/2008/diagram" relId="rId6" minVer="http://schemas.openxmlformats.org/drawingml/2006/diagram"/>
+    </a:ext>
+  </dgm:extLst>
+</dgm:dataModel>
+</file>
+
+<file path=ppt/diagrams/drawing1.xml><?xml version="1.0" encoding="utf-8"?>
+<dsp:drawing xmlns:dgm="http://schemas.openxmlformats.org/drawingml/2006/diagram" xmlns:dsp="http://schemas.microsoft.com/office/drawing/2008/diagram" xmlns:a="http://schemas.openxmlformats.org/drawingml/2006/main">
+  <dsp:spTree>
+    <dsp:nvGrpSpPr>
+      <dsp:cNvPr id="0" name=""/>
+      <dsp:cNvGrpSpPr/>
+    </dsp:nvGrpSpPr>
+    <dsp:grpSpPr/>
+    <dsp:sp modelId="{9FFD6286-BB3E-45EB-9810-7A5D69F5B6CF}">
+      <dsp:nvSpPr>
+        <dsp:cNvPr id="0" name=""/>
+        <dsp:cNvSpPr/>
+      </dsp:nvSpPr>
+      <dsp:spPr>
+        <a:xfrm>
+          <a:off x="2380505" y="2370"/>
+          <a:ext cx="1334988" cy="867742"/>
+        </a:xfrm>
+        <a:prstGeom prst="roundRect">
+          <a:avLst/>
+        </a:prstGeom>
+        <a:solidFill>
+          <a:schemeClr val="accent1">
+            <a:hueOff val="0"/>
+            <a:satOff val="0"/>
+            <a:lumOff val="0"/>
+            <a:alphaOff val="0"/>
+          </a:schemeClr>
+        </a:solidFill>
+        <a:ln w="15875" cap="rnd" cmpd="sng" algn="ctr">
+          <a:solidFill>
+            <a:schemeClr val="lt1">
+              <a:hueOff val="0"/>
+              <a:satOff val="0"/>
+              <a:lumOff val="0"/>
+              <a:alphaOff val="0"/>
+            </a:schemeClr>
+          </a:solidFill>
+          <a:prstDash val="solid"/>
+        </a:ln>
+        <a:effectLst/>
+      </dsp:spPr>
+      <dsp:style>
+        <a:lnRef idx="2">
+          <a:scrgbClr r="0" g="0" b="0"/>
+        </a:lnRef>
+        <a:fillRef idx="1">
+          <a:scrgbClr r="0" g="0" b="0"/>
+        </a:fillRef>
+        <a:effectRef idx="0">
+          <a:scrgbClr r="0" g="0" b="0"/>
+        </a:effectRef>
+        <a:fontRef idx="minor">
+          <a:schemeClr val="lt1"/>
+        </a:fontRef>
+      </dsp:style>
+      <dsp:txBody>
+        <a:bodyPr spcFirstLastPara="0" vert="horz" wrap="square" lIns="41910" tIns="41910" rIns="41910" bIns="41910" numCol="1" spcCol="1270" anchor="ctr" anchorCtr="0">
+          <a:noAutofit/>
+        </a:bodyPr>
+        <a:lstStyle/>
+        <a:p>
+          <a:pPr marL="0" lvl="0" indent="0" algn="r" defTabSz="488950">
+            <a:lnSpc>
+              <a:spcPct val="90000"/>
+            </a:lnSpc>
+            <a:spcBef>
+              <a:spcPct val="0"/>
+            </a:spcBef>
+            <a:spcAft>
+              <a:spcPct val="35000"/>
+            </a:spcAft>
+            <a:buNone/>
+          </a:pPr>
+          <a:r>
+            <a:rPr lang="en-US" sz="1100" kern="1200" dirty="0"/>
+            <a:t>Node 0</a:t>
+          </a:r>
+        </a:p>
+      </dsp:txBody>
+      <dsp:txXfrm>
+        <a:off x="2422865" y="44730"/>
+        <a:ext cx="1250268" cy="783022"/>
+      </dsp:txXfrm>
+    </dsp:sp>
+    <dsp:sp modelId="{5D27FCD1-B115-47EF-A2F3-B0B05788D073}">
+      <dsp:nvSpPr>
+        <dsp:cNvPr id="0" name=""/>
+        <dsp:cNvSpPr/>
+      </dsp:nvSpPr>
+      <dsp:spPr>
+        <a:xfrm>
+          <a:off x="1315405" y="436241"/>
+          <a:ext cx="3465188" cy="3465188"/>
+        </a:xfrm>
+        <a:custGeom>
+          <a:avLst/>
+          <a:gdLst/>
+          <a:ahLst/>
+          <a:cxnLst/>
+          <a:rect l="0" t="0" r="0" b="0"/>
+          <a:pathLst>
+            <a:path>
+              <a:moveTo>
+                <a:pt x="2409246" y="137594"/>
+              </a:moveTo>
+              <a:arcTo wR="1732594" hR="1732594" stAng="17579295" swAng="1959991"/>
+            </a:path>
+          </a:pathLst>
+        </a:custGeom>
+        <a:noFill/>
+        <a:ln w="9525" cap="rnd" cmpd="sng" algn="ctr">
+          <a:solidFill>
+            <a:schemeClr val="accent1">
+              <a:hueOff val="0"/>
+              <a:satOff val="0"/>
+              <a:lumOff val="0"/>
+              <a:alphaOff val="0"/>
+            </a:schemeClr>
+          </a:solidFill>
+          <a:prstDash val="solid"/>
+        </a:ln>
+        <a:effectLst/>
+      </dsp:spPr>
+      <dsp:style>
+        <a:lnRef idx="1">
+          <a:scrgbClr r="0" g="0" b="0"/>
+        </a:lnRef>
+        <a:fillRef idx="0">
+          <a:scrgbClr r="0" g="0" b="0"/>
+        </a:fillRef>
+        <a:effectRef idx="0">
+          <a:scrgbClr r="0" g="0" b="0"/>
+        </a:effectRef>
+        <a:fontRef idx="minor"/>
+      </dsp:style>
+    </dsp:sp>
+    <dsp:sp modelId="{7FF7D933-3E3C-454C-AB10-DD0E0BA088E5}">
+      <dsp:nvSpPr>
+        <dsp:cNvPr id="0" name=""/>
+        <dsp:cNvSpPr/>
+      </dsp:nvSpPr>
+      <dsp:spPr>
+        <a:xfrm>
+          <a:off x="4028301" y="1199563"/>
+          <a:ext cx="1334988" cy="867742"/>
+        </a:xfrm>
+        <a:prstGeom prst="roundRect">
+          <a:avLst/>
+        </a:prstGeom>
+        <a:solidFill>
+          <a:schemeClr val="accent1">
+            <a:hueOff val="0"/>
+            <a:satOff val="0"/>
+            <a:lumOff val="0"/>
+            <a:alphaOff val="0"/>
+          </a:schemeClr>
+        </a:solidFill>
+        <a:ln w="15875" cap="rnd" cmpd="sng" algn="ctr">
+          <a:solidFill>
+            <a:schemeClr val="lt1">
+              <a:hueOff val="0"/>
+              <a:satOff val="0"/>
+              <a:lumOff val="0"/>
+              <a:alphaOff val="0"/>
+            </a:schemeClr>
+          </a:solidFill>
+          <a:prstDash val="solid"/>
+        </a:ln>
+        <a:effectLst/>
+      </dsp:spPr>
+      <dsp:style>
+        <a:lnRef idx="2">
+          <a:scrgbClr r="0" g="0" b="0"/>
+        </a:lnRef>
+        <a:fillRef idx="1">
+          <a:scrgbClr r="0" g="0" b="0"/>
+        </a:fillRef>
+        <a:effectRef idx="0">
+          <a:scrgbClr r="0" g="0" b="0"/>
+        </a:effectRef>
+        <a:fontRef idx="minor">
+          <a:schemeClr val="lt1"/>
+        </a:fontRef>
+      </dsp:style>
+      <dsp:txBody>
+        <a:bodyPr spcFirstLastPara="0" vert="horz" wrap="square" lIns="41910" tIns="41910" rIns="41910" bIns="41910" numCol="1" spcCol="1270" anchor="ctr" anchorCtr="0">
+          <a:noAutofit/>
+        </a:bodyPr>
+        <a:lstStyle/>
+        <a:p>
+          <a:pPr marL="0" lvl="0" indent="0" algn="r" defTabSz="488950">
+            <a:lnSpc>
+              <a:spcPct val="90000"/>
+            </a:lnSpc>
+            <a:spcBef>
+              <a:spcPct val="0"/>
+            </a:spcBef>
+            <a:spcAft>
+              <a:spcPct val="35000"/>
+            </a:spcAft>
+            <a:buNone/>
+          </a:pPr>
+          <a:r>
+            <a:rPr lang="en-US" sz="1100" kern="1200" dirty="0"/>
+            <a:t>Node 1</a:t>
+          </a:r>
+        </a:p>
+      </dsp:txBody>
+      <dsp:txXfrm>
+        <a:off x="4070661" y="1241923"/>
+        <a:ext cx="1250268" cy="783022"/>
+      </dsp:txXfrm>
+    </dsp:sp>
+    <dsp:sp modelId="{9498B5FE-7748-494D-B837-026E9E5D4BFB}">
+      <dsp:nvSpPr>
+        <dsp:cNvPr id="0" name=""/>
+        <dsp:cNvSpPr/>
+      </dsp:nvSpPr>
+      <dsp:spPr>
+        <a:xfrm>
+          <a:off x="1315405" y="436241"/>
+          <a:ext cx="3465188" cy="3465188"/>
+        </a:xfrm>
+        <a:custGeom>
+          <a:avLst/>
+          <a:gdLst/>
+          <a:ahLst/>
+          <a:cxnLst/>
+          <a:rect l="0" t="0" r="0" b="0"/>
+          <a:pathLst>
+            <a:path>
+              <a:moveTo>
+                <a:pt x="3462825" y="1642133"/>
+              </a:moveTo>
+              <a:arcTo wR="1732594" hR="1732594" stAng="21420430" swAng="2195114"/>
+            </a:path>
+          </a:pathLst>
+        </a:custGeom>
+        <a:noFill/>
+        <a:ln w="9525" cap="rnd" cmpd="sng" algn="ctr">
+          <a:solidFill>
+            <a:schemeClr val="accent1">
+              <a:hueOff val="0"/>
+              <a:satOff val="0"/>
+              <a:lumOff val="0"/>
+              <a:alphaOff val="0"/>
+            </a:schemeClr>
+          </a:solidFill>
+          <a:prstDash val="solid"/>
+        </a:ln>
+        <a:effectLst/>
+      </dsp:spPr>
+      <dsp:style>
+        <a:lnRef idx="1">
+          <a:scrgbClr r="0" g="0" b="0"/>
+        </a:lnRef>
+        <a:fillRef idx="0">
+          <a:scrgbClr r="0" g="0" b="0"/>
+        </a:fillRef>
+        <a:effectRef idx="0">
+          <a:scrgbClr r="0" g="0" b="0"/>
+        </a:effectRef>
+        <a:fontRef idx="minor"/>
+      </dsp:style>
+    </dsp:sp>
+    <dsp:sp modelId="{53803C2F-5733-49C8-BE2B-ABB52E6EA166}">
+      <dsp:nvSpPr>
+        <dsp:cNvPr id="0" name=""/>
+        <dsp:cNvSpPr/>
+      </dsp:nvSpPr>
+      <dsp:spPr>
+        <a:xfrm>
+          <a:off x="3398899" y="3136663"/>
+          <a:ext cx="1334988" cy="867742"/>
+        </a:xfrm>
+        <a:prstGeom prst="roundRect">
+          <a:avLst/>
+        </a:prstGeom>
+        <a:solidFill>
+          <a:schemeClr val="accent1">
+            <a:hueOff val="0"/>
+            <a:satOff val="0"/>
+            <a:lumOff val="0"/>
+            <a:alphaOff val="0"/>
+          </a:schemeClr>
+        </a:solidFill>
+        <a:ln w="15875" cap="rnd" cmpd="sng" algn="ctr">
+          <a:solidFill>
+            <a:schemeClr val="lt1">
+              <a:hueOff val="0"/>
+              <a:satOff val="0"/>
+              <a:lumOff val="0"/>
+              <a:alphaOff val="0"/>
+            </a:schemeClr>
+          </a:solidFill>
+          <a:prstDash val="solid"/>
+        </a:ln>
+        <a:effectLst/>
+      </dsp:spPr>
+      <dsp:style>
+        <a:lnRef idx="2">
+          <a:scrgbClr r="0" g="0" b="0"/>
+        </a:lnRef>
+        <a:fillRef idx="1">
+          <a:scrgbClr r="0" g="0" b="0"/>
+        </a:fillRef>
+        <a:effectRef idx="0">
+          <a:scrgbClr r="0" g="0" b="0"/>
+        </a:effectRef>
+        <a:fontRef idx="minor">
+          <a:schemeClr val="lt1"/>
+        </a:fontRef>
+      </dsp:style>
+      <dsp:txBody>
+        <a:bodyPr spcFirstLastPara="0" vert="horz" wrap="square" lIns="41910" tIns="41910" rIns="41910" bIns="41910" numCol="1" spcCol="1270" anchor="ctr" anchorCtr="0">
+          <a:noAutofit/>
+        </a:bodyPr>
+        <a:lstStyle/>
+        <a:p>
+          <a:pPr marL="0" lvl="0" indent="0" algn="r" defTabSz="488950">
+            <a:lnSpc>
+              <a:spcPct val="90000"/>
+            </a:lnSpc>
+            <a:spcBef>
+              <a:spcPct val="0"/>
+            </a:spcBef>
+            <a:spcAft>
+              <a:spcPct val="35000"/>
+            </a:spcAft>
+            <a:buNone/>
+          </a:pPr>
+          <a:r>
+            <a:rPr lang="en-US" sz="1100" kern="1200" dirty="0"/>
+            <a:t>Node 2</a:t>
+          </a:r>
+        </a:p>
+      </dsp:txBody>
+      <dsp:txXfrm>
+        <a:off x="3441259" y="3179023"/>
+        <a:ext cx="1250268" cy="783022"/>
+      </dsp:txXfrm>
+    </dsp:sp>
+    <dsp:sp modelId="{9AEF055B-5F68-41B1-B3E0-520E08AACD80}">
+      <dsp:nvSpPr>
+        <dsp:cNvPr id="0" name=""/>
+        <dsp:cNvSpPr/>
+      </dsp:nvSpPr>
+      <dsp:spPr>
+        <a:xfrm>
+          <a:off x="1315405" y="436241"/>
+          <a:ext cx="3465188" cy="3465188"/>
+        </a:xfrm>
+        <a:custGeom>
+          <a:avLst/>
+          <a:gdLst/>
+          <a:ahLst/>
+          <a:cxnLst/>
+          <a:rect l="0" t="0" r="0" b="0"/>
+          <a:pathLst>
+            <a:path>
+              <a:moveTo>
+                <a:pt x="2076618" y="3430690"/>
+              </a:moveTo>
+              <a:arcTo wR="1732594" hR="1732594" stAng="4712834" swAng="1374332"/>
+            </a:path>
+          </a:pathLst>
+        </a:custGeom>
+        <a:noFill/>
+        <a:ln w="9525" cap="rnd" cmpd="sng" algn="ctr">
+          <a:solidFill>
+            <a:schemeClr val="accent1">
+              <a:hueOff val="0"/>
+              <a:satOff val="0"/>
+              <a:lumOff val="0"/>
+              <a:alphaOff val="0"/>
+            </a:schemeClr>
+          </a:solidFill>
+          <a:prstDash val="solid"/>
+        </a:ln>
+        <a:effectLst/>
+      </dsp:spPr>
+      <dsp:style>
+        <a:lnRef idx="1">
+          <a:scrgbClr r="0" g="0" b="0"/>
+        </a:lnRef>
+        <a:fillRef idx="0">
+          <a:scrgbClr r="0" g="0" b="0"/>
+        </a:fillRef>
+        <a:effectRef idx="0">
+          <a:scrgbClr r="0" g="0" b="0"/>
+        </a:effectRef>
+        <a:fontRef idx="minor"/>
+      </dsp:style>
+    </dsp:sp>
+    <dsp:sp modelId="{D79FED62-E142-45CD-B87A-50190DFD3606}">
+      <dsp:nvSpPr>
+        <dsp:cNvPr id="0" name=""/>
+        <dsp:cNvSpPr/>
+      </dsp:nvSpPr>
+      <dsp:spPr>
+        <a:xfrm>
+          <a:off x="1362112" y="3136663"/>
+          <a:ext cx="1334988" cy="867742"/>
+        </a:xfrm>
+        <a:prstGeom prst="roundRect">
+          <a:avLst/>
+        </a:prstGeom>
+        <a:solidFill>
+          <a:schemeClr val="accent1">
+            <a:hueOff val="0"/>
+            <a:satOff val="0"/>
+            <a:lumOff val="0"/>
+            <a:alphaOff val="0"/>
+          </a:schemeClr>
+        </a:solidFill>
+        <a:ln w="15875" cap="rnd" cmpd="sng" algn="ctr">
+          <a:solidFill>
+            <a:schemeClr val="lt1">
+              <a:hueOff val="0"/>
+              <a:satOff val="0"/>
+              <a:lumOff val="0"/>
+              <a:alphaOff val="0"/>
+            </a:schemeClr>
+          </a:solidFill>
+          <a:prstDash val="solid"/>
+        </a:ln>
+        <a:effectLst/>
+      </dsp:spPr>
+      <dsp:style>
+        <a:lnRef idx="2">
+          <a:scrgbClr r="0" g="0" b="0"/>
+        </a:lnRef>
+        <a:fillRef idx="1">
+          <a:scrgbClr r="0" g="0" b="0"/>
+        </a:fillRef>
+        <a:effectRef idx="0">
+          <a:scrgbClr r="0" g="0" b="0"/>
+        </a:effectRef>
+        <a:fontRef idx="minor">
+          <a:schemeClr val="lt1"/>
+        </a:fontRef>
+      </dsp:style>
+      <dsp:txBody>
+        <a:bodyPr spcFirstLastPara="0" vert="horz" wrap="square" lIns="41910" tIns="41910" rIns="41910" bIns="41910" numCol="1" spcCol="1270" anchor="ctr" anchorCtr="0">
+          <a:noAutofit/>
+        </a:bodyPr>
+        <a:lstStyle/>
+        <a:p>
+          <a:pPr marL="0" lvl="0" indent="0" algn="r" defTabSz="488950">
+            <a:lnSpc>
+              <a:spcPct val="90000"/>
+            </a:lnSpc>
+            <a:spcBef>
+              <a:spcPct val="0"/>
+            </a:spcBef>
+            <a:spcAft>
+              <a:spcPct val="35000"/>
+            </a:spcAft>
+            <a:buNone/>
+          </a:pPr>
+          <a:r>
+            <a:rPr lang="en-US" sz="1100" kern="1200" dirty="0"/>
+            <a:t>Node 3</a:t>
+          </a:r>
+        </a:p>
+      </dsp:txBody>
+      <dsp:txXfrm>
+        <a:off x="1404472" y="3179023"/>
+        <a:ext cx="1250268" cy="783022"/>
+      </dsp:txXfrm>
+    </dsp:sp>
+    <dsp:sp modelId="{678E38F1-30A8-4F39-AAC3-8836EF668087}">
+      <dsp:nvSpPr>
+        <dsp:cNvPr id="0" name=""/>
+        <dsp:cNvSpPr/>
+      </dsp:nvSpPr>
+      <dsp:spPr>
+        <a:xfrm>
+          <a:off x="1315405" y="436241"/>
+          <a:ext cx="3465188" cy="3465188"/>
+        </a:xfrm>
+        <a:custGeom>
+          <a:avLst/>
+          <a:gdLst/>
+          <a:ahLst/>
+          <a:cxnLst/>
+          <a:rect l="0" t="0" r="0" b="0"/>
+          <a:pathLst>
+            <a:path>
+              <a:moveTo>
+                <a:pt x="289352" y="2691206"/>
+              </a:moveTo>
+              <a:arcTo wR="1732594" hR="1732594" stAng="8784456" swAng="2195114"/>
+            </a:path>
+          </a:pathLst>
+        </a:custGeom>
+        <a:noFill/>
+        <a:ln w="9525" cap="rnd" cmpd="sng" algn="ctr">
+          <a:solidFill>
+            <a:schemeClr val="accent1">
+              <a:hueOff val="0"/>
+              <a:satOff val="0"/>
+              <a:lumOff val="0"/>
+              <a:alphaOff val="0"/>
+            </a:schemeClr>
+          </a:solidFill>
+          <a:prstDash val="solid"/>
+        </a:ln>
+        <a:effectLst/>
+      </dsp:spPr>
+      <dsp:style>
+        <a:lnRef idx="1">
+          <a:scrgbClr r="0" g="0" b="0"/>
+        </a:lnRef>
+        <a:fillRef idx="0">
+          <a:scrgbClr r="0" g="0" b="0"/>
+        </a:fillRef>
+        <a:effectRef idx="0">
+          <a:scrgbClr r="0" g="0" b="0"/>
+        </a:effectRef>
+        <a:fontRef idx="minor"/>
+      </dsp:style>
+    </dsp:sp>
+    <dsp:sp modelId="{F54AD82D-41DF-4A83-92A8-DA2FD21373C9}">
+      <dsp:nvSpPr>
+        <dsp:cNvPr id="0" name=""/>
+        <dsp:cNvSpPr/>
+      </dsp:nvSpPr>
+      <dsp:spPr>
+        <a:xfrm>
+          <a:off x="732710" y="1199563"/>
+          <a:ext cx="1334988" cy="867742"/>
+        </a:xfrm>
+        <a:prstGeom prst="roundRect">
+          <a:avLst/>
+        </a:prstGeom>
+        <a:solidFill>
+          <a:schemeClr val="accent1">
+            <a:hueOff val="0"/>
+            <a:satOff val="0"/>
+            <a:lumOff val="0"/>
+            <a:alphaOff val="0"/>
+          </a:schemeClr>
+        </a:solidFill>
+        <a:ln w="15875" cap="rnd" cmpd="sng" algn="ctr">
+          <a:solidFill>
+            <a:schemeClr val="lt1">
+              <a:hueOff val="0"/>
+              <a:satOff val="0"/>
+              <a:lumOff val="0"/>
+              <a:alphaOff val="0"/>
+            </a:schemeClr>
+          </a:solidFill>
+          <a:prstDash val="solid"/>
+        </a:ln>
+        <a:effectLst/>
+      </dsp:spPr>
+      <dsp:style>
+        <a:lnRef idx="2">
+          <a:scrgbClr r="0" g="0" b="0"/>
+        </a:lnRef>
+        <a:fillRef idx="1">
+          <a:scrgbClr r="0" g="0" b="0"/>
+        </a:fillRef>
+        <a:effectRef idx="0">
+          <a:scrgbClr r="0" g="0" b="0"/>
+        </a:effectRef>
+        <a:fontRef idx="minor">
+          <a:schemeClr val="lt1"/>
+        </a:fontRef>
+      </dsp:style>
+      <dsp:txBody>
+        <a:bodyPr spcFirstLastPara="0" vert="horz" wrap="square" lIns="41910" tIns="41910" rIns="41910" bIns="41910" numCol="1" spcCol="1270" anchor="ctr" anchorCtr="0">
+          <a:noAutofit/>
+        </a:bodyPr>
+        <a:lstStyle/>
+        <a:p>
+          <a:pPr marL="0" lvl="0" indent="0" algn="r" defTabSz="488950">
+            <a:lnSpc>
+              <a:spcPct val="90000"/>
+            </a:lnSpc>
+            <a:spcBef>
+              <a:spcPct val="0"/>
+            </a:spcBef>
+            <a:spcAft>
+              <a:spcPct val="35000"/>
+            </a:spcAft>
+            <a:buNone/>
+          </a:pPr>
+          <a:r>
+            <a:rPr lang="en-US" sz="1100" kern="1200" dirty="0"/>
+            <a:t>Node 4</a:t>
+          </a:r>
+        </a:p>
+      </dsp:txBody>
+      <dsp:txXfrm>
+        <a:off x="775070" y="1241923"/>
+        <a:ext cx="1250268" cy="783022"/>
+      </dsp:txXfrm>
+    </dsp:sp>
+    <dsp:sp modelId="{4FED0471-E7FA-43DC-B595-52E1966773A1}">
+      <dsp:nvSpPr>
+        <dsp:cNvPr id="0" name=""/>
+        <dsp:cNvSpPr/>
+      </dsp:nvSpPr>
+      <dsp:spPr>
+        <a:xfrm>
+          <a:off x="1315405" y="436241"/>
+          <a:ext cx="3465188" cy="3465188"/>
+        </a:xfrm>
+        <a:custGeom>
+          <a:avLst/>
+          <a:gdLst/>
+          <a:ahLst/>
+          <a:cxnLst/>
+          <a:rect l="0" t="0" r="0" b="0"/>
+          <a:pathLst>
+            <a:path>
+              <a:moveTo>
+                <a:pt x="302072" y="755102"/>
+              </a:moveTo>
+              <a:arcTo wR="1732594" hR="1732594" stAng="12860714" swAng="1959991"/>
+            </a:path>
+          </a:pathLst>
+        </a:custGeom>
+        <a:noFill/>
+        <a:ln w="9525" cap="rnd" cmpd="sng" algn="ctr">
+          <a:solidFill>
+            <a:schemeClr val="accent1">
+              <a:hueOff val="0"/>
+              <a:satOff val="0"/>
+              <a:lumOff val="0"/>
+              <a:alphaOff val="0"/>
+            </a:schemeClr>
+          </a:solidFill>
+          <a:prstDash val="solid"/>
+        </a:ln>
+        <a:effectLst/>
+      </dsp:spPr>
+      <dsp:style>
+        <a:lnRef idx="1">
+          <a:scrgbClr r="0" g="0" b="0"/>
+        </a:lnRef>
+        <a:fillRef idx="0">
+          <a:scrgbClr r="0" g="0" b="0"/>
+        </a:fillRef>
+        <a:effectRef idx="0">
+          <a:scrgbClr r="0" g="0" b="0"/>
+        </a:effectRef>
+        <a:fontRef idx="minor"/>
+      </dsp:style>
+    </dsp:sp>
+  </dsp:spTree>
+</dsp:drawing>
+</file>
+
+<file path=ppt/diagrams/layout1.xml><?xml version="1.0" encoding="utf-8"?>
+<dgm:layoutDef xmlns:dgm="http://schemas.openxmlformats.org/drawingml/2006/diagram" xmlns:a="http://schemas.openxmlformats.org/drawingml/2006/main" uniqueId="urn:microsoft.com/office/officeart/2005/8/layout/cycle6">
+  <dgm:title val=""/>
+  <dgm:desc val=""/>
+  <dgm:catLst>
+    <dgm:cat type="cycle" pri="4000"/>
+    <dgm:cat type="relationship" pri="24000"/>
+  </dgm:catLst>
+  <dgm:sampData>
+    <dgm:dataModel>
+      <dgm:ptLst>
+        <dgm:pt modelId="0" type="doc"/>
+        <dgm:pt modelId="1">
+          <dgm:prSet phldr="1"/>
+        </dgm:pt>
+        <dgm:pt modelId="2">
+          <dgm:prSet phldr="1"/>
+        </dgm:pt>
+        <dgm:pt modelId="3">
+          <dgm:prSet phldr="1"/>
+        </dgm:pt>
+        <dgm:pt modelId="4">
+          <dgm:prSet phldr="1"/>
+        </dgm:pt>
+        <dgm:pt modelId="5">
+          <dgm:prSet phldr="1"/>
+        </dgm:pt>
+      </dgm:ptLst>
+      <dgm:cxnLst>
+        <dgm:cxn modelId="6" srcId="0" destId="1" srcOrd="0" destOrd="0"/>
+        <dgm:cxn modelId="7" srcId="0" destId="2" srcOrd="1" destOrd="0"/>
+        <dgm:cxn modelId="8" srcId="0" destId="3" srcOrd="2" destOrd="0"/>
+        <dgm:cxn modelId="9" srcId="0" destId="4" srcOrd="3" destOrd="0"/>
+        <dgm:cxn modelId="10" srcId="0" destId="5" srcOrd="4" destOrd="0"/>
+      </dgm:cxnLst>
+      <dgm:bg/>
+      <dgm:whole/>
+    </dgm:dataModel>
+  </dgm:sampData>
+  <dgm:styleData>
+    <dgm:dataModel>
+      <dgm:ptLst>
+        <dgm:pt modelId="0" type="doc"/>
+        <dgm:pt modelId="1"/>
+        <dgm:pt modelId="2"/>
+        <dgm:pt modelId="3"/>
+      </dgm:ptLst>
+      <dgm:cxnLst>
+        <dgm:cxn modelId="4" srcId="0" destId="1" srcOrd="0" destOrd="0"/>
+        <dgm:cxn modelId="5" srcId="0" destId="2" srcOrd="1" destOrd="0"/>
+        <dgm:cxn modelId="6" srcId="0" destId="3" srcOrd="2" destOrd="0"/>
+      </dgm:cxnLst>
+      <dgm:bg/>
+      <dgm:whole/>
+    </dgm:dataModel>
+  </dgm:styleData>
+  <dgm:clrData>
+    <dgm:dataModel>
+      <dgm:ptLst>
+        <dgm:pt modelId="0" type="doc"/>
+        <dgm:pt modelId="1"/>
+        <dgm:pt modelId="2"/>
+        <dgm:pt modelId="3"/>
+        <dgm:pt modelId="4"/>
+        <dgm:pt modelId="5"/>
+        <dgm:pt modelId="6"/>
+      </dgm:ptLst>
+      <dgm:cxnLst>
+        <dgm:cxn modelId="7" srcId="0" destId="1" srcOrd="0" destOrd="0"/>
+        <dgm:cxn modelId="8" srcId="0" destId="2" srcOrd="1" destOrd="0"/>
+        <dgm:cxn modelId="9" srcId="0" destId="3" srcOrd="2" destOrd="0"/>
+        <dgm:cxn modelId="10" srcId="0" destId="4" srcOrd="3" destOrd="0"/>
+        <dgm:cxn modelId="11" srcId="0" destId="5" srcOrd="4" destOrd="0"/>
+        <dgm:cxn modelId="12" srcId="0" destId="6" srcOrd="5" destOrd="0"/>
+      </dgm:cxnLst>
+      <dgm:bg/>
+      <dgm:whole/>
+    </dgm:dataModel>
+  </dgm:clrData>
+  <dgm:layoutNode name="cycle">
+    <dgm:varLst>
+      <dgm:dir/>
+      <dgm:resizeHandles val="exact"/>
+    </dgm:varLst>
+    <dgm:choose name="Name0">
+      <dgm:if name="Name1" func="var" arg="dir" op="equ" val="norm">
+        <dgm:choose name="Name2">
+          <dgm:if name="Name3" axis="ch" ptType="node" func="cnt" op="gt" val="2">
+            <dgm:alg type="cycle">
+              <dgm:param type="stAng" val="0"/>
+              <dgm:param type="spanAng" val="360"/>
+            </dgm:alg>
+          </dgm:if>
+          <dgm:else name="Name4">
+            <dgm:alg type="cycle">
+              <dgm:param type="stAng" val="-90"/>
+              <dgm:param type="spanAng" val="360"/>
+            </dgm:alg>
+          </dgm:else>
+        </dgm:choose>
+      </dgm:if>
+      <dgm:else name="Name5">
+        <dgm:choose name="Name6">
+          <dgm:if name="Name7" axis="ch" ptType="node" func="cnt" op="gt" val="2">
+            <dgm:alg type="cycle">
+              <dgm:param type="stAng" val="0"/>
+              <dgm:param type="spanAng" val="-360"/>
+            </dgm:alg>
+          </dgm:if>
+          <dgm:else name="Name8">
+            <dgm:alg type="cycle">
+              <dgm:param type="stAng" val="90"/>
+              <dgm:param type="spanAng" val="-360"/>
+            </dgm:alg>
+          </dgm:else>
+        </dgm:choose>
+      </dgm:else>
+    </dgm:choose>
+    <dgm:shape xmlns:r="http://schemas.openxmlformats.org/officeDocument/2006/relationships" r:blip="">
+      <dgm:adjLst/>
+    </dgm:shape>
+    <dgm:presOf/>
+    <dgm:choose name="Name9">
+      <dgm:if name="Name10" func="var" arg="dir" op="equ" val="norm">
+        <dgm:constrLst>
+          <dgm:constr type="w" for="ch" forName="node" refType="w"/>
+          <dgm:constr type="w" for="ch" ptType="sibTrans" refType="w" refFor="ch" refForName="node" op="equ" fact="0.3"/>
+          <dgm:constr type="diam" for="ch" ptType="sibTrans" refType="diam" op="equ"/>
+          <dgm:constr type="sibSp" refType="w" refFor="ch" refForName="node" op="equ" fact="0.15"/>
+          <dgm:constr type="w" for="ch" forName="spNode" refType="sibSp" fact="1.6"/>
+          <dgm:constr type="primFontSz" for="ch" forName="node" op="equ" val="65"/>
+        </dgm:constrLst>
+      </dgm:if>
+      <dgm:else name="Name11">
+        <dgm:constrLst>
+          <dgm:constr type="w" for="ch" forName="node" refType="w"/>
+          <dgm:constr type="w" for="ch" ptType="sibTrans" refType="w" refFor="ch" refForName="node" op="equ" fact="0.3"/>
+          <dgm:constr type="diam" for="ch" ptType="sibTrans" refType="diam" op="equ" fact="-1"/>
+          <dgm:constr type="sibSp" refType="w" refFor="ch" refForName="node" op="equ" fact="0.15"/>
+          <dgm:constr type="w" for="ch" forName="spNode" refType="sibSp" fact="1.6"/>
+          <dgm:constr type="primFontSz" for="ch" forName="node" op="equ" val="65"/>
+        </dgm:constrLst>
+      </dgm:else>
+    </dgm:choose>
+    <dgm:ruleLst/>
+    <dgm:forEach name="Name12" axis="ch" ptType="node">
+      <dgm:layoutNode name="node">
+        <dgm:varLst>
+          <dgm:bulletEnabled val="1"/>
+        </dgm:varLst>
+        <dgm:alg type="tx"/>
+        <dgm:shape xmlns:r="http://schemas.openxmlformats.org/officeDocument/2006/relationships" type="roundRect" r:blip="">
+          <dgm:adjLst/>
+        </dgm:shape>
+        <dgm:presOf axis="desOrSelf" ptType="node"/>
+        <dgm:constrLst>
+          <dgm:constr type="h" refType="w" fact="0.65"/>
+          <dgm:constr type="tMarg" refType="primFontSz" fact="0.3"/>
+          <dgm:constr type="bMarg" refType="primFontSz" fact="0.3"/>
+          <dgm:constr type="lMarg" refType="primFontSz" fact="0.3"/>
+          <dgm:constr type="rMarg" refType="primFontSz" fact="0.3"/>
+        </dgm:constrLst>
+        <dgm:ruleLst>
+          <dgm:rule type="primFontSz" val="5" fact="NaN" max="NaN"/>
+        </dgm:ruleLst>
+      </dgm:layoutNode>
+      <dgm:choose name="Name13">
+        <dgm:if name="Name14" axis="par ch" ptType="doc node" func="cnt" op="gt" val="1">
+          <dgm:layoutNode name="spNode">
+            <dgm:alg type="sp"/>
+            <dgm:shape xmlns:r="http://schemas.openxmlformats.org/officeDocument/2006/relationships" r:blip="">
+              <dgm:adjLst/>
+            </dgm:shape>
+            <dgm:presOf/>
+            <dgm:constrLst>
+              <dgm:constr type="h" refType="w"/>
+            </dgm:constrLst>
+            <dgm:ruleLst/>
+          </dgm:layoutNode>
+          <dgm:forEach name="Name15" axis="followSib" ptType="sibTrans" hideLastTrans="0" cnt="1">
+            <dgm:layoutNode name="sibTrans">
+              <dgm:alg type="conn">
+                <dgm:param type="dim" val="1D"/>
+                <dgm:param type="connRout" val="curve"/>
+                <dgm:param type="begPts" val="radial"/>
+                <dgm:param type="endPts" val="radial"/>
+                <dgm:param type="endSty" val="noArr"/>
+              </dgm:alg>
+              <dgm:shape xmlns:r="http://schemas.openxmlformats.org/officeDocument/2006/relationships" type="conn" r:blip="">
+                <dgm:adjLst/>
+              </dgm:shape>
+              <dgm:presOf axis="self"/>
+              <dgm:constrLst>
+                <dgm:constr type="h" refType="w" fact="0.65"/>
+                <dgm:constr type="connDist"/>
+                <dgm:constr type="begPad" refType="connDist" fact="0.01"/>
+                <dgm:constr type="endPad" refType="connDist" fact="0.01"/>
+              </dgm:constrLst>
+              <dgm:ruleLst/>
+            </dgm:layoutNode>
+          </dgm:forEach>
+        </dgm:if>
+        <dgm:else name="Name16"/>
+      </dgm:choose>
+    </dgm:forEach>
+  </dgm:layoutNode>
+</dgm:layoutDef>
+</file>
+
+<file path=ppt/diagrams/quickStyle1.xml><?xml version="1.0" encoding="utf-8"?>
+<dgm:styleDef xmlns:dgm="http://schemas.openxmlformats.org/drawingml/2006/diagram" xmlns:a="http://schemas.openxmlformats.org/drawingml/2006/main" uniqueId="urn:microsoft.com/office/officeart/2005/8/quickstyle/simple1">
+  <dgm:title val=""/>
+  <dgm:desc val=""/>
+  <dgm:catLst>
+    <dgm:cat type="simple" pri="10100"/>
+  </dgm:catLst>
+  <dgm:scene3d>
+    <a:camera prst="orthographicFront"/>
+    <a:lightRig rig="threePt" dir="t"/>
+  </dgm:scene3d>
+  <dgm:styleLbl name="node0">
+    <dgm:scene3d>
+      <a:camera prst="orthographicFront"/>
+      <a:lightRig rig="threePt" dir="t"/>
+    </dgm:scene3d>
+    <dgm:sp3d/>
+    <dgm:txPr/>
+    <dgm:style>
+      <a:lnRef idx="2">
+        <a:scrgbClr r="0" g="0" b="0"/>
+      </a:lnRef>
+      <a:fillRef idx="1">
+        <a:scrgbClr r="0" g="0" b="0"/>
+      </a:fillRef>
+      <a:effectRef idx="0">
+        <a:scrgbClr r="0" g="0" b="0"/>
+      </a:effectRef>
+      <a:fontRef idx="minor">
+        <a:schemeClr val="lt1"/>
+      </a:fontRef>
+    </dgm:style>
+  </dgm:styleLbl>
+  <dgm:styleLbl name="lnNode1">
+    <dgm:scene3d>
+      <a:camera prst="orthographicFront"/>
+      <a:lightRig rig="threePt" dir="t"/>
+    </dgm:scene3d>
+    <dgm:sp3d/>
+    <dgm:txPr/>
+    <dgm:style>
+      <a:lnRef idx="2">
+        <a:scrgbClr r="0" g="0" b="0"/>
+      </a:lnRef>
+      <a:fillRef idx="1">
+        <a:scrgbClr r="0" g="0" b="0"/>
+      </a:fillRef>
+      <a:effectRef idx="0">
+        <a:scrgbClr r="0" g="0" b="0"/>
+      </a:effectRef>
+      <a:fontRef idx="minor">
+        <a:schemeClr val="lt1"/>
+      </a:fontRef>
+    </dgm:style>
+  </dgm:styleLbl>
+  <dgm:styleLbl name="vennNode1">
+    <dgm:scene3d>
+      <a:camera prst="orthographicFront"/>
+      <a:lightRig rig="threePt" dir="t"/>
+    </dgm:scene3d>
+    <dgm:sp3d/>
+    <dgm:txPr/>
+    <dgm:style>
+      <a:lnRef idx="2">
+        <a:scrgbClr r="0" g="0" b="0"/>
+      </a:lnRef>
+      <a:fillRef idx="1">
+        <a:scrgbClr r="0" g="0" b="0"/>
+      </a:fillRef>
+      <a:effectRef idx="0">
+        <a:scrgbClr r="0" g="0" b="0"/>
+      </a:effectRef>
+      <a:fontRef idx="minor">
+        <a:schemeClr val="tx1"/>
+      </a:fontRef>
+    </dgm:style>
+  </dgm:styleLbl>
+  <dgm:styleLbl name="alignNode1">
+    <dgm:scene3d>
+      <a:camera prst="orthographicFront"/>
+      <a:lightRig rig="threePt" dir="t"/>
+    </dgm:scene3d>
+    <dgm:sp3d/>
+    <dgm:txPr/>
+    <dgm:style>
+      <a:lnRef idx="2">
+        <a:scrgbClr r="0" g="0" b="0"/>
+      </a:lnRef>
+      <a:fillRef idx="1">
+        <a:scrgbClr r="0" g="0" b="0"/>
+      </a:fillRef>
+      <a:effectRef idx="0">
+        <a:scrgbClr r="0" g="0" b="0"/>
+      </a:effectRef>
+      <a:fontRef idx="minor">
+        <a:schemeClr val="lt1"/>
+      </a:fontRef>
+    </dgm:style>
+  </dgm:styleLbl>
+  <dgm:styleLbl name="node1">
+    <dgm:scene3d>
+      <a:camera prst="orthographicFront"/>
+      <a:lightRig rig="threePt" dir="t"/>
+    </dgm:scene3d>
+    <dgm:sp3d/>
+    <dgm:txPr/>
+    <dgm:style>
+      <a:lnRef idx="2">
+        <a:scrgbClr r="0" g="0" b="0"/>
+      </a:lnRef>
+      <a:fillRef idx="1">
+        <a:scrgbClr r="0" g="0" b="0"/>
+      </a:fillRef>
+      <a:effectRef idx="0">
+        <a:scrgbClr r="0" g="0" b="0"/>
+      </a:effectRef>
+      <a:fontRef idx="minor">
+        <a:schemeClr val="lt1"/>
+      </a:fontRef>
+    </dgm:style>
+  </dgm:styleLbl>
+  <dgm:styleLbl name="node2">
+    <dgm:scene3d>
+      <a:camera prst="orthographicFront"/>
+      <a:lightRig rig="threePt" dir="t"/>
+    </dgm:scene3d>
+    <dgm:sp3d/>
+    <dgm:txPr/>
+    <dgm:style>
+      <a:lnRef idx="2">
+        <a:scrgbClr r="0" g="0" b="0"/>
+      </a:lnRef>
+      <a:fillRef idx="1">
+        <a:scrgbClr r="0" g="0" b="0"/>
+      </a:fillRef>
+      <a:effectRef idx="0">
+        <a:scrgbClr r="0" g="0" b="0"/>
+      </a:effectRef>
+      <a:fontRef idx="minor">
+        <a:schemeClr val="lt1"/>
+      </a:fontRef>
+    </dgm:style>
+  </dgm:styleLbl>
+  <dgm:styleLbl name="node3">
+    <dgm:scene3d>
+      <a:camera prst="orthographicFront"/>
+      <a:lightRig rig="threePt" dir="t"/>
+    </dgm:scene3d>
+    <dgm:sp3d/>
+    <dgm:txPr/>
+    <dgm:style>
+      <a:lnRef idx="2">
+        <a:scrgbClr r="0" g="0" b="0"/>
+      </a:lnRef>
+      <a:fillRef idx="1">
+        <a:scrgbClr r="0" g="0" b="0"/>
+      </a:fillRef>
+      <a:effectRef idx="0">
+        <a:scrgbClr r="0" g="0" b="0"/>
+      </a:effectRef>
+      <a:fontRef idx="minor">
+        <a:schemeClr val="lt1"/>
+      </a:fontRef>
+    </dgm:style>
+  </dgm:styleLbl>
+  <dgm:styleLbl name="node4">
+    <dgm:scene3d>
+      <a:camera prst="orthographicFront"/>
+      <a:lightRig rig="threePt" dir="t"/>
+    </dgm:scene3d>
+    <dgm:sp3d/>
+    <dgm:txPr/>
+    <dgm:style>
+      <a:lnRef idx="2">
+        <a:scrgbClr r="0" g="0" b="0"/>
+      </a:lnRef>
+      <a:fillRef idx="1">
+        <a:scrgbClr r="0" g="0" b="0"/>
+      </a:fillRef>
+      <a:effectRef idx="0">
+        <a:scrgbClr r="0" g="0" b="0"/>
+      </a:effectRef>
+      <a:fontRef idx="minor">
+        <a:schemeClr val="lt1"/>
+      </a:fontRef>
+    </dgm:style>
+  </dgm:styleLbl>
+  <dgm:styleLbl name="fgImgPlace1">
+    <dgm:scene3d>
+      <a:camera prst="orthographicFront"/>
+      <a:lightRig rig="threePt" dir="t"/>
+    </dgm:scene3d>
+    <dgm:sp3d/>
+    <dgm:txPr/>
+    <dgm:style>
+      <a:lnRef idx="2">
+        <a:scrgbClr r="0" g="0" b="0"/>
+      </a:lnRef>
+      <a:fillRef idx="1">
+        <a:scrgbClr r="0" g="0" b="0"/>
+      </a:fillRef>
+      <a:effectRef idx="0">
+        <a:scrgbClr r="0" g="0" b="0"/>
+      </a:effectRef>
+      <a:fontRef idx="minor"/>
+    </dgm:style>
+  </dgm:styleLbl>
+  <dgm:styleLbl name="alignImgPlace1">
+    <dgm:scene3d>
+      <a:camera prst="orthographicFront"/>
+      <a:lightRig rig="threePt" dir="t"/>
+    </dgm:scene3d>
+    <dgm:sp3d/>
+    <dgm:txPr/>
+    <dgm:style>
+      <a:lnRef idx="2">
+        <a:scrgbClr r="0" g="0" b="0"/>
+      </a:lnRef>
+      <a:fillRef idx="1">
+        <a:scrgbClr r="0" g="0" b="0"/>
+      </a:fillRef>
+      <a:effectRef idx="0">
+        <a:scrgbClr r="0" g="0" b="0"/>
+      </a:effectRef>
+      <a:fontRef idx="minor"/>
+    </dgm:style>
+  </dgm:styleLbl>
+  <dgm:styleLbl name="bgImgPlace1">
+    <dgm:scene3d>
+      <a:camera prst="orthographicFront"/>
+      <a:lightRig rig="threePt" dir="t"/>
+    </dgm:scene3d>
+    <dgm:sp3d/>
+    <dgm:txPr/>
+    <dgm:style>
+      <a:lnRef idx="2">
+        <a:scrgbClr r="0" g="0" b="0"/>
+      </a:lnRef>
+      <a:fillRef idx="1">
+        <a:scrgbClr r="0" g="0" b="0"/>
+      </a:fillRef>
+      <a:effectRef idx="0">
+        <a:scrgbClr r="0" g="0" b="0"/>
+      </a:effectRef>
+      <a:fontRef idx="minor"/>
+    </dgm:style>
+  </dgm:styleLbl>
+  <dgm:styleLbl name="sibTrans2D1">
+    <dgm:scene3d>
+      <a:camera prst="orthographicFront"/>
+      <a:lightRig rig="threePt" dir="t"/>
+    </dgm:scene3d>
+    <dgm:sp3d/>
+    <dgm:txPr/>
+    <dgm:style>
+      <a:lnRef idx="0">
+        <a:scrgbClr r="0" g="0" b="0"/>
+      </a:lnRef>
+      <a:fillRef idx="1">
+        <a:scrgbClr r="0" g="0" b="0"/>
+      </a:fillRef>
+      <a:effectRef idx="0">
+        <a:scrgbClr r="0" g="0" b="0"/>
+      </a:effectRef>
+      <a:fontRef idx="minor">
+        <a:schemeClr val="lt1"/>
+      </a:fontRef>
+    </dgm:style>
+  </dgm:styleLbl>
+  <dgm:styleLbl name="fgSibTrans2D1">
+    <dgm:scene3d>
+      <a:camera prst="orthographicFront"/>
+      <a:lightRig rig="threePt" dir="t"/>
+    </dgm:scene3d>
+    <dgm:sp3d/>
+    <dgm:txPr/>
+    <dgm:style>
+      <a:lnRef idx="0">
+        <a:scrgbClr r="0" g="0" b="0"/>
+      </a:lnRef>
+      <a:fillRef idx="1">
+        <a:scrgbClr r="0" g="0" b="0"/>
+      </a:fillRef>
+      <a:effectRef idx="0">
+        <a:scrgbClr r="0" g="0" b="0"/>
+      </a:effectRef>
+      <a:fontRef idx="minor">
+        <a:schemeClr val="lt1"/>
+      </a:fontRef>
+    </dgm:style>
+  </dgm:styleLbl>
+  <dgm:styleLbl name="bgSibTrans2D1">
+    <dgm:scene3d>
+      <a:camera prst="orthographicFront"/>
+      <a:lightRig rig="threePt" dir="t"/>
+    </dgm:scene3d>
+    <dgm:sp3d/>
+    <dgm:txPr/>
+    <dgm:style>
+      <a:lnRef idx="0">
+        <a:scrgbClr r="0" g="0" b="0"/>
+      </a:lnRef>
+      <a:fillRef idx="1">
+        <a:scrgbClr r="0" g="0" b="0"/>
+      </a:fillRef>
+      <a:effectRef idx="0">
+        <a:scrgbClr r="0" g="0" b="0"/>
+      </a:effectRef>
+      <a:fontRef idx="minor">
+        <a:schemeClr val="lt1"/>
+      </a:fontRef>
+    </dgm:style>
+  </dgm:styleLbl>
+  <dgm:styleLbl name="sibTrans1D1">
+    <dgm:scene3d>
+      <a:camera prst="orthographicFront"/>
+      <a:lightRig rig="threePt" dir="t"/>
+    </dgm:scene3d>
+    <dgm:sp3d/>
+    <dgm:txPr/>
+    <dgm:style>
+      <a:lnRef idx="1">
+        <a:scrgbClr r="0" g="0" b="0"/>
+      </a:lnRef>
+      <a:fillRef idx="0">
+        <a:scrgbClr r="0" g="0" b="0"/>
+      </a:fillRef>
+      <a:effectRef idx="0">
+        <a:scrgbClr r="0" g="0" b="0"/>
+      </a:effectRef>
+      <a:fontRef idx="minor"/>
+    </dgm:style>
+  </dgm:styleLbl>
+  <dgm:styleLbl name="callout">
+    <dgm:scene3d>
+      <a:camera prst="orthographicFront"/>
+      <a:lightRig rig="threePt" dir="t"/>
+    </dgm:scene3d>
+    <dgm:sp3d/>
+    <dgm:txPr/>
+    <dgm:style>
+      <a:lnRef idx="2">
+        <a:scrgbClr r="0" g="0" b="0"/>
+      </a:lnRef>
+      <a:fillRef idx="1">
+        <a:scrgbClr r="0" g="0" b="0"/>
+      </a:fillRef>
+      <a:effectRef idx="0">
+        <a:scrgbClr r="0" g="0" b="0"/>
+      </a:effectRef>
+      <a:fontRef idx="minor"/>
+    </dgm:style>
+  </dgm:styleLbl>
+  <dgm:styleLbl name="asst0">
+    <dgm:scene3d>
+      <a:camera prst="orthographicFront"/>
+      <a:lightRig rig="threePt" dir="t"/>
+    </dgm:scene3d>
+    <dgm:sp3d/>
+    <dgm:txPr/>
+    <dgm:style>
+      <a:lnRef idx="2">
+        <a:scrgbClr r="0" g="0" b="0"/>
+      </a:lnRef>
+      <a:fillRef idx="1">
+        <a:scrgbClr r="0" g="0" b="0"/>
+      </a:fillRef>
+      <a:effectRef idx="0">
+        <a:scrgbClr r="0" g="0" b="0"/>
+      </a:effectRef>
+      <a:fontRef idx="minor">
+        <a:schemeClr val="lt1"/>
+      </a:fontRef>
+    </dgm:style>
+  </dgm:styleLbl>
+  <dgm:styleLbl name="asst1">
+    <dgm:scene3d>
+      <a:camera prst="orthographicFront"/>
+      <a:lightRig rig="threePt" dir="t"/>
+    </dgm:scene3d>
+    <dgm:sp3d/>
+    <dgm:txPr/>
+    <dgm:style>
+      <a:lnRef idx="2">
+        <a:scrgbClr r="0" g="0" b="0"/>
+      </a:lnRef>
+      <a:fillRef idx="1">
+        <a:scrgbClr r="0" g="0" b="0"/>
+      </a:fillRef>
+      <a:effectRef idx="0">
+        <a:scrgbClr r="0" g="0" b="0"/>
+      </a:effectRef>
+      <a:fontRef idx="minor">
+        <a:schemeClr val="lt1"/>
+      </a:fontRef>
+    </dgm:style>
+  </dgm:styleLbl>
+  <dgm:styleLbl name="asst2">
+    <dgm:scene3d>
+      <a:camera prst="orthographicFront"/>
+      <a:lightRig rig="threePt" dir="t"/>
+    </dgm:scene3d>
+    <dgm:sp3d/>
+    <dgm:txPr/>
+    <dgm:style>
+      <a:lnRef idx="2">
+        <a:scrgbClr r="0" g="0" b="0"/>
+      </a:lnRef>
+      <a:fillRef idx="1">
+        <a:scrgbClr r="0" g="0" b="0"/>
+      </a:fillRef>
+      <a:effectRef idx="0">
+        <a:scrgbClr r="0" g="0" b="0"/>
+      </a:effectRef>
+      <a:fontRef idx="minor">
+        <a:schemeClr val="lt1"/>
+      </a:fontRef>
+    </dgm:style>
+  </dgm:styleLbl>
+  <dgm:styleLbl name="asst3">
+    <dgm:scene3d>
+      <a:camera prst="orthographicFront"/>
+      <a:lightRig rig="threePt" dir="t"/>
+    </dgm:scene3d>
+    <dgm:sp3d/>
+    <dgm:txPr/>
+    <dgm:style>
+      <a:lnRef idx="2">
+        <a:scrgbClr r="0" g="0" b="0"/>
+      </a:lnRef>
+      <a:fillRef idx="1">
+        <a:scrgbClr r="0" g="0" b="0"/>
+      </a:fillRef>
+      <a:effectRef idx="0">
+        <a:scrgbClr r="0" g="0" b="0"/>
+      </a:effectRef>
+      <a:fontRef idx="minor">
+        <a:schemeClr val="lt1"/>
+      </a:fontRef>
+    </dgm:style>
+  </dgm:styleLbl>
+  <dgm:styleLbl name="asst4">
+    <dgm:scene3d>
+      <a:camera prst="orthographicFront"/>
+      <a:lightRig rig="threePt" dir="t"/>
+    </dgm:scene3d>
+    <dgm:sp3d/>
+    <dgm:txPr/>
+    <dgm:style>
+      <a:lnRef idx="2">
+        <a:scrgbClr r="0" g="0" b="0"/>
+      </a:lnRef>
+      <a:fillRef idx="1">
+        <a:scrgbClr r="0" g="0" b="0"/>
+      </a:fillRef>
+      <a:effectRef idx="0">
+        <a:scrgbClr r="0" g="0" b="0"/>
+      </a:effectRef>
+      <a:fontRef idx="minor">
+        <a:schemeClr val="lt1"/>
+      </a:fontRef>
+    </dgm:style>
+  </dgm:styleLbl>
+  <dgm:styleLbl name="parChTrans2D1">
+    <dgm:scene3d>
+      <a:camera prst="orthographicFront"/>
+      <a:lightRig rig="threePt" dir="t"/>
+    </dgm:scene3d>
+    <dgm:sp3d/>
+    <dgm:txPr/>
+    <dgm:style>
+      <a:lnRef idx="2">
+        <a:scrgbClr r="0" g="0" b="0"/>
+      </a:lnRef>
+      <a:fillRef idx="1">
+        <a:scrgbClr r="0" g="0" b="0"/>
+      </a:fillRef>
+      <a:effectRef idx="0">
+        <a:scrgbClr r="0" g="0" b="0"/>
+      </a:effectRef>
+      <a:fontRef idx="minor">
+        <a:schemeClr val="lt1"/>
+      </a:fontRef>
+    </dgm:style>
+  </dgm:styleLbl>
+  <dgm:styleLbl name="parChTrans2D2">
+    <dgm:scene3d>
+      <a:camera prst="orthographicFront"/>
+      <a:lightRig rig="threePt" dir="t"/>
+    </dgm:scene3d>
+    <dgm:sp3d/>
+    <dgm:txPr/>
+    <dgm:style>
+      <a:lnRef idx="2">
+        <a:scrgbClr r="0" g="0" b="0"/>
+      </a:lnRef>
+      <a:fillRef idx="1">
+        <a:scrgbClr r="0" g="0" b="0"/>
+      </a:fillRef>
+      <a:effectRef idx="0">
+        <a:scrgbClr r="0" g="0" b="0"/>
+      </a:effectRef>
+      <a:fontRef idx="minor">
+        <a:schemeClr val="lt1"/>
+      </a:fontRef>
+    </dgm:style>
+  </dgm:styleLbl>
+  <dgm:styleLbl name="parChTrans2D3">
+    <dgm:scene3d>
+      <a:camera prst="orthographicFront"/>
+      <a:lightRig rig="threePt" dir="t"/>
+    </dgm:scene3d>
+    <dgm:sp3d/>
+    <dgm:txPr/>
+    <dgm:style>
+      <a:lnRef idx="2">
+        <a:scrgbClr r="0" g="0" b="0"/>
+      </a:lnRef>
+      <a:fillRef idx="1">
+        <a:scrgbClr r="0" g="0" b="0"/>
+      </a:fillRef>
+      <a:effectRef idx="0">
+        <a:scrgbClr r="0" g="0" b="0"/>
+      </a:effectRef>
+      <a:fontRef idx="minor">
+        <a:schemeClr val="lt1"/>
+      </a:fontRef>
+    </dgm:style>
+  </dgm:styleLbl>
+  <dgm:styleLbl name="parChTrans2D4">
+    <dgm:scene3d>
+      <a:camera prst="orthographicFront"/>
+      <a:lightRig rig="threePt" dir="t"/>
+    </dgm:scene3d>
+    <dgm:sp3d/>
+    <dgm:txPr/>
+    <dgm:style>
+      <a:lnRef idx="2">
+        <a:scrgbClr r="0" g="0" b="0"/>
+      </a:lnRef>
+      <a:fillRef idx="1">
+        <a:scrgbClr r="0" g="0" b="0"/>
+      </a:fillRef>
+      <a:effectRef idx="0">
+        <a:scrgbClr r="0" g="0" b="0"/>
+      </a:effectRef>
+      <a:fontRef idx="minor">
+        <a:schemeClr val="lt1"/>
+      </a:fontRef>
+    </dgm:style>
+  </dgm:styleLbl>
+  <dgm:styleLbl name="parChTrans1D1">
+    <dgm:scene3d>
+      <a:camera prst="orthographicFront"/>
+      <a:lightRig rig="threePt" dir="t"/>
+    </dgm:scene3d>
+    <dgm:sp3d/>
+    <dgm:txPr/>
+    <dgm:style>
+      <a:lnRef idx="2">
+        <a:scrgbClr r="0" g="0" b="0"/>
+      </a:lnRef>
+      <a:fillRef idx="0">
+        <a:scrgbClr r="0" g="0" b="0"/>
+      </a:fillRef>
+      <a:effectRef idx="0">
+        <a:scrgbClr r="0" g="0" b="0"/>
+      </a:effectRef>
+      <a:fontRef idx="minor"/>
+    </dgm:style>
+  </dgm:styleLbl>
+  <dgm:styleLbl name="parChTrans1D2">
+    <dgm:scene3d>
+      <a:camera prst="orthographicFront"/>
+      <a:lightRig rig="threePt" dir="t"/>
+    </dgm:scene3d>
+    <dgm:sp3d/>
+    <dgm:txPr/>
+    <dgm:style>
+      <a:lnRef idx="2">
+        <a:scrgbClr r="0" g="0" b="0"/>
+      </a:lnRef>
+      <a:fillRef idx="0">
+        <a:scrgbClr r="0" g="0" b="0"/>
+      </a:fillRef>
+      <a:effectRef idx="0">
+        <a:scrgbClr r="0" g="0" b="0"/>
+      </a:effectRef>
+      <a:fontRef idx="minor"/>
+    </dgm:style>
+  </dgm:styleLbl>
+  <dgm:styleLbl name="parChTrans1D3">
+    <dgm:scene3d>
+      <a:camera prst="orthographicFront"/>
+      <a:lightRig rig="threePt" dir="t"/>
+    </dgm:scene3d>
+    <dgm:sp3d/>
+    <dgm:txPr/>
+    <dgm:style>
+      <a:lnRef idx="2">
+        <a:scrgbClr r="0" g="0" b="0"/>
+      </a:lnRef>
+      <a:fillRef idx="0">
+        <a:scrgbClr r="0" g="0" b="0"/>
+      </a:fillRef>
+      <a:effectRef idx="0">
+        <a:scrgbClr r="0" g="0" b="0"/>
+      </a:effectRef>
+      <a:fontRef idx="minor"/>
+    </dgm:style>
+  </dgm:styleLbl>
+  <dgm:styleLbl name="parChTrans1D4">
+    <dgm:scene3d>
+      <a:camera prst="orthographicFront"/>
+      <a:lightRig rig="threePt" dir="t"/>
+    </dgm:scene3d>
+    <dgm:sp3d/>
+    <dgm:txPr/>
+    <dgm:style>
+      <a:lnRef idx="2">
+        <a:scrgbClr r="0" g="0" b="0"/>
+      </a:lnRef>
+      <a:fillRef idx="0">
+        <a:scrgbClr r="0" g="0" b="0"/>
+      </a:fillRef>
+      <a:effectRef idx="0">
+        <a:scrgbClr r="0" g="0" b="0"/>
+      </a:effectRef>
+      <a:fontRef idx="minor"/>
+    </dgm:style>
+  </dgm:styleLbl>
+  <dgm:styleLbl name="fgAcc1">
+    <dgm:scene3d>
+      <a:camera prst="orthographicFront"/>
+      <a:lightRig rig="threePt" dir="t"/>
+    </dgm:scene3d>
+    <dgm:sp3d/>
+    <dgm:txPr/>
+    <dgm:style>
+      <a:lnRef idx="2">
+        <a:scrgbClr r="0" g="0" b="0"/>
+      </a:lnRef>
+      <a:fillRef idx="1">
+        <a:scrgbClr r="0" g="0" b="0"/>
+      </a:fillRef>
+      <a:effectRef idx="0">
+        <a:scrgbClr r="0" g="0" b="0"/>
+      </a:effectRef>
+      <a:fontRef idx="minor"/>
+    </dgm:style>
+  </dgm:styleLbl>
+  <dgm:styleLbl name="conFgAcc1">
+    <dgm:scene3d>
+      <a:camera prst="orthographicFront"/>
+      <a:lightRig rig="threePt" dir="t"/>
+    </dgm:scene3d>
+    <dgm:sp3d/>
+    <dgm:txPr/>
+    <dgm:style>
+      <a:lnRef idx="2">
+        <a:scrgbClr r="0" g="0" b="0"/>
+      </a:lnRef>
+      <a:fillRef idx="1">
+        <a:scrgbClr r="0" g="0" b="0"/>
+      </a:fillRef>
+      <a:effectRef idx="0">
+        <a:scrgbClr r="0" g="0" b="0"/>
+      </a:effectRef>
+      <a:fontRef idx="minor"/>
+    </dgm:style>
+  </dgm:styleLbl>
+  <dgm:styleLbl name="alignAcc1">
+    <dgm:scene3d>
+      <a:camera prst="orthographicFront"/>
+      <a:lightRig rig="threePt" dir="t"/>
+    </dgm:scene3d>
+    <dgm:sp3d/>
+    <dgm:txPr/>
+    <dgm:style>
+      <a:lnRef idx="2">
+        <a:scrgbClr r="0" g="0" b="0"/>
+      </a:lnRef>
+      <a:fillRef idx="1">
+        <a:scrgbClr r="0" g="0" b="0"/>
+      </a:fillRef>
+      <a:effectRef idx="0">
+        <a:scrgbClr r="0" g="0" b="0"/>
+      </a:effectRef>
+      <a:fontRef idx="minor"/>
+    </dgm:style>
+  </dgm:styleLbl>
+  <dgm:styleLbl name="trAlignAcc1">
+    <dgm:scene3d>
+      <a:camera prst="orthographicFront"/>
+      <a:lightRig rig="threePt" dir="t"/>
+    </dgm:scene3d>
+    <dgm:sp3d/>
+    <dgm:txPr/>
+    <dgm:style>
+      <a:lnRef idx="1">
+        <a:scrgbClr r="0" g="0" b="0"/>
+      </a:lnRef>
+      <a:fillRef idx="1">
+        <a:scrgbClr r="0" g="0" b="0"/>
+      </a:fillRef>
+      <a:effectRef idx="0">
+        <a:scrgbClr r="0" g="0" b="0"/>
+      </a:effectRef>
+      <a:fontRef idx="minor"/>
+    </dgm:style>
+  </dgm:styleLbl>
+  <dgm:styleLbl name="bgAcc1">
+    <dgm:scene3d>
+      <a:camera prst="orthographicFront"/>
+      <a:lightRig rig="threePt" dir="t"/>
+    </dgm:scene3d>
+    <dgm:sp3d/>
+    <dgm:txPr/>
+    <dgm:style>
+      <a:lnRef idx="2">
+        <a:scrgbClr r="0" g="0" b="0"/>
+      </a:lnRef>
+      <a:fillRef idx="1">
+        <a:scrgbClr r="0" g="0" b="0"/>
+      </a:fillRef>
+      <a:effectRef idx="0">
+        <a:scrgbClr r="0" g="0" b="0"/>
+      </a:effectRef>
+      <a:fontRef idx="minor"/>
+    </dgm:style>
+  </dgm:styleLbl>
+  <dgm:styleLbl name="solidFgAcc1">
+    <dgm:scene3d>
+      <a:camera prst="orthographicFront"/>
+      <a:lightRig rig="threePt" dir="t"/>
+    </dgm:scene3d>
+    <dgm:sp3d/>
+    <dgm:txPr/>
+    <dgm:style>
+      <a:lnRef idx="2">
+        <a:scrgbClr r="0" g="0" b="0"/>
+      </a:lnRef>
+      <a:fillRef idx="1">
+        <a:scrgbClr r="0" g="0" b="0"/>
+      </a:fillRef>
+      <a:effectRef idx="0">
+        <a:scrgbClr r="0" g="0" b="0"/>
+      </a:effectRef>
+      <a:fontRef idx="minor"/>
+    </dgm:style>
+  </dgm:styleLbl>
+  <dgm:styleLbl name="solidAlignAcc1">
+    <dgm:scene3d>
+      <a:camera prst="orthographicFront"/>
+      <a:lightRig rig="threePt" dir="t"/>
+    </dgm:scene3d>
+    <dgm:sp3d/>
+    <dgm:txPr/>
+    <dgm:style>
+      <a:lnRef idx="2">
+        <a:scrgbClr r="0" g="0" b="0"/>
+      </a:lnRef>
+      <a:fillRef idx="1">
+        <a:scrgbClr r="0" g="0" b="0"/>
+      </a:fillRef>
+      <a:effectRef idx="0">
+        <a:scrgbClr r="0" g="0" b="0"/>
+      </a:effectRef>
+      <a:fontRef idx="minor"/>
+    </dgm:style>
+  </dgm:styleLbl>
+  <dgm:styleLbl name="solidBgAcc1">
+    <dgm:scene3d>
+      <a:camera prst="orthographicFront"/>
+      <a:lightRig rig="threePt" dir="t"/>
+    </dgm:scene3d>
+    <dgm:sp3d/>
+    <dgm:txPr/>
+    <dgm:style>
+      <a:lnRef idx="2">
+        <a:scrgbClr r="0" g="0" b="0"/>
+      </a:lnRef>
+      <a:fillRef idx="1">
+        <a:scrgbClr r="0" g="0" b="0"/>
+      </a:fillRef>
+      <a:effectRef idx="0">
+        <a:scrgbClr r="0" g="0" b="0"/>
+      </a:effectRef>
+      <a:fontRef idx="minor"/>
+    </dgm:style>
+  </dgm:styleLbl>
+  <dgm:styleLbl name="fgAccFollowNode1">
+    <dgm:scene3d>
+      <a:camera prst="orthographicFront"/>
+      <a:lightRig rig="threePt" dir="t"/>
+    </dgm:scene3d>
+    <dgm:sp3d/>
+    <dgm:txPr/>
+    <dgm:style>
+      <a:lnRef idx="2">
+        <a:scrgbClr r="0" g="0" b="0"/>
+      </a:lnRef>
+      <a:fillRef idx="1">
+        <a:scrgbClr r="0" g="0" b="0"/>
+      </a:fillRef>
+      <a:effectRef idx="0">
+        <a:scrgbClr r="0" g="0" b="0"/>
+      </a:effectRef>
+      <a:fontRef idx="minor"/>
+    </dgm:style>
+  </dgm:styleLbl>
+  <dgm:styleLbl name="alignAccFollowNode1">
+    <dgm:scene3d>
+      <a:camera prst="orthographicFront"/>
+      <a:lightRig rig="threePt" dir="t"/>
+    </dgm:scene3d>
+    <dgm:sp3d/>
+    <dgm:txPr/>
+    <dgm:style>
+      <a:lnRef idx="2">
+        <a:scrgbClr r="0" g="0" b="0"/>
+      </a:lnRef>
+      <a:fillRef idx="1">
+        <a:scrgbClr r="0" g="0" b="0"/>
+      </a:fillRef>
+      <a:effectRef idx="0">
+        <a:scrgbClr r="0" g="0" b="0"/>
+      </a:effectRef>
+      <a:fontRef idx="minor"/>
+    </dgm:style>
+  </dgm:styleLbl>
+  <dgm:styleLbl name="bgAccFollowNode1">
+    <dgm:scene3d>
+      <a:camera prst="orthographicFront"/>
+      <a:lightRig rig="threePt" dir="t"/>
+    </dgm:scene3d>
+    <dgm:sp3d/>
+    <dgm:txPr/>
+    <dgm:style>
+      <a:lnRef idx="2">
+        <a:scrgbClr r="0" g="0" b="0"/>
+      </a:lnRef>
+      <a:fillRef idx="1">
+        <a:scrgbClr r="0" g="0" b="0"/>
+      </a:fillRef>
+      <a:effectRef idx="0">
+        <a:scrgbClr r="0" g="0" b="0"/>
+      </a:effectRef>
+      <a:fontRef idx="minor"/>
+    </dgm:style>
+  </dgm:styleLbl>
+  <dgm:styleLbl name="fgAcc0">
+    <dgm:scene3d>
+      <a:camera prst="orthographicFront"/>
+      <a:lightRig rig="threePt" dir="t"/>
+    </dgm:scene3d>
+    <dgm:sp3d/>
+    <dgm:txPr/>
+    <dgm:style>
+      <a:lnRef idx="2">
+        <a:scrgbClr r="0" g="0" b="0"/>
+      </a:lnRef>
+      <a:fillRef idx="1">
+        <a:scrgbClr r="0" g="0" b="0"/>
+      </a:fillRef>
+      <a:effectRef idx="0">
+        <a:scrgbClr r="0" g="0" b="0"/>
+      </a:effectRef>
+      <a:fontRef idx="minor"/>
+    </dgm:style>
+  </dgm:styleLbl>
+  <dgm:styleLbl name="fgAcc2">
+    <dgm:scene3d>
+      <a:camera prst="orthographicFront"/>
+      <a:lightRig rig="threePt" dir="t"/>
+    </dgm:scene3d>
+    <dgm:sp3d/>
+    <dgm:txPr/>
+    <dgm:style>
+      <a:lnRef idx="2">
+        <a:scrgbClr r="0" g="0" b="0"/>
+      </a:lnRef>
+      <a:fillRef idx="1">
+        <a:scrgbClr r="0" g="0" b="0"/>
+      </a:fillRef>
+      <a:effectRef idx="0">
+        <a:scrgbClr r="0" g="0" b="0"/>
+      </a:effectRef>
+      <a:fontRef idx="minor"/>
+    </dgm:style>
+  </dgm:styleLbl>
+  <dgm:styleLbl name="fgAcc3">
+    <dgm:scene3d>
+      <a:camera prst="orthographicFront"/>
+      <a:lightRig rig="threePt" dir="t"/>
+    </dgm:scene3d>
+    <dgm:sp3d/>
+    <dgm:txPr/>
+    <dgm:style>
+      <a:lnRef idx="2">
+        <a:scrgbClr r="0" g="0" b="0"/>
+      </a:lnRef>
+      <a:fillRef idx="1">
+        <a:scrgbClr r="0" g="0" b="0"/>
+      </a:fillRef>
+      <a:effectRef idx="0">
+        <a:scrgbClr r="0" g="0" b="0"/>
+      </a:effectRef>
+      <a:fontRef idx="minor"/>
+    </dgm:style>
+  </dgm:styleLbl>
+  <dgm:styleLbl name="fgAcc4">
+    <dgm:scene3d>
+      <a:camera prst="orthographicFront"/>
+      <a:lightRig rig="threePt" dir="t"/>
+    </dgm:scene3d>
+    <dgm:sp3d/>
+    <dgm:txPr/>
+    <dgm:style>
+      <a:lnRef idx="2">
+        <a:scrgbClr r="0" g="0" b="0"/>
+      </a:lnRef>
+      <a:fillRef idx="1">
+        <a:scrgbClr r="0" g="0" b="0"/>
+      </a:fillRef>
+      <a:effectRef idx="0">
+        <a:scrgbClr r="0" g="0" b="0"/>
+      </a:effectRef>
+      <a:fontRef idx="minor"/>
+    </dgm:style>
+  </dgm:styleLbl>
+  <dgm:styleLbl name="bgShp">
+    <dgm:scene3d>
+      <a:camera prst="orthographicFront"/>
+      <a:lightRig rig="threePt" dir="t"/>
+    </dgm:scene3d>
+    <dgm:sp3d/>
+    <dgm:txPr/>
+    <dgm:style>
+      <a:lnRef idx="0">
+        <a:scrgbClr r="0" g="0" b="0"/>
+      </a:lnRef>
+      <a:fillRef idx="1">
+        <a:scrgbClr r="0" g="0" b="0"/>
+      </a:fillRef>
+      <a:effectRef idx="0">
+        <a:scrgbClr r="0" g="0" b="0"/>
+      </a:effectRef>
+      <a:fontRef idx="minor"/>
+    </dgm:style>
+  </dgm:styleLbl>
+  <dgm:styleLbl name="dkBgShp">
+    <dgm:scene3d>
+      <a:camera prst="orthographicFront"/>
+      <a:lightRig rig="threePt" dir="t"/>
+    </dgm:scene3d>
+    <dgm:sp3d/>
+    <dgm:txPr/>
+    <dgm:style>
+      <a:lnRef idx="0">
+        <a:scrgbClr r="0" g="0" b="0"/>
+      </a:lnRef>
+      <a:fillRef idx="1">
+        <a:scrgbClr r="0" g="0" b="0"/>
+      </a:fillRef>
+      <a:effectRef idx="0">
+        <a:scrgbClr r="0" g="0" b="0"/>
+      </a:effectRef>
+      <a:fontRef idx="minor"/>
+    </dgm:style>
+  </dgm:styleLbl>
+  <dgm:styleLbl name="trBgShp">
+    <dgm:scene3d>
+      <a:camera prst="orthographicFront"/>
+      <a:lightRig rig="threePt" dir="t"/>
+    </dgm:scene3d>
+    <dgm:sp3d/>
+    <dgm:txPr/>
+    <dgm:style>
+      <a:lnRef idx="0">
+        <a:scrgbClr r="0" g="0" b="0"/>
+      </a:lnRef>
+      <a:fillRef idx="1">
+        <a:scrgbClr r="0" g="0" b="0"/>
+      </a:fillRef>
+      <a:effectRef idx="0">
+        <a:scrgbClr r="0" g="0" b="0"/>
+      </a:effectRef>
+      <a:fontRef idx="minor"/>
+    </dgm:style>
+  </dgm:styleLbl>
+  <dgm:styleLbl name="fgShp">
+    <dgm:scene3d>
+      <a:camera prst="orthographicFront"/>
+      <a:lightRig rig="threePt" dir="t"/>
+    </dgm:scene3d>
+    <dgm:sp3d/>
+    <dgm:txPr/>
+    <dgm:style>
+      <a:lnRef idx="2">
+        <a:scrgbClr r="0" g="0" b="0"/>
+      </a:lnRef>
+      <a:fillRef idx="1">
+        <a:scrgbClr r="0" g="0" b="0"/>
+      </a:fillRef>
+      <a:effectRef idx="0">
+        <a:scrgbClr r="0" g="0" b="0"/>
+      </a:effectRef>
+      <a:fontRef idx="minor"/>
+    </dgm:style>
+  </dgm:styleLbl>
+  <dgm:styleLbl name="revTx">
+    <dgm:scene3d>
+      <a:camera prst="orthographicFront"/>
+      <a:lightRig rig="threePt" dir="t"/>
+    </dgm:scene3d>
+    <dgm:sp3d/>
+    <dgm:txPr/>
+    <dgm:style>
+      <a:lnRef idx="0">
+        <a:scrgbClr r="0" g="0" b="0"/>
+      </a:lnRef>
+      <a:fillRef idx="0">
+        <a:scrgbClr r="0" g="0" b="0"/>
+      </a:fillRef>
+      <a:effectRef idx="0">
+        <a:scrgbClr r="0" g="0" b="0"/>
+      </a:effectRef>
+      <a:fontRef idx="minor"/>
+    </dgm:style>
+  </dgm:styleLbl>
+</dgm:styleDef>
+</file>
+
 <file path=ppt/slideLayouts/slideLayout1.xml><?xml version="1.0" encoding="utf-8"?>
 <p:sldLayout xmlns:a="http://schemas.openxmlformats.org/drawingml/2006/main" xmlns:r="http://schemas.openxmlformats.org/officeDocument/2006/relationships" xmlns:p="http://schemas.openxmlformats.org/presentationml/2006/main" type="title" preserve="1">
   <p:cSld name="Title Slide">
@@ -214,7 +3204,7 @@
           <a:effectLst/>
           <a:extLst>
             <a:ext uri="{91240B29-F687-4f45-9708-019B960494DF}">
-              <a14:hiddenLine xmlns="" xmlns:a14="http://schemas.microsoft.com/office/drawing/2010/main" w="9525">
+              <a14:hiddenLine xmlns:a14="http://schemas.microsoft.com/office/drawing/2010/main" xmlns="" w="9525">
                 <a:solidFill>
                   <a:srgbClr val="000000"/>
                 </a:solidFill>
@@ -406,7 +3396,7 @@
           <a:p>
             <a:fld id="{48A87A34-81AB-432B-8DAE-1953F412C126}" type="datetimeFigureOut">
               <a:rPr lang="en-US" smtClean="0"/>
-              <a:t>10/7/2016</a:t>
+              <a:t>10/10/2016</a:t>
             </a:fld>
             <a:endParaRPr lang="en-US" dirty="0"/>
           </a:p>
@@ -724,7 +3714,7 @@
           <a:p>
             <a:fld id="{48A87A34-81AB-432B-8DAE-1953F412C126}" type="datetimeFigureOut">
               <a:rPr lang="en-US" smtClean="0"/>
-              <a:t>10/7/2016</a:t>
+              <a:t>10/10/2016</a:t>
             </a:fld>
             <a:endParaRPr lang="en-US" dirty="0"/>
           </a:p>
@@ -1212,7 +4202,7 @@
           <a:p>
             <a:fld id="{48A87A34-81AB-432B-8DAE-1953F412C126}" type="datetimeFigureOut">
               <a:rPr lang="en-US" smtClean="0"/>
-              <a:t>10/7/2016</a:t>
+              <a:t>10/10/2016</a:t>
             </a:fld>
             <a:endParaRPr lang="en-US" dirty="0"/>
           </a:p>
@@ -1581,7 +4571,7 @@
           <a:p>
             <a:fld id="{48A87A34-81AB-432B-8DAE-1953F412C126}" type="datetimeFigureOut">
               <a:rPr lang="en-US" smtClean="0"/>
-              <a:t>10/7/2016</a:t>
+              <a:t>10/10/2016</a:t>
             </a:fld>
             <a:endParaRPr lang="en-US" dirty="0"/>
           </a:p>
@@ -1736,7 +4726,7 @@
           <a:ln/>
           <a:extLst>
             <a:ext uri="{91240B29-F687-4f45-9708-019B960494DF}">
-              <a14:hiddenLine xmlns="" xmlns:a14="http://schemas.microsoft.com/office/drawing/2010/main" w="9525">
+              <a14:hiddenLine xmlns:a14="http://schemas.microsoft.com/office/drawing/2010/main" xmlns="" w="9525">
                 <a:solidFill>
                   <a:srgbClr val="000000"/>
                 </a:solidFill>
@@ -1854,7 +4844,7 @@
           <a:p>
             <a:fld id="{48A87A34-81AB-432B-8DAE-1953F412C126}" type="datetimeFigureOut">
               <a:rPr lang="en-US" smtClean="0"/>
-              <a:t>10/7/2016</a:t>
+              <a:t>10/10/2016</a:t>
             </a:fld>
             <a:endParaRPr lang="en-US" dirty="0"/>
           </a:p>
@@ -2011,7 +5001,7 @@
           <a:ln/>
           <a:extLst>
             <a:ext uri="{91240B29-F687-4f45-9708-019B960494DF}">
-              <a14:hiddenLine xmlns="" xmlns:a14="http://schemas.microsoft.com/office/drawing/2010/main" w="9525">
+              <a14:hiddenLine xmlns:a14="http://schemas.microsoft.com/office/drawing/2010/main" xmlns="" w="9525">
                 <a:solidFill>
                   <a:srgbClr val="000000"/>
                 </a:solidFill>
@@ -2139,7 +5129,7 @@
           <a:p>
             <a:fld id="{48A87A34-81AB-432B-8DAE-1953F412C126}" type="datetimeFigureOut">
               <a:rPr lang="en-US" smtClean="0"/>
-              <a:t>10/7/2016</a:t>
+              <a:t>10/10/2016</a:t>
             </a:fld>
             <a:endParaRPr lang="en-US" dirty="0"/>
           </a:p>
@@ -2294,7 +5284,7 @@
           <a:ln/>
           <a:extLst>
             <a:ext uri="{91240B29-F687-4f45-9708-019B960494DF}">
-              <a14:hiddenLine xmlns="" xmlns:a14="http://schemas.microsoft.com/office/drawing/2010/main" w="9525">
+              <a14:hiddenLine xmlns:a14="http://schemas.microsoft.com/office/drawing/2010/main" xmlns="" w="9525">
                 <a:solidFill>
                   <a:srgbClr val="000000"/>
                 </a:solidFill>
@@ -2422,7 +5412,7 @@
           <a:p>
             <a:fld id="{48A87A34-81AB-432B-8DAE-1953F412C126}" type="datetimeFigureOut">
               <a:rPr lang="en-US" smtClean="0"/>
-              <a:t>10/7/2016</a:t>
+              <a:t>10/10/2016</a:t>
             </a:fld>
             <a:endParaRPr lang="en-US" dirty="0"/>
           </a:p>
@@ -2765,7 +5755,7 @@
           <a:p>
             <a:fld id="{48A87A34-81AB-432B-8DAE-1953F412C126}" type="datetimeFigureOut">
               <a:rPr lang="en-US" smtClean="0"/>
-              <a:t>10/7/2016</a:t>
+              <a:t>10/10/2016</a:t>
             </a:fld>
             <a:endParaRPr lang="en-US" dirty="0"/>
           </a:p>
@@ -2920,7 +5910,7 @@
           <a:ln/>
           <a:extLst>
             <a:ext uri="{91240B29-F687-4f45-9708-019B960494DF}">
-              <a14:hiddenLine xmlns="" xmlns:a14="http://schemas.microsoft.com/office/drawing/2010/main" w="9525">
+              <a14:hiddenLine xmlns:a14="http://schemas.microsoft.com/office/drawing/2010/main" xmlns="" w="9525">
                 <a:solidFill>
                   <a:srgbClr val="000000"/>
                 </a:solidFill>
@@ -3104,7 +6094,7 @@
           <a:p>
             <a:fld id="{48A87A34-81AB-432B-8DAE-1953F412C126}" type="datetimeFigureOut">
               <a:rPr lang="en-US" smtClean="0"/>
-              <a:t>10/7/2016</a:t>
+              <a:t>10/10/2016</a:t>
             </a:fld>
             <a:endParaRPr lang="en-US" dirty="0"/>
           </a:p>
@@ -3259,7 +6249,7 @@
           <a:ln/>
           <a:extLst>
             <a:ext uri="{91240B29-F687-4f45-9708-019B960494DF}">
-              <a14:hiddenLine xmlns="" xmlns:a14="http://schemas.microsoft.com/office/drawing/2010/main" w="9525">
+              <a14:hiddenLine xmlns:a14="http://schemas.microsoft.com/office/drawing/2010/main" xmlns="" w="9525">
                 <a:solidFill>
                   <a:srgbClr val="000000"/>
                 </a:solidFill>
@@ -3581,7 +6571,7 @@
           <a:p>
             <a:fld id="{48A87A34-81AB-432B-8DAE-1953F412C126}" type="datetimeFigureOut">
               <a:rPr lang="en-US" smtClean="0"/>
-              <a:t>10/7/2016</a:t>
+              <a:t>10/10/2016</a:t>
             </a:fld>
             <a:endParaRPr lang="en-US" dirty="0"/>
           </a:p>
@@ -3736,7 +6726,7 @@
           <a:ln/>
           <a:extLst>
             <a:ext uri="{91240B29-F687-4f45-9708-019B960494DF}">
-              <a14:hiddenLine xmlns="" xmlns:a14="http://schemas.microsoft.com/office/drawing/2010/main" w="9525">
+              <a14:hiddenLine xmlns:a14="http://schemas.microsoft.com/office/drawing/2010/main" xmlns="" w="9525">
                 <a:solidFill>
                   <a:srgbClr val="000000"/>
                 </a:solidFill>
@@ -3802,7 +6792,7 @@
           <a:p>
             <a:fld id="{48A87A34-81AB-432B-8DAE-1953F412C126}" type="datetimeFigureOut">
               <a:rPr lang="en-US" smtClean="0"/>
-              <a:t>10/7/2016</a:t>
+              <a:t>10/10/2016</a:t>
             </a:fld>
             <a:endParaRPr lang="en-US" dirty="0"/>
           </a:p>
@@ -3897,7 +6887,7 @@
           <a:p>
             <a:fld id="{48A87A34-81AB-432B-8DAE-1953F412C126}" type="datetimeFigureOut">
               <a:rPr lang="en-US" smtClean="0"/>
-              <a:t>10/7/2016</a:t>
+              <a:t>10/10/2016</a:t>
             </a:fld>
             <a:endParaRPr lang="en-US" dirty="0"/>
           </a:p>
@@ -4165,7 +7155,7 @@
           <a:ln/>
           <a:extLst>
             <a:ext uri="{91240B29-F687-4f45-9708-019B960494DF}">
-              <a14:hiddenLine xmlns="" xmlns:a14="http://schemas.microsoft.com/office/drawing/2010/main" w="9525">
+              <a14:hiddenLine xmlns:a14="http://schemas.microsoft.com/office/drawing/2010/main" xmlns="" w="9525">
                 <a:solidFill>
                   <a:srgbClr val="000000"/>
                 </a:solidFill>
@@ -4364,7 +7354,7 @@
           <a:p>
             <a:fld id="{48A87A34-81AB-432B-8DAE-1953F412C126}" type="datetimeFigureOut">
               <a:rPr lang="en-US" smtClean="0"/>
-              <a:t>10/7/2016</a:t>
+              <a:t>10/10/2016</a:t>
             </a:fld>
             <a:endParaRPr lang="en-US" dirty="0"/>
           </a:p>
@@ -4677,7 +7667,7 @@
           <a:p>
             <a:fld id="{48A87A34-81AB-432B-8DAE-1953F412C126}" type="datetimeFigureOut">
               <a:rPr lang="en-US" smtClean="0"/>
-              <a:t>10/7/2016</a:t>
+              <a:t>10/10/2016</a:t>
             </a:fld>
             <a:endParaRPr lang="en-US" dirty="0"/>
           </a:p>
@@ -4948,7 +7938,7 @@
             <a:fld id="{48A87A34-81AB-432B-8DAE-1953F412C126}" type="datetimeFigureOut">
               <a:rPr lang="en-US" smtClean="0"/>
               <a:pPr/>
-              <a:t>10/7/2016</a:t>
+              <a:t>10/10/2016</a:t>
             </a:fld>
             <a:endParaRPr lang="en-US" dirty="0"/>
           </a:p>
@@ -5544,7 +8534,9 @@
             <p:ph idx="1"/>
           </p:nvPr>
         </p:nvSpPr>
-        <p:spPr/>
+        <p:spPr>
+          <a:effectLst/>
+        </p:spPr>
         <p:txBody>
           <a:bodyPr/>
           <a:lstStyle/>
@@ -5584,6 +8576,235 @@
   <p:clrMapOvr>
     <a:masterClrMapping/>
   </p:clrMapOvr>
+  <p:timing>
+    <p:tnLst>
+      <p:par>
+        <p:cTn id="1" dur="indefinite" restart="never" nodeType="tmRoot">
+          <p:childTnLst>
+            <p:seq concurrent="1" nextAc="seek">
+              <p:cTn id="2" dur="indefinite" nodeType="mainSeq">
+                <p:childTnLst>
+                  <p:par>
+                    <p:cTn id="3" fill="hold">
+                      <p:stCondLst>
+                        <p:cond delay="indefinite"/>
+                      </p:stCondLst>
+                      <p:childTnLst>
+                        <p:par>
+                          <p:cTn id="4" fill="hold">
+                            <p:stCondLst>
+                              <p:cond delay="0"/>
+                            </p:stCondLst>
+                            <p:childTnLst>
+                              <p:par>
+                                <p:cTn id="5" presetID="1" presetClass="entr" presetSubtype="0" fill="hold" grpId="0" nodeType="clickEffect">
+                                  <p:stCondLst>
+                                    <p:cond delay="0"/>
+                                  </p:stCondLst>
+                                  <p:childTnLst>
+                                    <p:set>
+                                      <p:cBhvr>
+                                        <p:cTn id="6" dur="1" fill="hold">
+                                          <p:stCondLst>
+                                            <p:cond delay="0"/>
+                                          </p:stCondLst>
+                                        </p:cTn>
+                                        <p:tgtEl>
+                                          <p:spTgt spid="3">
+                                            <p:txEl>
+                                              <p:pRg st="0" end="0"/>
+                                            </p:txEl>
+                                          </p:spTgt>
+                                        </p:tgtEl>
+                                        <p:attrNameLst>
+                                          <p:attrName>style.visibility</p:attrName>
+                                        </p:attrNameLst>
+                                      </p:cBhvr>
+                                      <p:to>
+                                        <p:strVal val="visible"/>
+                                      </p:to>
+                                    </p:set>
+                                  </p:childTnLst>
+                                </p:cTn>
+                              </p:par>
+                            </p:childTnLst>
+                          </p:cTn>
+                        </p:par>
+                      </p:childTnLst>
+                    </p:cTn>
+                  </p:par>
+                  <p:par>
+                    <p:cTn id="7" fill="hold">
+                      <p:stCondLst>
+                        <p:cond delay="indefinite"/>
+                      </p:stCondLst>
+                      <p:childTnLst>
+                        <p:par>
+                          <p:cTn id="8" fill="hold">
+                            <p:stCondLst>
+                              <p:cond delay="0"/>
+                            </p:stCondLst>
+                            <p:childTnLst>
+                              <p:par>
+                                <p:cTn id="9" presetID="1" presetClass="entr" presetSubtype="0" fill="hold" grpId="0" nodeType="clickEffect">
+                                  <p:stCondLst>
+                                    <p:cond delay="0"/>
+                                  </p:stCondLst>
+                                  <p:childTnLst>
+                                    <p:set>
+                                      <p:cBhvr>
+                                        <p:cTn id="10" dur="1" fill="hold">
+                                          <p:stCondLst>
+                                            <p:cond delay="0"/>
+                                          </p:stCondLst>
+                                        </p:cTn>
+                                        <p:tgtEl>
+                                          <p:spTgt spid="3">
+                                            <p:txEl>
+                                              <p:pRg st="1" end="1"/>
+                                            </p:txEl>
+                                          </p:spTgt>
+                                        </p:tgtEl>
+                                        <p:attrNameLst>
+                                          <p:attrName>style.visibility</p:attrName>
+                                        </p:attrNameLst>
+                                      </p:cBhvr>
+                                      <p:to>
+                                        <p:strVal val="visible"/>
+                                      </p:to>
+                                    </p:set>
+                                  </p:childTnLst>
+                                </p:cTn>
+                              </p:par>
+                            </p:childTnLst>
+                          </p:cTn>
+                        </p:par>
+                      </p:childTnLst>
+                    </p:cTn>
+                  </p:par>
+                  <p:par>
+                    <p:cTn id="11" fill="hold">
+                      <p:stCondLst>
+                        <p:cond delay="indefinite"/>
+                      </p:stCondLst>
+                      <p:childTnLst>
+                        <p:par>
+                          <p:cTn id="12" fill="hold">
+                            <p:stCondLst>
+                              <p:cond delay="0"/>
+                            </p:stCondLst>
+                            <p:childTnLst>
+                              <p:par>
+                                <p:cTn id="13" presetID="1" presetClass="entr" presetSubtype="0" fill="hold" grpId="0" nodeType="clickEffect">
+                                  <p:stCondLst>
+                                    <p:cond delay="0"/>
+                                  </p:stCondLst>
+                                  <p:childTnLst>
+                                    <p:set>
+                                      <p:cBhvr>
+                                        <p:cTn id="14" dur="1" fill="hold">
+                                          <p:stCondLst>
+                                            <p:cond delay="0"/>
+                                          </p:stCondLst>
+                                        </p:cTn>
+                                        <p:tgtEl>
+                                          <p:spTgt spid="3">
+                                            <p:txEl>
+                                              <p:pRg st="2" end="2"/>
+                                            </p:txEl>
+                                          </p:spTgt>
+                                        </p:tgtEl>
+                                        <p:attrNameLst>
+                                          <p:attrName>style.visibility</p:attrName>
+                                        </p:attrNameLst>
+                                      </p:cBhvr>
+                                      <p:to>
+                                        <p:strVal val="visible"/>
+                                      </p:to>
+                                    </p:set>
+                                  </p:childTnLst>
+                                </p:cTn>
+                              </p:par>
+                            </p:childTnLst>
+                          </p:cTn>
+                        </p:par>
+                      </p:childTnLst>
+                    </p:cTn>
+                  </p:par>
+                  <p:par>
+                    <p:cTn id="15" fill="hold">
+                      <p:stCondLst>
+                        <p:cond delay="indefinite"/>
+                      </p:stCondLst>
+                      <p:childTnLst>
+                        <p:par>
+                          <p:cTn id="16" fill="hold">
+                            <p:stCondLst>
+                              <p:cond delay="0"/>
+                            </p:stCondLst>
+                            <p:childTnLst>
+                              <p:par>
+                                <p:cTn id="17" presetID="1" presetClass="entr" presetSubtype="0" fill="hold" grpId="0" nodeType="clickEffect">
+                                  <p:stCondLst>
+                                    <p:cond delay="0"/>
+                                  </p:stCondLst>
+                                  <p:childTnLst>
+                                    <p:set>
+                                      <p:cBhvr>
+                                        <p:cTn id="18" dur="1" fill="hold">
+                                          <p:stCondLst>
+                                            <p:cond delay="0"/>
+                                          </p:stCondLst>
+                                        </p:cTn>
+                                        <p:tgtEl>
+                                          <p:spTgt spid="3">
+                                            <p:txEl>
+                                              <p:pRg st="3" end="3"/>
+                                            </p:txEl>
+                                          </p:spTgt>
+                                        </p:tgtEl>
+                                        <p:attrNameLst>
+                                          <p:attrName>style.visibility</p:attrName>
+                                        </p:attrNameLst>
+                                      </p:cBhvr>
+                                      <p:to>
+                                        <p:strVal val="visible"/>
+                                      </p:to>
+                                    </p:set>
+                                  </p:childTnLst>
+                                </p:cTn>
+                              </p:par>
+                            </p:childTnLst>
+                          </p:cTn>
+                        </p:par>
+                      </p:childTnLst>
+                    </p:cTn>
+                  </p:par>
+                </p:childTnLst>
+              </p:cTn>
+              <p:prevCondLst>
+                <p:cond evt="onPrev" delay="0">
+                  <p:tgtEl>
+                    <p:sldTgt/>
+                  </p:tgtEl>
+                </p:cond>
+              </p:prevCondLst>
+              <p:nextCondLst>
+                <p:cond evt="onNext" delay="0">
+                  <p:tgtEl>
+                    <p:sldTgt/>
+                  </p:tgtEl>
+                </p:cond>
+              </p:nextCondLst>
+            </p:seq>
+          </p:childTnLst>
+        </p:cTn>
+      </p:par>
+    </p:tnLst>
+    <p:bldLst>
+      <p:bldP spid="3" grpId="0" build="p"/>
+    </p:bldLst>
+  </p:timing>
 </p:sld>
 </file>
 
@@ -5658,7 +8879,9 @@
             <p:ph sz="half" idx="2"/>
           </p:nvPr>
         </p:nvSpPr>
-        <p:spPr/>
+        <p:spPr>
+          <a:effectLst/>
+        </p:spPr>
         <p:txBody>
           <a:bodyPr/>
           <a:lstStyle/>
@@ -5734,7 +8957,9 @@
             <p:ph sz="quarter" idx="4"/>
           </p:nvPr>
         </p:nvSpPr>
-        <p:spPr/>
+        <p:spPr>
+          <a:effectLst/>
+        </p:spPr>
         <p:txBody>
           <a:bodyPr/>
           <a:lstStyle/>
@@ -5774,6 +8999,528 @@
   <p:clrMapOvr>
     <a:masterClrMapping/>
   </p:clrMapOvr>
+  <p:timing>
+    <p:tnLst>
+      <p:par>
+        <p:cTn id="1" dur="indefinite" restart="never" nodeType="tmRoot">
+          <p:childTnLst>
+            <p:seq concurrent="1" nextAc="seek">
+              <p:cTn id="2" dur="indefinite" nodeType="mainSeq">
+                <p:childTnLst>
+                  <p:par>
+                    <p:cTn id="3" fill="hold">
+                      <p:stCondLst>
+                        <p:cond delay="indefinite"/>
+                      </p:stCondLst>
+                      <p:childTnLst>
+                        <p:par>
+                          <p:cTn id="4" fill="hold">
+                            <p:stCondLst>
+                              <p:cond delay="0"/>
+                            </p:stCondLst>
+                            <p:childTnLst>
+                              <p:par>
+                                <p:cTn id="5" presetID="10" presetClass="entr" presetSubtype="0" fill="hold" grpId="0" nodeType="clickEffect">
+                                  <p:stCondLst>
+                                    <p:cond delay="0"/>
+                                  </p:stCondLst>
+                                  <p:childTnLst>
+                                    <p:set>
+                                      <p:cBhvr>
+                                        <p:cTn id="6" dur="1" fill="hold">
+                                          <p:stCondLst>
+                                            <p:cond delay="0"/>
+                                          </p:stCondLst>
+                                        </p:cTn>
+                                        <p:tgtEl>
+                                          <p:spTgt spid="4">
+                                            <p:txEl>
+                                              <p:pRg st="0" end="0"/>
+                                            </p:txEl>
+                                          </p:spTgt>
+                                        </p:tgtEl>
+                                        <p:attrNameLst>
+                                          <p:attrName>style.visibility</p:attrName>
+                                        </p:attrNameLst>
+                                      </p:cBhvr>
+                                      <p:to>
+                                        <p:strVal val="visible"/>
+                                      </p:to>
+                                    </p:set>
+                                    <p:animEffect transition="in" filter="fade">
+                                      <p:cBhvr>
+                                        <p:cTn id="7" dur="500"/>
+                                        <p:tgtEl>
+                                          <p:spTgt spid="4">
+                                            <p:txEl>
+                                              <p:pRg st="0" end="0"/>
+                                            </p:txEl>
+                                          </p:spTgt>
+                                        </p:tgtEl>
+                                      </p:cBhvr>
+                                    </p:animEffect>
+                                  </p:childTnLst>
+                                </p:cTn>
+                              </p:par>
+                            </p:childTnLst>
+                          </p:cTn>
+                        </p:par>
+                      </p:childTnLst>
+                    </p:cTn>
+                  </p:par>
+                  <p:par>
+                    <p:cTn id="8" fill="hold">
+                      <p:stCondLst>
+                        <p:cond delay="indefinite"/>
+                      </p:stCondLst>
+                      <p:childTnLst>
+                        <p:par>
+                          <p:cTn id="9" fill="hold">
+                            <p:stCondLst>
+                              <p:cond delay="0"/>
+                            </p:stCondLst>
+                            <p:childTnLst>
+                              <p:par>
+                                <p:cTn id="10" presetID="10" presetClass="entr" presetSubtype="0" fill="hold" grpId="0" nodeType="clickEffect">
+                                  <p:stCondLst>
+                                    <p:cond delay="0"/>
+                                  </p:stCondLst>
+                                  <p:childTnLst>
+                                    <p:set>
+                                      <p:cBhvr>
+                                        <p:cTn id="11" dur="1" fill="hold">
+                                          <p:stCondLst>
+                                            <p:cond delay="0"/>
+                                          </p:stCondLst>
+                                        </p:cTn>
+                                        <p:tgtEl>
+                                          <p:spTgt spid="4">
+                                            <p:txEl>
+                                              <p:pRg st="1" end="1"/>
+                                            </p:txEl>
+                                          </p:spTgt>
+                                        </p:tgtEl>
+                                        <p:attrNameLst>
+                                          <p:attrName>style.visibility</p:attrName>
+                                        </p:attrNameLst>
+                                      </p:cBhvr>
+                                      <p:to>
+                                        <p:strVal val="visible"/>
+                                      </p:to>
+                                    </p:set>
+                                    <p:animEffect transition="in" filter="fade">
+                                      <p:cBhvr>
+                                        <p:cTn id="12" dur="500"/>
+                                        <p:tgtEl>
+                                          <p:spTgt spid="4">
+                                            <p:txEl>
+                                              <p:pRg st="1" end="1"/>
+                                            </p:txEl>
+                                          </p:spTgt>
+                                        </p:tgtEl>
+                                      </p:cBhvr>
+                                    </p:animEffect>
+                                  </p:childTnLst>
+                                </p:cTn>
+                              </p:par>
+                            </p:childTnLst>
+                          </p:cTn>
+                        </p:par>
+                      </p:childTnLst>
+                    </p:cTn>
+                  </p:par>
+                  <p:par>
+                    <p:cTn id="13" fill="hold">
+                      <p:stCondLst>
+                        <p:cond delay="indefinite"/>
+                      </p:stCondLst>
+                      <p:childTnLst>
+                        <p:par>
+                          <p:cTn id="14" fill="hold">
+                            <p:stCondLst>
+                              <p:cond delay="0"/>
+                            </p:stCondLst>
+                            <p:childTnLst>
+                              <p:par>
+                                <p:cTn id="15" presetID="10" presetClass="entr" presetSubtype="0" fill="hold" grpId="0" nodeType="clickEffect">
+                                  <p:stCondLst>
+                                    <p:cond delay="0"/>
+                                  </p:stCondLst>
+                                  <p:childTnLst>
+                                    <p:set>
+                                      <p:cBhvr>
+                                        <p:cTn id="16" dur="1" fill="hold">
+                                          <p:stCondLst>
+                                            <p:cond delay="0"/>
+                                          </p:stCondLst>
+                                        </p:cTn>
+                                        <p:tgtEl>
+                                          <p:spTgt spid="4">
+                                            <p:txEl>
+                                              <p:pRg st="2" end="2"/>
+                                            </p:txEl>
+                                          </p:spTgt>
+                                        </p:tgtEl>
+                                        <p:attrNameLst>
+                                          <p:attrName>style.visibility</p:attrName>
+                                        </p:attrNameLst>
+                                      </p:cBhvr>
+                                      <p:to>
+                                        <p:strVal val="visible"/>
+                                      </p:to>
+                                    </p:set>
+                                    <p:animEffect transition="in" filter="fade">
+                                      <p:cBhvr>
+                                        <p:cTn id="17" dur="500"/>
+                                        <p:tgtEl>
+                                          <p:spTgt spid="4">
+                                            <p:txEl>
+                                              <p:pRg st="2" end="2"/>
+                                            </p:txEl>
+                                          </p:spTgt>
+                                        </p:tgtEl>
+                                      </p:cBhvr>
+                                    </p:animEffect>
+                                  </p:childTnLst>
+                                </p:cTn>
+                              </p:par>
+                            </p:childTnLst>
+                          </p:cTn>
+                        </p:par>
+                      </p:childTnLst>
+                    </p:cTn>
+                  </p:par>
+                  <p:par>
+                    <p:cTn id="18" fill="hold">
+                      <p:stCondLst>
+                        <p:cond delay="indefinite"/>
+                      </p:stCondLst>
+                      <p:childTnLst>
+                        <p:par>
+                          <p:cTn id="19" fill="hold">
+                            <p:stCondLst>
+                              <p:cond delay="0"/>
+                            </p:stCondLst>
+                            <p:childTnLst>
+                              <p:par>
+                                <p:cTn id="20" presetID="10" presetClass="entr" presetSubtype="0" fill="hold" grpId="0" nodeType="clickEffect">
+                                  <p:stCondLst>
+                                    <p:cond delay="0"/>
+                                  </p:stCondLst>
+                                  <p:childTnLst>
+                                    <p:set>
+                                      <p:cBhvr>
+                                        <p:cTn id="21" dur="1" fill="hold">
+                                          <p:stCondLst>
+                                            <p:cond delay="0"/>
+                                          </p:stCondLst>
+                                        </p:cTn>
+                                        <p:tgtEl>
+                                          <p:spTgt spid="4">
+                                            <p:txEl>
+                                              <p:pRg st="3" end="3"/>
+                                            </p:txEl>
+                                          </p:spTgt>
+                                        </p:tgtEl>
+                                        <p:attrNameLst>
+                                          <p:attrName>style.visibility</p:attrName>
+                                        </p:attrNameLst>
+                                      </p:cBhvr>
+                                      <p:to>
+                                        <p:strVal val="visible"/>
+                                      </p:to>
+                                    </p:set>
+                                    <p:animEffect transition="in" filter="fade">
+                                      <p:cBhvr>
+                                        <p:cTn id="22" dur="500"/>
+                                        <p:tgtEl>
+                                          <p:spTgt spid="4">
+                                            <p:txEl>
+                                              <p:pRg st="3" end="3"/>
+                                            </p:txEl>
+                                          </p:spTgt>
+                                        </p:tgtEl>
+                                      </p:cBhvr>
+                                    </p:animEffect>
+                                  </p:childTnLst>
+                                </p:cTn>
+                              </p:par>
+                            </p:childTnLst>
+                          </p:cTn>
+                        </p:par>
+                      </p:childTnLst>
+                    </p:cTn>
+                  </p:par>
+                  <p:par>
+                    <p:cTn id="23" fill="hold">
+                      <p:stCondLst>
+                        <p:cond delay="indefinite"/>
+                      </p:stCondLst>
+                      <p:childTnLst>
+                        <p:par>
+                          <p:cTn id="24" fill="hold">
+                            <p:stCondLst>
+                              <p:cond delay="0"/>
+                            </p:stCondLst>
+                            <p:childTnLst>
+                              <p:par>
+                                <p:cTn id="25" presetID="10" presetClass="entr" presetSubtype="0" fill="hold" grpId="0" nodeType="clickEffect">
+                                  <p:stCondLst>
+                                    <p:cond delay="0"/>
+                                  </p:stCondLst>
+                                  <p:childTnLst>
+                                    <p:set>
+                                      <p:cBhvr>
+                                        <p:cTn id="26" dur="1" fill="hold">
+                                          <p:stCondLst>
+                                            <p:cond delay="0"/>
+                                          </p:stCondLst>
+                                        </p:cTn>
+                                        <p:tgtEl>
+                                          <p:spTgt spid="4">
+                                            <p:txEl>
+                                              <p:pRg st="4" end="4"/>
+                                            </p:txEl>
+                                          </p:spTgt>
+                                        </p:tgtEl>
+                                        <p:attrNameLst>
+                                          <p:attrName>style.visibility</p:attrName>
+                                        </p:attrNameLst>
+                                      </p:cBhvr>
+                                      <p:to>
+                                        <p:strVal val="visible"/>
+                                      </p:to>
+                                    </p:set>
+                                    <p:animEffect transition="in" filter="fade">
+                                      <p:cBhvr>
+                                        <p:cTn id="27" dur="500"/>
+                                        <p:tgtEl>
+                                          <p:spTgt spid="4">
+                                            <p:txEl>
+                                              <p:pRg st="4" end="4"/>
+                                            </p:txEl>
+                                          </p:spTgt>
+                                        </p:tgtEl>
+                                      </p:cBhvr>
+                                    </p:animEffect>
+                                  </p:childTnLst>
+                                </p:cTn>
+                              </p:par>
+                            </p:childTnLst>
+                          </p:cTn>
+                        </p:par>
+                      </p:childTnLst>
+                    </p:cTn>
+                  </p:par>
+                  <p:par>
+                    <p:cTn id="28" fill="hold">
+                      <p:stCondLst>
+                        <p:cond delay="indefinite"/>
+                      </p:stCondLst>
+                      <p:childTnLst>
+                        <p:par>
+                          <p:cTn id="29" fill="hold">
+                            <p:stCondLst>
+                              <p:cond delay="0"/>
+                            </p:stCondLst>
+                            <p:childTnLst>
+                              <p:par>
+                                <p:cTn id="30" presetID="10" presetClass="entr" presetSubtype="0" fill="hold" grpId="0" nodeType="clickEffect">
+                                  <p:stCondLst>
+                                    <p:cond delay="0"/>
+                                  </p:stCondLst>
+                                  <p:childTnLst>
+                                    <p:set>
+                                      <p:cBhvr>
+                                        <p:cTn id="31" dur="1" fill="hold">
+                                          <p:stCondLst>
+                                            <p:cond delay="0"/>
+                                          </p:stCondLst>
+                                        </p:cTn>
+                                        <p:tgtEl>
+                                          <p:spTgt spid="6">
+                                            <p:txEl>
+                                              <p:pRg st="0" end="0"/>
+                                            </p:txEl>
+                                          </p:spTgt>
+                                        </p:tgtEl>
+                                        <p:attrNameLst>
+                                          <p:attrName>style.visibility</p:attrName>
+                                        </p:attrNameLst>
+                                      </p:cBhvr>
+                                      <p:to>
+                                        <p:strVal val="visible"/>
+                                      </p:to>
+                                    </p:set>
+                                    <p:animEffect transition="in" filter="fade">
+                                      <p:cBhvr>
+                                        <p:cTn id="32" dur="500"/>
+                                        <p:tgtEl>
+                                          <p:spTgt spid="6">
+                                            <p:txEl>
+                                              <p:pRg st="0" end="0"/>
+                                            </p:txEl>
+                                          </p:spTgt>
+                                        </p:tgtEl>
+                                      </p:cBhvr>
+                                    </p:animEffect>
+                                  </p:childTnLst>
+                                </p:cTn>
+                              </p:par>
+                            </p:childTnLst>
+                          </p:cTn>
+                        </p:par>
+                      </p:childTnLst>
+                    </p:cTn>
+                  </p:par>
+                  <p:par>
+                    <p:cTn id="33" fill="hold">
+                      <p:stCondLst>
+                        <p:cond delay="indefinite"/>
+                      </p:stCondLst>
+                      <p:childTnLst>
+                        <p:par>
+                          <p:cTn id="34" fill="hold">
+                            <p:stCondLst>
+                              <p:cond delay="0"/>
+                            </p:stCondLst>
+                            <p:childTnLst>
+                              <p:par>
+                                <p:cTn id="35" presetID="10" presetClass="entr" presetSubtype="0" fill="hold" grpId="0" nodeType="clickEffect">
+                                  <p:stCondLst>
+                                    <p:cond delay="0"/>
+                                  </p:stCondLst>
+                                  <p:childTnLst>
+                                    <p:set>
+                                      <p:cBhvr>
+                                        <p:cTn id="36" dur="1" fill="hold">
+                                          <p:stCondLst>
+                                            <p:cond delay="0"/>
+                                          </p:stCondLst>
+                                        </p:cTn>
+                                        <p:tgtEl>
+                                          <p:spTgt spid="6">
+                                            <p:txEl>
+                                              <p:pRg st="1" end="1"/>
+                                            </p:txEl>
+                                          </p:spTgt>
+                                        </p:tgtEl>
+                                        <p:attrNameLst>
+                                          <p:attrName>style.visibility</p:attrName>
+                                        </p:attrNameLst>
+                                      </p:cBhvr>
+                                      <p:to>
+                                        <p:strVal val="visible"/>
+                                      </p:to>
+                                    </p:set>
+                                    <p:animEffect transition="in" filter="fade">
+                                      <p:cBhvr>
+                                        <p:cTn id="37" dur="500"/>
+                                        <p:tgtEl>
+                                          <p:spTgt spid="6">
+                                            <p:txEl>
+                                              <p:pRg st="1" end="1"/>
+                                            </p:txEl>
+                                          </p:spTgt>
+                                        </p:tgtEl>
+                                      </p:cBhvr>
+                                    </p:animEffect>
+                                  </p:childTnLst>
+                                </p:cTn>
+                              </p:par>
+                            </p:childTnLst>
+                          </p:cTn>
+                        </p:par>
+                      </p:childTnLst>
+                    </p:cTn>
+                  </p:par>
+                  <p:par>
+                    <p:cTn id="38" fill="hold">
+                      <p:stCondLst>
+                        <p:cond delay="indefinite"/>
+                      </p:stCondLst>
+                      <p:childTnLst>
+                        <p:par>
+                          <p:cTn id="39" fill="hold">
+                            <p:stCondLst>
+                              <p:cond delay="0"/>
+                            </p:stCondLst>
+                            <p:childTnLst>
+                              <p:par>
+                                <p:cTn id="40" presetID="10" presetClass="entr" presetSubtype="0" fill="hold" grpId="0" nodeType="clickEffect">
+                                  <p:stCondLst>
+                                    <p:cond delay="0"/>
+                                  </p:stCondLst>
+                                  <p:childTnLst>
+                                    <p:set>
+                                      <p:cBhvr>
+                                        <p:cTn id="41" dur="1" fill="hold">
+                                          <p:stCondLst>
+                                            <p:cond delay="0"/>
+                                          </p:stCondLst>
+                                        </p:cTn>
+                                        <p:tgtEl>
+                                          <p:spTgt spid="6">
+                                            <p:txEl>
+                                              <p:pRg st="2" end="2"/>
+                                            </p:txEl>
+                                          </p:spTgt>
+                                        </p:tgtEl>
+                                        <p:attrNameLst>
+                                          <p:attrName>style.visibility</p:attrName>
+                                        </p:attrNameLst>
+                                      </p:cBhvr>
+                                      <p:to>
+                                        <p:strVal val="visible"/>
+                                      </p:to>
+                                    </p:set>
+                                    <p:animEffect transition="in" filter="fade">
+                                      <p:cBhvr>
+                                        <p:cTn id="42" dur="500"/>
+                                        <p:tgtEl>
+                                          <p:spTgt spid="6">
+                                            <p:txEl>
+                                              <p:pRg st="2" end="2"/>
+                                            </p:txEl>
+                                          </p:spTgt>
+                                        </p:tgtEl>
+                                      </p:cBhvr>
+                                    </p:animEffect>
+                                  </p:childTnLst>
+                                </p:cTn>
+                              </p:par>
+                            </p:childTnLst>
+                          </p:cTn>
+                        </p:par>
+                      </p:childTnLst>
+                    </p:cTn>
+                  </p:par>
+                </p:childTnLst>
+              </p:cTn>
+              <p:prevCondLst>
+                <p:cond evt="onPrev" delay="0">
+                  <p:tgtEl>
+                    <p:sldTgt/>
+                  </p:tgtEl>
+                </p:cond>
+              </p:prevCondLst>
+              <p:nextCondLst>
+                <p:cond evt="onNext" delay="0">
+                  <p:tgtEl>
+                    <p:sldTgt/>
+                  </p:tgtEl>
+                </p:cond>
+              </p:nextCondLst>
+            </p:seq>
+          </p:childTnLst>
+        </p:cTn>
+      </p:par>
+    </p:tnLst>
+    <p:bldLst>
+      <p:bldP spid="4" grpId="0" build="p"/>
+      <p:bldP spid="6" grpId="0" build="p"/>
+    </p:bldLst>
+  </p:timing>
 </p:sld>
 </file>
 
@@ -5826,7 +9573,9 @@
             <p:ph idx="1"/>
           </p:nvPr>
         </p:nvSpPr>
-        <p:spPr/>
+        <p:spPr>
+          <a:effectLst/>
+        </p:spPr>
         <p:txBody>
           <a:bodyPr/>
           <a:lstStyle/>
@@ -5920,6 +9669,382 @@
   <p:clrMapOvr>
     <a:masterClrMapping/>
   </p:clrMapOvr>
+  <p:timing>
+    <p:tnLst>
+      <p:par>
+        <p:cTn id="1" dur="indefinite" restart="never" nodeType="tmRoot">
+          <p:childTnLst>
+            <p:seq concurrent="1" nextAc="seek">
+              <p:cTn id="2" dur="indefinite" nodeType="mainSeq">
+                <p:childTnLst>
+                  <p:par>
+                    <p:cTn id="3" fill="hold">
+                      <p:stCondLst>
+                        <p:cond delay="indefinite"/>
+                      </p:stCondLst>
+                      <p:childTnLst>
+                        <p:par>
+                          <p:cTn id="4" fill="hold">
+                            <p:stCondLst>
+                              <p:cond delay="0"/>
+                            </p:stCondLst>
+                            <p:childTnLst>
+                              <p:par>
+                                <p:cTn id="5" presetID="1" presetClass="entr" presetSubtype="0" fill="hold" grpId="0" nodeType="clickEffect">
+                                  <p:stCondLst>
+                                    <p:cond delay="0"/>
+                                  </p:stCondLst>
+                                  <p:childTnLst>
+                                    <p:set>
+                                      <p:cBhvr>
+                                        <p:cTn id="6" dur="1" fill="hold">
+                                          <p:stCondLst>
+                                            <p:cond delay="0"/>
+                                          </p:stCondLst>
+                                        </p:cTn>
+                                        <p:tgtEl>
+                                          <p:spTgt spid="3">
+                                            <p:txEl>
+                                              <p:pRg st="0" end="0"/>
+                                            </p:txEl>
+                                          </p:spTgt>
+                                        </p:tgtEl>
+                                        <p:attrNameLst>
+                                          <p:attrName>style.visibility</p:attrName>
+                                        </p:attrNameLst>
+                                      </p:cBhvr>
+                                      <p:to>
+                                        <p:strVal val="visible"/>
+                                      </p:to>
+                                    </p:set>
+                                  </p:childTnLst>
+                                </p:cTn>
+                              </p:par>
+                            </p:childTnLst>
+                          </p:cTn>
+                        </p:par>
+                      </p:childTnLst>
+                    </p:cTn>
+                  </p:par>
+                  <p:par>
+                    <p:cTn id="7" fill="hold">
+                      <p:stCondLst>
+                        <p:cond delay="indefinite"/>
+                      </p:stCondLst>
+                      <p:childTnLst>
+                        <p:par>
+                          <p:cTn id="8" fill="hold">
+                            <p:stCondLst>
+                              <p:cond delay="0"/>
+                            </p:stCondLst>
+                            <p:childTnLst>
+                              <p:par>
+                                <p:cTn id="9" presetID="1" presetClass="entr" presetSubtype="0" fill="hold" grpId="0" nodeType="clickEffect">
+                                  <p:stCondLst>
+                                    <p:cond delay="0"/>
+                                  </p:stCondLst>
+                                  <p:childTnLst>
+                                    <p:set>
+                                      <p:cBhvr>
+                                        <p:cTn id="10" dur="1" fill="hold">
+                                          <p:stCondLst>
+                                            <p:cond delay="0"/>
+                                          </p:stCondLst>
+                                        </p:cTn>
+                                        <p:tgtEl>
+                                          <p:spTgt spid="3">
+                                            <p:txEl>
+                                              <p:pRg st="1" end="1"/>
+                                            </p:txEl>
+                                          </p:spTgt>
+                                        </p:tgtEl>
+                                        <p:attrNameLst>
+                                          <p:attrName>style.visibility</p:attrName>
+                                        </p:attrNameLst>
+                                      </p:cBhvr>
+                                      <p:to>
+                                        <p:strVal val="visible"/>
+                                      </p:to>
+                                    </p:set>
+                                  </p:childTnLst>
+                                </p:cTn>
+                              </p:par>
+                            </p:childTnLst>
+                          </p:cTn>
+                        </p:par>
+                      </p:childTnLst>
+                    </p:cTn>
+                  </p:par>
+                  <p:par>
+                    <p:cTn id="11" fill="hold">
+                      <p:stCondLst>
+                        <p:cond delay="indefinite"/>
+                      </p:stCondLst>
+                      <p:childTnLst>
+                        <p:par>
+                          <p:cTn id="12" fill="hold">
+                            <p:stCondLst>
+                              <p:cond delay="0"/>
+                            </p:stCondLst>
+                            <p:childTnLst>
+                              <p:par>
+                                <p:cTn id="13" presetID="1" presetClass="entr" presetSubtype="0" fill="hold" grpId="0" nodeType="clickEffect">
+                                  <p:stCondLst>
+                                    <p:cond delay="0"/>
+                                  </p:stCondLst>
+                                  <p:childTnLst>
+                                    <p:set>
+                                      <p:cBhvr>
+                                        <p:cTn id="14" dur="1" fill="hold">
+                                          <p:stCondLst>
+                                            <p:cond delay="0"/>
+                                          </p:stCondLst>
+                                        </p:cTn>
+                                        <p:tgtEl>
+                                          <p:spTgt spid="3">
+                                            <p:txEl>
+                                              <p:pRg st="2" end="2"/>
+                                            </p:txEl>
+                                          </p:spTgt>
+                                        </p:tgtEl>
+                                        <p:attrNameLst>
+                                          <p:attrName>style.visibility</p:attrName>
+                                        </p:attrNameLst>
+                                      </p:cBhvr>
+                                      <p:to>
+                                        <p:strVal val="visible"/>
+                                      </p:to>
+                                    </p:set>
+                                  </p:childTnLst>
+                                </p:cTn>
+                              </p:par>
+                            </p:childTnLst>
+                          </p:cTn>
+                        </p:par>
+                      </p:childTnLst>
+                    </p:cTn>
+                  </p:par>
+                  <p:par>
+                    <p:cTn id="15" fill="hold">
+                      <p:stCondLst>
+                        <p:cond delay="indefinite"/>
+                      </p:stCondLst>
+                      <p:childTnLst>
+                        <p:par>
+                          <p:cTn id="16" fill="hold">
+                            <p:stCondLst>
+                              <p:cond delay="0"/>
+                            </p:stCondLst>
+                            <p:childTnLst>
+                              <p:par>
+                                <p:cTn id="17" presetID="1" presetClass="entr" presetSubtype="0" fill="hold" grpId="0" nodeType="clickEffect">
+                                  <p:stCondLst>
+                                    <p:cond delay="0"/>
+                                  </p:stCondLst>
+                                  <p:childTnLst>
+                                    <p:set>
+                                      <p:cBhvr>
+                                        <p:cTn id="18" dur="1" fill="hold">
+                                          <p:stCondLst>
+                                            <p:cond delay="0"/>
+                                          </p:stCondLst>
+                                        </p:cTn>
+                                        <p:tgtEl>
+                                          <p:spTgt spid="3">
+                                            <p:txEl>
+                                              <p:pRg st="3" end="3"/>
+                                            </p:txEl>
+                                          </p:spTgt>
+                                        </p:tgtEl>
+                                        <p:attrNameLst>
+                                          <p:attrName>style.visibility</p:attrName>
+                                        </p:attrNameLst>
+                                      </p:cBhvr>
+                                      <p:to>
+                                        <p:strVal val="visible"/>
+                                      </p:to>
+                                    </p:set>
+                                  </p:childTnLst>
+                                </p:cTn>
+                              </p:par>
+                            </p:childTnLst>
+                          </p:cTn>
+                        </p:par>
+                      </p:childTnLst>
+                    </p:cTn>
+                  </p:par>
+                  <p:par>
+                    <p:cTn id="19" fill="hold">
+                      <p:stCondLst>
+                        <p:cond delay="indefinite"/>
+                      </p:stCondLst>
+                      <p:childTnLst>
+                        <p:par>
+                          <p:cTn id="20" fill="hold">
+                            <p:stCondLst>
+                              <p:cond delay="0"/>
+                            </p:stCondLst>
+                            <p:childTnLst>
+                              <p:par>
+                                <p:cTn id="21" presetID="1" presetClass="entr" presetSubtype="0" fill="hold" grpId="0" nodeType="clickEffect">
+                                  <p:stCondLst>
+                                    <p:cond delay="0"/>
+                                  </p:stCondLst>
+                                  <p:childTnLst>
+                                    <p:set>
+                                      <p:cBhvr>
+                                        <p:cTn id="22" dur="1" fill="hold">
+                                          <p:stCondLst>
+                                            <p:cond delay="0"/>
+                                          </p:stCondLst>
+                                        </p:cTn>
+                                        <p:tgtEl>
+                                          <p:spTgt spid="3">
+                                            <p:txEl>
+                                              <p:pRg st="4" end="4"/>
+                                            </p:txEl>
+                                          </p:spTgt>
+                                        </p:tgtEl>
+                                        <p:attrNameLst>
+                                          <p:attrName>style.visibility</p:attrName>
+                                        </p:attrNameLst>
+                                      </p:cBhvr>
+                                      <p:to>
+                                        <p:strVal val="visible"/>
+                                      </p:to>
+                                    </p:set>
+                                  </p:childTnLst>
+                                </p:cTn>
+                              </p:par>
+                            </p:childTnLst>
+                          </p:cTn>
+                        </p:par>
+                      </p:childTnLst>
+                    </p:cTn>
+                  </p:par>
+                  <p:par>
+                    <p:cTn id="23" fill="hold">
+                      <p:stCondLst>
+                        <p:cond delay="indefinite"/>
+                      </p:stCondLst>
+                      <p:childTnLst>
+                        <p:par>
+                          <p:cTn id="24" fill="hold">
+                            <p:stCondLst>
+                              <p:cond delay="0"/>
+                            </p:stCondLst>
+                            <p:childTnLst>
+                              <p:par>
+                                <p:cTn id="25" presetID="1" presetClass="entr" presetSubtype="0" fill="hold" grpId="0" nodeType="clickEffect">
+                                  <p:stCondLst>
+                                    <p:cond delay="0"/>
+                                  </p:stCondLst>
+                                  <p:childTnLst>
+                                    <p:set>
+                                      <p:cBhvr>
+                                        <p:cTn id="26" dur="1" fill="hold">
+                                          <p:stCondLst>
+                                            <p:cond delay="0"/>
+                                          </p:stCondLst>
+                                        </p:cTn>
+                                        <p:tgtEl>
+                                          <p:spTgt spid="3">
+                                            <p:txEl>
+                                              <p:pRg st="5" end="5"/>
+                                            </p:txEl>
+                                          </p:spTgt>
+                                        </p:tgtEl>
+                                        <p:attrNameLst>
+                                          <p:attrName>style.visibility</p:attrName>
+                                        </p:attrNameLst>
+                                      </p:cBhvr>
+                                      <p:to>
+                                        <p:strVal val="visible"/>
+                                      </p:to>
+                                    </p:set>
+                                  </p:childTnLst>
+                                </p:cTn>
+                              </p:par>
+                            </p:childTnLst>
+                          </p:cTn>
+                        </p:par>
+                      </p:childTnLst>
+                    </p:cTn>
+                  </p:par>
+                  <p:par>
+                    <p:cTn id="27" fill="hold">
+                      <p:stCondLst>
+                        <p:cond delay="indefinite"/>
+                      </p:stCondLst>
+                      <p:childTnLst>
+                        <p:par>
+                          <p:cTn id="28" fill="hold">
+                            <p:stCondLst>
+                              <p:cond delay="0"/>
+                            </p:stCondLst>
+                            <p:childTnLst>
+                              <p:par>
+                                <p:cTn id="29" presetID="1" presetClass="entr" presetSubtype="0" fill="hold" grpId="0" nodeType="clickEffect">
+                                  <p:stCondLst>
+                                    <p:cond delay="0"/>
+                                  </p:stCondLst>
+                                  <p:childTnLst>
+                                    <p:set>
+                                      <p:cBhvr>
+                                        <p:cTn id="30" dur="1" fill="hold">
+                                          <p:stCondLst>
+                                            <p:cond delay="0"/>
+                                          </p:stCondLst>
+                                        </p:cTn>
+                                        <p:tgtEl>
+                                          <p:spTgt spid="3">
+                                            <p:txEl>
+                                              <p:pRg st="6" end="6"/>
+                                            </p:txEl>
+                                          </p:spTgt>
+                                        </p:tgtEl>
+                                        <p:attrNameLst>
+                                          <p:attrName>style.visibility</p:attrName>
+                                        </p:attrNameLst>
+                                      </p:cBhvr>
+                                      <p:to>
+                                        <p:strVal val="visible"/>
+                                      </p:to>
+                                    </p:set>
+                                  </p:childTnLst>
+                                </p:cTn>
+                              </p:par>
+                            </p:childTnLst>
+                          </p:cTn>
+                        </p:par>
+                      </p:childTnLst>
+                    </p:cTn>
+                  </p:par>
+                </p:childTnLst>
+              </p:cTn>
+              <p:prevCondLst>
+                <p:cond evt="onPrev" delay="0">
+                  <p:tgtEl>
+                    <p:sldTgt/>
+                  </p:tgtEl>
+                </p:cond>
+              </p:prevCondLst>
+              <p:nextCondLst>
+                <p:cond evt="onNext" delay="0">
+                  <p:tgtEl>
+                    <p:sldTgt/>
+                  </p:tgtEl>
+                </p:cond>
+              </p:nextCondLst>
+            </p:seq>
+          </p:childTnLst>
+        </p:cTn>
+      </p:par>
+    </p:tnLst>
+    <p:bldLst>
+      <p:bldP spid="3" grpId="0" build="p"/>
+    </p:bldLst>
+  </p:timing>
 </p:sld>
 </file>
 
@@ -6040,6 +10165,2544 @@
           <a:lstStyle/>
           <a:p>
             <a:r>
+              <a:rPr lang="en-US" dirty="0"/>
+              <a:t>Deployment Model</a:t>
+            </a:r>
+          </a:p>
+        </p:txBody>
+      </p:sp>
+      <p:sp>
+        <p:nvSpPr>
+          <p:cNvPr id="19" name="TextBox 3"/>
+          <p:cNvSpPr txBox="1"/>
+          <p:nvPr/>
+        </p:nvSpPr>
+        <p:spPr>
+          <a:xfrm>
+            <a:off x="2029810" y="2629713"/>
+            <a:ext cx="2118177" cy="627864"/>
+          </a:xfrm>
+          <a:prstGeom prst="rect">
+            <a:avLst/>
+          </a:prstGeom>
+          <a:noFill/>
+        </p:spPr>
+        <p:txBody>
+          <a:bodyPr wrap="square" lIns="182880" tIns="146304" rIns="182880" bIns="146304" rtlCol="0">
+            <a:spAutoFit/>
+          </a:bodyPr>
+          <a:lstStyle>
+            <a:defPPr>
+              <a:defRPr lang="en-US"/>
+            </a:defPPr>
+            <a:lvl1pPr marL="0" algn="l" defTabSz="932742" rtl="0" eaLnBrk="1" latinLnBrk="0" hangingPunct="1">
+              <a:defRPr sz="1800" kern="1200">
+                <a:solidFill>
+                  <a:schemeClr val="tx1"/>
+                </a:solidFill>
+                <a:latin typeface="+mn-lt"/>
+                <a:ea typeface="+mn-ea"/>
+                <a:cs typeface="+mn-cs"/>
+              </a:defRPr>
+            </a:lvl1pPr>
+            <a:lvl2pPr marL="466371" algn="l" defTabSz="932742" rtl="0" eaLnBrk="1" latinLnBrk="0" hangingPunct="1">
+              <a:defRPr sz="1800" kern="1200">
+                <a:solidFill>
+                  <a:schemeClr val="tx1"/>
+                </a:solidFill>
+                <a:latin typeface="+mn-lt"/>
+                <a:ea typeface="+mn-ea"/>
+                <a:cs typeface="+mn-cs"/>
+              </a:defRPr>
+            </a:lvl2pPr>
+            <a:lvl3pPr marL="932742" algn="l" defTabSz="932742" rtl="0" eaLnBrk="1" latinLnBrk="0" hangingPunct="1">
+              <a:defRPr sz="1800" kern="1200">
+                <a:solidFill>
+                  <a:schemeClr val="tx1"/>
+                </a:solidFill>
+                <a:latin typeface="+mn-lt"/>
+                <a:ea typeface="+mn-ea"/>
+                <a:cs typeface="+mn-cs"/>
+              </a:defRPr>
+            </a:lvl3pPr>
+            <a:lvl4pPr marL="1399113" algn="l" defTabSz="932742" rtl="0" eaLnBrk="1" latinLnBrk="0" hangingPunct="1">
+              <a:defRPr sz="1800" kern="1200">
+                <a:solidFill>
+                  <a:schemeClr val="tx1"/>
+                </a:solidFill>
+                <a:latin typeface="+mn-lt"/>
+                <a:ea typeface="+mn-ea"/>
+                <a:cs typeface="+mn-cs"/>
+              </a:defRPr>
+            </a:lvl4pPr>
+            <a:lvl5pPr marL="1865484" algn="l" defTabSz="932742" rtl="0" eaLnBrk="1" latinLnBrk="0" hangingPunct="1">
+              <a:defRPr sz="1800" kern="1200">
+                <a:solidFill>
+                  <a:schemeClr val="tx1"/>
+                </a:solidFill>
+                <a:latin typeface="+mn-lt"/>
+                <a:ea typeface="+mn-ea"/>
+                <a:cs typeface="+mn-cs"/>
+              </a:defRPr>
+            </a:lvl5pPr>
+            <a:lvl6pPr marL="2331856" algn="l" defTabSz="932742" rtl="0" eaLnBrk="1" latinLnBrk="0" hangingPunct="1">
+              <a:defRPr sz="1800" kern="1200">
+                <a:solidFill>
+                  <a:schemeClr val="tx1"/>
+                </a:solidFill>
+                <a:latin typeface="+mn-lt"/>
+                <a:ea typeface="+mn-ea"/>
+                <a:cs typeface="+mn-cs"/>
+              </a:defRPr>
+            </a:lvl6pPr>
+            <a:lvl7pPr marL="2798226" algn="l" defTabSz="932742" rtl="0" eaLnBrk="1" latinLnBrk="0" hangingPunct="1">
+              <a:defRPr sz="1800" kern="1200">
+                <a:solidFill>
+                  <a:schemeClr val="tx1"/>
+                </a:solidFill>
+                <a:latin typeface="+mn-lt"/>
+                <a:ea typeface="+mn-ea"/>
+                <a:cs typeface="+mn-cs"/>
+              </a:defRPr>
+            </a:lvl7pPr>
+            <a:lvl8pPr marL="3264597" algn="l" defTabSz="932742" rtl="0" eaLnBrk="1" latinLnBrk="0" hangingPunct="1">
+              <a:defRPr sz="1800" kern="1200">
+                <a:solidFill>
+                  <a:schemeClr val="tx1"/>
+                </a:solidFill>
+                <a:latin typeface="+mn-lt"/>
+                <a:ea typeface="+mn-ea"/>
+                <a:cs typeface="+mn-cs"/>
+              </a:defRPr>
+            </a:lvl8pPr>
+            <a:lvl9pPr marL="3730969" algn="l" defTabSz="932742" rtl="0" eaLnBrk="1" latinLnBrk="0" hangingPunct="1">
+              <a:defRPr sz="1800" kern="1200">
+                <a:solidFill>
+                  <a:schemeClr val="tx1"/>
+                </a:solidFill>
+                <a:latin typeface="+mn-lt"/>
+                <a:ea typeface="+mn-ea"/>
+                <a:cs typeface="+mn-cs"/>
+              </a:defRPr>
+            </a:lvl9pPr>
+          </a:lstStyle>
+          <a:p>
+            <a:pPr algn="ctr">
+              <a:lnSpc>
+                <a:spcPct val="90000"/>
+              </a:lnSpc>
+              <a:spcAft>
+                <a:spcPts val="600"/>
+              </a:spcAft>
+            </a:pPr>
+            <a:r>
+              <a:rPr lang="en-US" sz="2400" dirty="0">
+                <a:solidFill>
+                  <a:srgbClr val="6B8F35"/>
+                </a:solidFill>
+              </a:rPr>
+              <a:t>Application </a:t>
+            </a:r>
+          </a:p>
+        </p:txBody>
+      </p:sp>
+      <p:sp>
+        <p:nvSpPr>
+          <p:cNvPr id="20" name="Hexagon 19"/>
+          <p:cNvSpPr/>
+          <p:nvPr/>
+        </p:nvSpPr>
+        <p:spPr bwMode="auto">
+          <a:xfrm>
+            <a:off x="2993443" y="4034780"/>
+            <a:ext cx="232312" cy="193231"/>
+          </a:xfrm>
+          <a:prstGeom prst="hexagon">
+            <a:avLst/>
+          </a:prstGeom>
+          <a:solidFill>
+            <a:srgbClr val="FF0000"/>
+          </a:solidFill>
+          <a:ln>
+            <a:noFill/>
+            <a:headEnd type="none" w="med" len="med"/>
+            <a:tailEnd type="none" w="med" len="med"/>
+          </a:ln>
+          <a:effectLst/>
+        </p:spPr>
+        <p:style>
+          <a:lnRef idx="1">
+            <a:schemeClr val="accent2"/>
+          </a:lnRef>
+          <a:fillRef idx="3">
+            <a:schemeClr val="accent2"/>
+          </a:fillRef>
+          <a:effectRef idx="2">
+            <a:schemeClr val="accent2"/>
+          </a:effectRef>
+          <a:fontRef idx="minor">
+            <a:schemeClr val="lt1"/>
+          </a:fontRef>
+        </p:style>
+        <p:txBody>
+          <a:bodyPr lIns="91440" tIns="91440" rIns="34294" bIns="34294" rtlCol="0" anchor="b" anchorCtr="0"/>
+          <a:lstStyle>
+            <a:defPPr>
+              <a:defRPr lang="en-US"/>
+            </a:defPPr>
+            <a:lvl1pPr marL="0" algn="l" defTabSz="932742" rtl="0" eaLnBrk="1" latinLnBrk="0" hangingPunct="1">
+              <a:defRPr sz="1800" kern="1200">
+                <a:solidFill>
+                  <a:schemeClr val="lt1"/>
+                </a:solidFill>
+                <a:latin typeface="+mn-lt"/>
+                <a:ea typeface="+mn-ea"/>
+                <a:cs typeface="+mn-cs"/>
+              </a:defRPr>
+            </a:lvl1pPr>
+            <a:lvl2pPr marL="466371" algn="l" defTabSz="932742" rtl="0" eaLnBrk="1" latinLnBrk="0" hangingPunct="1">
+              <a:defRPr sz="1800" kern="1200">
+                <a:solidFill>
+                  <a:schemeClr val="lt1"/>
+                </a:solidFill>
+                <a:latin typeface="+mn-lt"/>
+                <a:ea typeface="+mn-ea"/>
+                <a:cs typeface="+mn-cs"/>
+              </a:defRPr>
+            </a:lvl2pPr>
+            <a:lvl3pPr marL="932742" algn="l" defTabSz="932742" rtl="0" eaLnBrk="1" latinLnBrk="0" hangingPunct="1">
+              <a:defRPr sz="1800" kern="1200">
+                <a:solidFill>
+                  <a:schemeClr val="lt1"/>
+                </a:solidFill>
+                <a:latin typeface="+mn-lt"/>
+                <a:ea typeface="+mn-ea"/>
+                <a:cs typeface="+mn-cs"/>
+              </a:defRPr>
+            </a:lvl3pPr>
+            <a:lvl4pPr marL="1399113" algn="l" defTabSz="932742" rtl="0" eaLnBrk="1" latinLnBrk="0" hangingPunct="1">
+              <a:defRPr sz="1800" kern="1200">
+                <a:solidFill>
+                  <a:schemeClr val="lt1"/>
+                </a:solidFill>
+                <a:latin typeface="+mn-lt"/>
+                <a:ea typeface="+mn-ea"/>
+                <a:cs typeface="+mn-cs"/>
+              </a:defRPr>
+            </a:lvl4pPr>
+            <a:lvl5pPr marL="1865484" algn="l" defTabSz="932742" rtl="0" eaLnBrk="1" latinLnBrk="0" hangingPunct="1">
+              <a:defRPr sz="1800" kern="1200">
+                <a:solidFill>
+                  <a:schemeClr val="lt1"/>
+                </a:solidFill>
+                <a:latin typeface="+mn-lt"/>
+                <a:ea typeface="+mn-ea"/>
+                <a:cs typeface="+mn-cs"/>
+              </a:defRPr>
+            </a:lvl5pPr>
+            <a:lvl6pPr marL="2331856" algn="l" defTabSz="932742" rtl="0" eaLnBrk="1" latinLnBrk="0" hangingPunct="1">
+              <a:defRPr sz="1800" kern="1200">
+                <a:solidFill>
+                  <a:schemeClr val="lt1"/>
+                </a:solidFill>
+                <a:latin typeface="+mn-lt"/>
+                <a:ea typeface="+mn-ea"/>
+                <a:cs typeface="+mn-cs"/>
+              </a:defRPr>
+            </a:lvl6pPr>
+            <a:lvl7pPr marL="2798226" algn="l" defTabSz="932742" rtl="0" eaLnBrk="1" latinLnBrk="0" hangingPunct="1">
+              <a:defRPr sz="1800" kern="1200">
+                <a:solidFill>
+                  <a:schemeClr val="lt1"/>
+                </a:solidFill>
+                <a:latin typeface="+mn-lt"/>
+                <a:ea typeface="+mn-ea"/>
+                <a:cs typeface="+mn-cs"/>
+              </a:defRPr>
+            </a:lvl7pPr>
+            <a:lvl8pPr marL="3264597" algn="l" defTabSz="932742" rtl="0" eaLnBrk="1" latinLnBrk="0" hangingPunct="1">
+              <a:defRPr sz="1800" kern="1200">
+                <a:solidFill>
+                  <a:schemeClr val="lt1"/>
+                </a:solidFill>
+                <a:latin typeface="+mn-lt"/>
+                <a:ea typeface="+mn-ea"/>
+                <a:cs typeface="+mn-cs"/>
+              </a:defRPr>
+            </a:lvl8pPr>
+            <a:lvl9pPr marL="3730969" algn="l" defTabSz="932742" rtl="0" eaLnBrk="1" latinLnBrk="0" hangingPunct="1">
+              <a:defRPr sz="1800" kern="1200">
+                <a:solidFill>
+                  <a:schemeClr val="lt1"/>
+                </a:solidFill>
+                <a:latin typeface="+mn-lt"/>
+                <a:ea typeface="+mn-ea"/>
+                <a:cs typeface="+mn-cs"/>
+              </a:defRPr>
+            </a:lvl9pPr>
+          </a:lstStyle>
+          <a:p>
+            <a:pPr algn="ctr" defTabSz="932406"/>
+            <a:endParaRPr lang="en-US" sz="800" dirty="0">
+              <a:gradFill>
+                <a:gsLst>
+                  <a:gs pos="0">
+                    <a:srgbClr val="FFFFFF"/>
+                  </a:gs>
+                  <a:gs pos="100000">
+                    <a:srgbClr val="FFFFFF"/>
+                  </a:gs>
+                </a:gsLst>
+                <a:lin ang="5400000" scaled="0"/>
+              </a:gradFill>
+              <a:ea typeface="Segoe UI" pitchFamily="34" charset="0"/>
+              <a:cs typeface="Segoe UI" pitchFamily="34" charset="0"/>
+            </a:endParaRPr>
+          </a:p>
+        </p:txBody>
+      </p:sp>
+      <p:sp>
+        <p:nvSpPr>
+          <p:cNvPr id="21" name="Hexagon 20"/>
+          <p:cNvSpPr/>
+          <p:nvPr/>
+        </p:nvSpPr>
+        <p:spPr bwMode="auto">
+          <a:xfrm>
+            <a:off x="2998565" y="4418368"/>
+            <a:ext cx="232312" cy="193231"/>
+          </a:xfrm>
+          <a:prstGeom prst="hexagon">
+            <a:avLst/>
+          </a:prstGeom>
+          <a:solidFill>
+            <a:srgbClr val="FFC000"/>
+          </a:solidFill>
+          <a:ln>
+            <a:noFill/>
+            <a:headEnd type="none" w="med" len="med"/>
+            <a:tailEnd type="none" w="med" len="med"/>
+          </a:ln>
+          <a:effectLst/>
+        </p:spPr>
+        <p:style>
+          <a:lnRef idx="1">
+            <a:schemeClr val="accent2"/>
+          </a:lnRef>
+          <a:fillRef idx="3">
+            <a:schemeClr val="accent2"/>
+          </a:fillRef>
+          <a:effectRef idx="2">
+            <a:schemeClr val="accent2"/>
+          </a:effectRef>
+          <a:fontRef idx="minor">
+            <a:schemeClr val="lt1"/>
+          </a:fontRef>
+        </p:style>
+        <p:txBody>
+          <a:bodyPr lIns="91440" tIns="91440" rIns="34294" bIns="34294" rtlCol="0" anchor="b" anchorCtr="0"/>
+          <a:lstStyle>
+            <a:defPPr>
+              <a:defRPr lang="en-US"/>
+            </a:defPPr>
+            <a:lvl1pPr marL="0" algn="l" defTabSz="932742" rtl="0" eaLnBrk="1" latinLnBrk="0" hangingPunct="1">
+              <a:defRPr sz="1800" kern="1200">
+                <a:solidFill>
+                  <a:schemeClr val="lt1"/>
+                </a:solidFill>
+                <a:latin typeface="+mn-lt"/>
+                <a:ea typeface="+mn-ea"/>
+                <a:cs typeface="+mn-cs"/>
+              </a:defRPr>
+            </a:lvl1pPr>
+            <a:lvl2pPr marL="466371" algn="l" defTabSz="932742" rtl="0" eaLnBrk="1" latinLnBrk="0" hangingPunct="1">
+              <a:defRPr sz="1800" kern="1200">
+                <a:solidFill>
+                  <a:schemeClr val="lt1"/>
+                </a:solidFill>
+                <a:latin typeface="+mn-lt"/>
+                <a:ea typeface="+mn-ea"/>
+                <a:cs typeface="+mn-cs"/>
+              </a:defRPr>
+            </a:lvl2pPr>
+            <a:lvl3pPr marL="932742" algn="l" defTabSz="932742" rtl="0" eaLnBrk="1" latinLnBrk="0" hangingPunct="1">
+              <a:defRPr sz="1800" kern="1200">
+                <a:solidFill>
+                  <a:schemeClr val="lt1"/>
+                </a:solidFill>
+                <a:latin typeface="+mn-lt"/>
+                <a:ea typeface="+mn-ea"/>
+                <a:cs typeface="+mn-cs"/>
+              </a:defRPr>
+            </a:lvl3pPr>
+            <a:lvl4pPr marL="1399113" algn="l" defTabSz="932742" rtl="0" eaLnBrk="1" latinLnBrk="0" hangingPunct="1">
+              <a:defRPr sz="1800" kern="1200">
+                <a:solidFill>
+                  <a:schemeClr val="lt1"/>
+                </a:solidFill>
+                <a:latin typeface="+mn-lt"/>
+                <a:ea typeface="+mn-ea"/>
+                <a:cs typeface="+mn-cs"/>
+              </a:defRPr>
+            </a:lvl4pPr>
+            <a:lvl5pPr marL="1865484" algn="l" defTabSz="932742" rtl="0" eaLnBrk="1" latinLnBrk="0" hangingPunct="1">
+              <a:defRPr sz="1800" kern="1200">
+                <a:solidFill>
+                  <a:schemeClr val="lt1"/>
+                </a:solidFill>
+                <a:latin typeface="+mn-lt"/>
+                <a:ea typeface="+mn-ea"/>
+                <a:cs typeface="+mn-cs"/>
+              </a:defRPr>
+            </a:lvl5pPr>
+            <a:lvl6pPr marL="2331856" algn="l" defTabSz="932742" rtl="0" eaLnBrk="1" latinLnBrk="0" hangingPunct="1">
+              <a:defRPr sz="1800" kern="1200">
+                <a:solidFill>
+                  <a:schemeClr val="lt1"/>
+                </a:solidFill>
+                <a:latin typeface="+mn-lt"/>
+                <a:ea typeface="+mn-ea"/>
+                <a:cs typeface="+mn-cs"/>
+              </a:defRPr>
+            </a:lvl6pPr>
+            <a:lvl7pPr marL="2798226" algn="l" defTabSz="932742" rtl="0" eaLnBrk="1" latinLnBrk="0" hangingPunct="1">
+              <a:defRPr sz="1800" kern="1200">
+                <a:solidFill>
+                  <a:schemeClr val="lt1"/>
+                </a:solidFill>
+                <a:latin typeface="+mn-lt"/>
+                <a:ea typeface="+mn-ea"/>
+                <a:cs typeface="+mn-cs"/>
+              </a:defRPr>
+            </a:lvl7pPr>
+            <a:lvl8pPr marL="3264597" algn="l" defTabSz="932742" rtl="0" eaLnBrk="1" latinLnBrk="0" hangingPunct="1">
+              <a:defRPr sz="1800" kern="1200">
+                <a:solidFill>
+                  <a:schemeClr val="lt1"/>
+                </a:solidFill>
+                <a:latin typeface="+mn-lt"/>
+                <a:ea typeface="+mn-ea"/>
+                <a:cs typeface="+mn-cs"/>
+              </a:defRPr>
+            </a:lvl8pPr>
+            <a:lvl9pPr marL="3730969" algn="l" defTabSz="932742" rtl="0" eaLnBrk="1" latinLnBrk="0" hangingPunct="1">
+              <a:defRPr sz="1800" kern="1200">
+                <a:solidFill>
+                  <a:schemeClr val="lt1"/>
+                </a:solidFill>
+                <a:latin typeface="+mn-lt"/>
+                <a:ea typeface="+mn-ea"/>
+                <a:cs typeface="+mn-cs"/>
+              </a:defRPr>
+            </a:lvl9pPr>
+          </a:lstStyle>
+          <a:p>
+            <a:pPr algn="ctr" defTabSz="932406"/>
+            <a:endParaRPr lang="en-US" sz="800" dirty="0">
+              <a:gradFill>
+                <a:gsLst>
+                  <a:gs pos="0">
+                    <a:srgbClr val="FFFFFF"/>
+                  </a:gs>
+                  <a:gs pos="100000">
+                    <a:srgbClr val="FFFFFF"/>
+                  </a:gs>
+                </a:gsLst>
+                <a:lin ang="5400000" scaled="0"/>
+              </a:gradFill>
+              <a:ea typeface="Segoe UI" pitchFamily="34" charset="0"/>
+              <a:cs typeface="Segoe UI" pitchFamily="34" charset="0"/>
+            </a:endParaRPr>
+          </a:p>
+        </p:txBody>
+      </p:sp>
+      <p:sp>
+        <p:nvSpPr>
+          <p:cNvPr id="22" name="Oval 21"/>
+          <p:cNvSpPr/>
+          <p:nvPr/>
+        </p:nvSpPr>
+        <p:spPr bwMode="auto">
+          <a:xfrm>
+            <a:off x="2611540" y="3278549"/>
+            <a:ext cx="990600" cy="1763263"/>
+          </a:xfrm>
+          <a:prstGeom prst="ellipse">
+            <a:avLst/>
+          </a:prstGeom>
+          <a:noFill/>
+          <a:ln w="38100">
+            <a:solidFill>
+              <a:schemeClr val="tx1"/>
+            </a:solidFill>
+            <a:prstDash val="lgDash"/>
+            <a:headEnd type="none" w="med" len="med"/>
+            <a:tailEnd type="none" w="med" len="med"/>
+          </a:ln>
+        </p:spPr>
+        <p:style>
+          <a:lnRef idx="2">
+            <a:schemeClr val="dk1"/>
+          </a:lnRef>
+          <a:fillRef idx="1">
+            <a:schemeClr val="lt1"/>
+          </a:fillRef>
+          <a:effectRef idx="0">
+            <a:schemeClr val="dk1"/>
+          </a:effectRef>
+          <a:fontRef idx="minor">
+            <a:schemeClr val="dk1"/>
+          </a:fontRef>
+        </p:style>
+        <p:txBody>
+          <a:bodyPr rot="0" spcFirstLastPara="0" vert="horz" wrap="square" lIns="182880" tIns="146304" rIns="182880" bIns="146304" numCol="1" spcCol="0" rtlCol="0" fromWordArt="0" anchor="t" anchorCtr="0" forceAA="0" compatLnSpc="1">
+            <a:prstTxWarp prst="textNoShape">
+              <a:avLst/>
+            </a:prstTxWarp>
+            <a:noAutofit/>
+          </a:bodyPr>
+          <a:lstStyle>
+            <a:defPPr>
+              <a:defRPr lang="en-US"/>
+            </a:defPPr>
+            <a:lvl1pPr marL="0" algn="l" defTabSz="932742" rtl="0" eaLnBrk="1" latinLnBrk="0" hangingPunct="1">
+              <a:defRPr sz="1800" kern="1200">
+                <a:solidFill>
+                  <a:schemeClr val="dk1"/>
+                </a:solidFill>
+                <a:latin typeface="+mn-lt"/>
+                <a:ea typeface="+mn-ea"/>
+                <a:cs typeface="+mn-cs"/>
+              </a:defRPr>
+            </a:lvl1pPr>
+            <a:lvl2pPr marL="466371" algn="l" defTabSz="932742" rtl="0" eaLnBrk="1" latinLnBrk="0" hangingPunct="1">
+              <a:defRPr sz="1800" kern="1200">
+                <a:solidFill>
+                  <a:schemeClr val="dk1"/>
+                </a:solidFill>
+                <a:latin typeface="+mn-lt"/>
+                <a:ea typeface="+mn-ea"/>
+                <a:cs typeface="+mn-cs"/>
+              </a:defRPr>
+            </a:lvl2pPr>
+            <a:lvl3pPr marL="932742" algn="l" defTabSz="932742" rtl="0" eaLnBrk="1" latinLnBrk="0" hangingPunct="1">
+              <a:defRPr sz="1800" kern="1200">
+                <a:solidFill>
+                  <a:schemeClr val="dk1"/>
+                </a:solidFill>
+                <a:latin typeface="+mn-lt"/>
+                <a:ea typeface="+mn-ea"/>
+                <a:cs typeface="+mn-cs"/>
+              </a:defRPr>
+            </a:lvl3pPr>
+            <a:lvl4pPr marL="1399113" algn="l" defTabSz="932742" rtl="0" eaLnBrk="1" latinLnBrk="0" hangingPunct="1">
+              <a:defRPr sz="1800" kern="1200">
+                <a:solidFill>
+                  <a:schemeClr val="dk1"/>
+                </a:solidFill>
+                <a:latin typeface="+mn-lt"/>
+                <a:ea typeface="+mn-ea"/>
+                <a:cs typeface="+mn-cs"/>
+              </a:defRPr>
+            </a:lvl4pPr>
+            <a:lvl5pPr marL="1865484" algn="l" defTabSz="932742" rtl="0" eaLnBrk="1" latinLnBrk="0" hangingPunct="1">
+              <a:defRPr sz="1800" kern="1200">
+                <a:solidFill>
+                  <a:schemeClr val="dk1"/>
+                </a:solidFill>
+                <a:latin typeface="+mn-lt"/>
+                <a:ea typeface="+mn-ea"/>
+                <a:cs typeface="+mn-cs"/>
+              </a:defRPr>
+            </a:lvl5pPr>
+            <a:lvl6pPr marL="2331856" algn="l" defTabSz="932742" rtl="0" eaLnBrk="1" latinLnBrk="0" hangingPunct="1">
+              <a:defRPr sz="1800" kern="1200">
+                <a:solidFill>
+                  <a:schemeClr val="dk1"/>
+                </a:solidFill>
+                <a:latin typeface="+mn-lt"/>
+                <a:ea typeface="+mn-ea"/>
+                <a:cs typeface="+mn-cs"/>
+              </a:defRPr>
+            </a:lvl6pPr>
+            <a:lvl7pPr marL="2798226" algn="l" defTabSz="932742" rtl="0" eaLnBrk="1" latinLnBrk="0" hangingPunct="1">
+              <a:defRPr sz="1800" kern="1200">
+                <a:solidFill>
+                  <a:schemeClr val="dk1"/>
+                </a:solidFill>
+                <a:latin typeface="+mn-lt"/>
+                <a:ea typeface="+mn-ea"/>
+                <a:cs typeface="+mn-cs"/>
+              </a:defRPr>
+            </a:lvl7pPr>
+            <a:lvl8pPr marL="3264597" algn="l" defTabSz="932742" rtl="0" eaLnBrk="1" latinLnBrk="0" hangingPunct="1">
+              <a:defRPr sz="1800" kern="1200">
+                <a:solidFill>
+                  <a:schemeClr val="dk1"/>
+                </a:solidFill>
+                <a:latin typeface="+mn-lt"/>
+                <a:ea typeface="+mn-ea"/>
+                <a:cs typeface="+mn-cs"/>
+              </a:defRPr>
+            </a:lvl8pPr>
+            <a:lvl9pPr marL="3730969" algn="l" defTabSz="932742" rtl="0" eaLnBrk="1" latinLnBrk="0" hangingPunct="1">
+              <a:defRPr sz="1800" kern="1200">
+                <a:solidFill>
+                  <a:schemeClr val="dk1"/>
+                </a:solidFill>
+                <a:latin typeface="+mn-lt"/>
+                <a:ea typeface="+mn-ea"/>
+                <a:cs typeface="+mn-cs"/>
+              </a:defRPr>
+            </a:lvl9pPr>
+          </a:lstStyle>
+          <a:p>
+            <a:pPr algn="ctr" defTabSz="932472" fontAlgn="base">
+              <a:lnSpc>
+                <a:spcPct val="90000"/>
+              </a:lnSpc>
+              <a:spcBef>
+                <a:spcPct val="0"/>
+              </a:spcBef>
+              <a:spcAft>
+                <a:spcPct val="0"/>
+              </a:spcAft>
+            </a:pPr>
+            <a:endParaRPr lang="en-US" sz="2400" dirty="0" err="1">
+              <a:gradFill>
+                <a:gsLst>
+                  <a:gs pos="0">
+                    <a:srgbClr val="FFFFFF"/>
+                  </a:gs>
+                  <a:gs pos="100000">
+                    <a:srgbClr val="FFFFFF"/>
+                  </a:gs>
+                </a:gsLst>
+                <a:lin ang="5400000" scaled="0"/>
+              </a:gradFill>
+              <a:ea typeface="Segoe UI" pitchFamily="34" charset="0"/>
+              <a:cs typeface="Segoe UI" pitchFamily="34" charset="0"/>
+            </a:endParaRPr>
+          </a:p>
+        </p:txBody>
+      </p:sp>
+      <p:graphicFrame>
+        <p:nvGraphicFramePr>
+          <p:cNvPr id="23" name="Diagram 22"/>
+          <p:cNvGraphicFramePr/>
+          <p:nvPr>
+            <p:extLst>
+              <p:ext uri="{D42A27DB-BD31-4B8C-83A1-F6EECF244321}">
+                <p14:modId xmlns:p14="http://schemas.microsoft.com/office/powerpoint/2010/main" val="3159313804"/>
+              </p:ext>
+            </p:extLst>
+          </p:nvPr>
+        </p:nvGraphicFramePr>
+        <p:xfrm>
+          <a:off x="4565525" y="2132616"/>
+          <a:ext cx="6096000" cy="4064000"/>
+        </p:xfrm>
+        <a:graphic>
+          <a:graphicData uri="http://schemas.openxmlformats.org/drawingml/2006/diagram">
+            <dgm:relIds xmlns:dgm="http://schemas.openxmlformats.org/drawingml/2006/diagram" xmlns:r="http://schemas.openxmlformats.org/officeDocument/2006/relationships" r:dm="rId2" r:lo="rId3" r:qs="rId4" r:cs="rId5"/>
+          </a:graphicData>
+        </a:graphic>
+      </p:graphicFrame>
+      <p:sp>
+        <p:nvSpPr>
+          <p:cNvPr id="24" name="Hexagon 23"/>
+          <p:cNvSpPr/>
+          <p:nvPr/>
+        </p:nvSpPr>
+        <p:spPr bwMode="auto">
+          <a:xfrm>
+            <a:off x="2998565" y="4418368"/>
+            <a:ext cx="232312" cy="193231"/>
+          </a:xfrm>
+          <a:prstGeom prst="hexagon">
+            <a:avLst/>
+          </a:prstGeom>
+          <a:solidFill>
+            <a:srgbClr val="FFC000"/>
+          </a:solidFill>
+          <a:ln>
+            <a:noFill/>
+            <a:headEnd type="none" w="med" len="med"/>
+            <a:tailEnd type="none" w="med" len="med"/>
+          </a:ln>
+          <a:effectLst/>
+        </p:spPr>
+        <p:style>
+          <a:lnRef idx="1">
+            <a:schemeClr val="accent2"/>
+          </a:lnRef>
+          <a:fillRef idx="3">
+            <a:schemeClr val="accent2"/>
+          </a:fillRef>
+          <a:effectRef idx="2">
+            <a:schemeClr val="accent2"/>
+          </a:effectRef>
+          <a:fontRef idx="minor">
+            <a:schemeClr val="lt1"/>
+          </a:fontRef>
+        </p:style>
+        <p:txBody>
+          <a:bodyPr lIns="91440" tIns="91440" rIns="34294" bIns="34294" rtlCol="0" anchor="b" anchorCtr="0"/>
+          <a:lstStyle>
+            <a:defPPr>
+              <a:defRPr lang="en-US"/>
+            </a:defPPr>
+            <a:lvl1pPr marL="0" algn="l" defTabSz="932742" rtl="0" eaLnBrk="1" latinLnBrk="0" hangingPunct="1">
+              <a:defRPr sz="1800" kern="1200">
+                <a:solidFill>
+                  <a:schemeClr val="lt1"/>
+                </a:solidFill>
+                <a:latin typeface="+mn-lt"/>
+                <a:ea typeface="+mn-ea"/>
+                <a:cs typeface="+mn-cs"/>
+              </a:defRPr>
+            </a:lvl1pPr>
+            <a:lvl2pPr marL="466371" algn="l" defTabSz="932742" rtl="0" eaLnBrk="1" latinLnBrk="0" hangingPunct="1">
+              <a:defRPr sz="1800" kern="1200">
+                <a:solidFill>
+                  <a:schemeClr val="lt1"/>
+                </a:solidFill>
+                <a:latin typeface="+mn-lt"/>
+                <a:ea typeface="+mn-ea"/>
+                <a:cs typeface="+mn-cs"/>
+              </a:defRPr>
+            </a:lvl2pPr>
+            <a:lvl3pPr marL="932742" algn="l" defTabSz="932742" rtl="0" eaLnBrk="1" latinLnBrk="0" hangingPunct="1">
+              <a:defRPr sz="1800" kern="1200">
+                <a:solidFill>
+                  <a:schemeClr val="lt1"/>
+                </a:solidFill>
+                <a:latin typeface="+mn-lt"/>
+                <a:ea typeface="+mn-ea"/>
+                <a:cs typeface="+mn-cs"/>
+              </a:defRPr>
+            </a:lvl3pPr>
+            <a:lvl4pPr marL="1399113" algn="l" defTabSz="932742" rtl="0" eaLnBrk="1" latinLnBrk="0" hangingPunct="1">
+              <a:defRPr sz="1800" kern="1200">
+                <a:solidFill>
+                  <a:schemeClr val="lt1"/>
+                </a:solidFill>
+                <a:latin typeface="+mn-lt"/>
+                <a:ea typeface="+mn-ea"/>
+                <a:cs typeface="+mn-cs"/>
+              </a:defRPr>
+            </a:lvl4pPr>
+            <a:lvl5pPr marL="1865484" algn="l" defTabSz="932742" rtl="0" eaLnBrk="1" latinLnBrk="0" hangingPunct="1">
+              <a:defRPr sz="1800" kern="1200">
+                <a:solidFill>
+                  <a:schemeClr val="lt1"/>
+                </a:solidFill>
+                <a:latin typeface="+mn-lt"/>
+                <a:ea typeface="+mn-ea"/>
+                <a:cs typeface="+mn-cs"/>
+              </a:defRPr>
+            </a:lvl5pPr>
+            <a:lvl6pPr marL="2331856" algn="l" defTabSz="932742" rtl="0" eaLnBrk="1" latinLnBrk="0" hangingPunct="1">
+              <a:defRPr sz="1800" kern="1200">
+                <a:solidFill>
+                  <a:schemeClr val="lt1"/>
+                </a:solidFill>
+                <a:latin typeface="+mn-lt"/>
+                <a:ea typeface="+mn-ea"/>
+                <a:cs typeface="+mn-cs"/>
+              </a:defRPr>
+            </a:lvl6pPr>
+            <a:lvl7pPr marL="2798226" algn="l" defTabSz="932742" rtl="0" eaLnBrk="1" latinLnBrk="0" hangingPunct="1">
+              <a:defRPr sz="1800" kern="1200">
+                <a:solidFill>
+                  <a:schemeClr val="lt1"/>
+                </a:solidFill>
+                <a:latin typeface="+mn-lt"/>
+                <a:ea typeface="+mn-ea"/>
+                <a:cs typeface="+mn-cs"/>
+              </a:defRPr>
+            </a:lvl7pPr>
+            <a:lvl8pPr marL="3264597" algn="l" defTabSz="932742" rtl="0" eaLnBrk="1" latinLnBrk="0" hangingPunct="1">
+              <a:defRPr sz="1800" kern="1200">
+                <a:solidFill>
+                  <a:schemeClr val="lt1"/>
+                </a:solidFill>
+                <a:latin typeface="+mn-lt"/>
+                <a:ea typeface="+mn-ea"/>
+                <a:cs typeface="+mn-cs"/>
+              </a:defRPr>
+            </a:lvl8pPr>
+            <a:lvl9pPr marL="3730969" algn="l" defTabSz="932742" rtl="0" eaLnBrk="1" latinLnBrk="0" hangingPunct="1">
+              <a:defRPr sz="1800" kern="1200">
+                <a:solidFill>
+                  <a:schemeClr val="lt1"/>
+                </a:solidFill>
+                <a:latin typeface="+mn-lt"/>
+                <a:ea typeface="+mn-ea"/>
+                <a:cs typeface="+mn-cs"/>
+              </a:defRPr>
+            </a:lvl9pPr>
+          </a:lstStyle>
+          <a:p>
+            <a:pPr algn="ctr" defTabSz="932406"/>
+            <a:endParaRPr lang="en-US" sz="800" dirty="0">
+              <a:gradFill>
+                <a:gsLst>
+                  <a:gs pos="0">
+                    <a:srgbClr val="FFFFFF"/>
+                  </a:gs>
+                  <a:gs pos="100000">
+                    <a:srgbClr val="FFFFFF"/>
+                  </a:gs>
+                </a:gsLst>
+                <a:lin ang="5400000" scaled="0"/>
+              </a:gradFill>
+              <a:ea typeface="Segoe UI" pitchFamily="34" charset="0"/>
+              <a:cs typeface="Segoe UI" pitchFamily="34" charset="0"/>
+            </a:endParaRPr>
+          </a:p>
+        </p:txBody>
+      </p:sp>
+      <p:sp>
+        <p:nvSpPr>
+          <p:cNvPr id="25" name="Hexagon 24"/>
+          <p:cNvSpPr/>
+          <p:nvPr/>
+        </p:nvSpPr>
+        <p:spPr bwMode="auto">
+          <a:xfrm>
+            <a:off x="2998565" y="4418368"/>
+            <a:ext cx="232312" cy="193231"/>
+          </a:xfrm>
+          <a:prstGeom prst="hexagon">
+            <a:avLst/>
+          </a:prstGeom>
+          <a:solidFill>
+            <a:srgbClr val="FFC000"/>
+          </a:solidFill>
+          <a:ln>
+            <a:noFill/>
+            <a:headEnd type="none" w="med" len="med"/>
+            <a:tailEnd type="none" w="med" len="med"/>
+          </a:ln>
+          <a:effectLst/>
+        </p:spPr>
+        <p:style>
+          <a:lnRef idx="1">
+            <a:schemeClr val="accent2"/>
+          </a:lnRef>
+          <a:fillRef idx="3">
+            <a:schemeClr val="accent2"/>
+          </a:fillRef>
+          <a:effectRef idx="2">
+            <a:schemeClr val="accent2"/>
+          </a:effectRef>
+          <a:fontRef idx="minor">
+            <a:schemeClr val="lt1"/>
+          </a:fontRef>
+        </p:style>
+        <p:txBody>
+          <a:bodyPr lIns="91440" tIns="91440" rIns="34294" bIns="34294" rtlCol="0" anchor="b" anchorCtr="0"/>
+          <a:lstStyle>
+            <a:defPPr>
+              <a:defRPr lang="en-US"/>
+            </a:defPPr>
+            <a:lvl1pPr marL="0" algn="l" defTabSz="932742" rtl="0" eaLnBrk="1" latinLnBrk="0" hangingPunct="1">
+              <a:defRPr sz="1800" kern="1200">
+                <a:solidFill>
+                  <a:schemeClr val="lt1"/>
+                </a:solidFill>
+                <a:latin typeface="+mn-lt"/>
+                <a:ea typeface="+mn-ea"/>
+                <a:cs typeface="+mn-cs"/>
+              </a:defRPr>
+            </a:lvl1pPr>
+            <a:lvl2pPr marL="466371" algn="l" defTabSz="932742" rtl="0" eaLnBrk="1" latinLnBrk="0" hangingPunct="1">
+              <a:defRPr sz="1800" kern="1200">
+                <a:solidFill>
+                  <a:schemeClr val="lt1"/>
+                </a:solidFill>
+                <a:latin typeface="+mn-lt"/>
+                <a:ea typeface="+mn-ea"/>
+                <a:cs typeface="+mn-cs"/>
+              </a:defRPr>
+            </a:lvl2pPr>
+            <a:lvl3pPr marL="932742" algn="l" defTabSz="932742" rtl="0" eaLnBrk="1" latinLnBrk="0" hangingPunct="1">
+              <a:defRPr sz="1800" kern="1200">
+                <a:solidFill>
+                  <a:schemeClr val="lt1"/>
+                </a:solidFill>
+                <a:latin typeface="+mn-lt"/>
+                <a:ea typeface="+mn-ea"/>
+                <a:cs typeface="+mn-cs"/>
+              </a:defRPr>
+            </a:lvl3pPr>
+            <a:lvl4pPr marL="1399113" algn="l" defTabSz="932742" rtl="0" eaLnBrk="1" latinLnBrk="0" hangingPunct="1">
+              <a:defRPr sz="1800" kern="1200">
+                <a:solidFill>
+                  <a:schemeClr val="lt1"/>
+                </a:solidFill>
+                <a:latin typeface="+mn-lt"/>
+                <a:ea typeface="+mn-ea"/>
+                <a:cs typeface="+mn-cs"/>
+              </a:defRPr>
+            </a:lvl4pPr>
+            <a:lvl5pPr marL="1865484" algn="l" defTabSz="932742" rtl="0" eaLnBrk="1" latinLnBrk="0" hangingPunct="1">
+              <a:defRPr sz="1800" kern="1200">
+                <a:solidFill>
+                  <a:schemeClr val="lt1"/>
+                </a:solidFill>
+                <a:latin typeface="+mn-lt"/>
+                <a:ea typeface="+mn-ea"/>
+                <a:cs typeface="+mn-cs"/>
+              </a:defRPr>
+            </a:lvl5pPr>
+            <a:lvl6pPr marL="2331856" algn="l" defTabSz="932742" rtl="0" eaLnBrk="1" latinLnBrk="0" hangingPunct="1">
+              <a:defRPr sz="1800" kern="1200">
+                <a:solidFill>
+                  <a:schemeClr val="lt1"/>
+                </a:solidFill>
+                <a:latin typeface="+mn-lt"/>
+                <a:ea typeface="+mn-ea"/>
+                <a:cs typeface="+mn-cs"/>
+              </a:defRPr>
+            </a:lvl6pPr>
+            <a:lvl7pPr marL="2798226" algn="l" defTabSz="932742" rtl="0" eaLnBrk="1" latinLnBrk="0" hangingPunct="1">
+              <a:defRPr sz="1800" kern="1200">
+                <a:solidFill>
+                  <a:schemeClr val="lt1"/>
+                </a:solidFill>
+                <a:latin typeface="+mn-lt"/>
+                <a:ea typeface="+mn-ea"/>
+                <a:cs typeface="+mn-cs"/>
+              </a:defRPr>
+            </a:lvl7pPr>
+            <a:lvl8pPr marL="3264597" algn="l" defTabSz="932742" rtl="0" eaLnBrk="1" latinLnBrk="0" hangingPunct="1">
+              <a:defRPr sz="1800" kern="1200">
+                <a:solidFill>
+                  <a:schemeClr val="lt1"/>
+                </a:solidFill>
+                <a:latin typeface="+mn-lt"/>
+                <a:ea typeface="+mn-ea"/>
+                <a:cs typeface="+mn-cs"/>
+              </a:defRPr>
+            </a:lvl8pPr>
+            <a:lvl9pPr marL="3730969" algn="l" defTabSz="932742" rtl="0" eaLnBrk="1" latinLnBrk="0" hangingPunct="1">
+              <a:defRPr sz="1800" kern="1200">
+                <a:solidFill>
+                  <a:schemeClr val="lt1"/>
+                </a:solidFill>
+                <a:latin typeface="+mn-lt"/>
+                <a:ea typeface="+mn-ea"/>
+                <a:cs typeface="+mn-cs"/>
+              </a:defRPr>
+            </a:lvl9pPr>
+          </a:lstStyle>
+          <a:p>
+            <a:pPr algn="ctr" defTabSz="932406"/>
+            <a:endParaRPr lang="en-US" sz="800" dirty="0">
+              <a:gradFill>
+                <a:gsLst>
+                  <a:gs pos="0">
+                    <a:srgbClr val="FFFFFF"/>
+                  </a:gs>
+                  <a:gs pos="100000">
+                    <a:srgbClr val="FFFFFF"/>
+                  </a:gs>
+                </a:gsLst>
+                <a:lin ang="5400000" scaled="0"/>
+              </a:gradFill>
+              <a:ea typeface="Segoe UI" pitchFamily="34" charset="0"/>
+              <a:cs typeface="Segoe UI" pitchFamily="34" charset="0"/>
+            </a:endParaRPr>
+          </a:p>
+        </p:txBody>
+      </p:sp>
+      <p:sp>
+        <p:nvSpPr>
+          <p:cNvPr id="26" name="Hexagon 25"/>
+          <p:cNvSpPr/>
+          <p:nvPr/>
+        </p:nvSpPr>
+        <p:spPr bwMode="auto">
+          <a:xfrm>
+            <a:off x="2998565" y="4418368"/>
+            <a:ext cx="232312" cy="193231"/>
+          </a:xfrm>
+          <a:prstGeom prst="hexagon">
+            <a:avLst/>
+          </a:prstGeom>
+          <a:solidFill>
+            <a:srgbClr val="FFC000"/>
+          </a:solidFill>
+          <a:ln>
+            <a:solidFill>
+              <a:srgbClr val="FFFF00"/>
+            </a:solidFill>
+            <a:headEnd type="none" w="med" len="med"/>
+            <a:tailEnd type="none" w="med" len="med"/>
+          </a:ln>
+          <a:effectLst/>
+        </p:spPr>
+        <p:style>
+          <a:lnRef idx="1">
+            <a:schemeClr val="accent2"/>
+          </a:lnRef>
+          <a:fillRef idx="3">
+            <a:schemeClr val="accent2"/>
+          </a:fillRef>
+          <a:effectRef idx="2">
+            <a:schemeClr val="accent2"/>
+          </a:effectRef>
+          <a:fontRef idx="minor">
+            <a:schemeClr val="lt1"/>
+          </a:fontRef>
+        </p:style>
+        <p:txBody>
+          <a:bodyPr lIns="91440" tIns="91440" rIns="34294" bIns="34294" rtlCol="0" anchor="b" anchorCtr="0"/>
+          <a:lstStyle>
+            <a:defPPr>
+              <a:defRPr lang="en-US"/>
+            </a:defPPr>
+            <a:lvl1pPr marL="0" algn="l" defTabSz="932742" rtl="0" eaLnBrk="1" latinLnBrk="0" hangingPunct="1">
+              <a:defRPr sz="1800" kern="1200">
+                <a:solidFill>
+                  <a:schemeClr val="lt1"/>
+                </a:solidFill>
+                <a:latin typeface="+mn-lt"/>
+                <a:ea typeface="+mn-ea"/>
+                <a:cs typeface="+mn-cs"/>
+              </a:defRPr>
+            </a:lvl1pPr>
+            <a:lvl2pPr marL="466371" algn="l" defTabSz="932742" rtl="0" eaLnBrk="1" latinLnBrk="0" hangingPunct="1">
+              <a:defRPr sz="1800" kern="1200">
+                <a:solidFill>
+                  <a:schemeClr val="lt1"/>
+                </a:solidFill>
+                <a:latin typeface="+mn-lt"/>
+                <a:ea typeface="+mn-ea"/>
+                <a:cs typeface="+mn-cs"/>
+              </a:defRPr>
+            </a:lvl2pPr>
+            <a:lvl3pPr marL="932742" algn="l" defTabSz="932742" rtl="0" eaLnBrk="1" latinLnBrk="0" hangingPunct="1">
+              <a:defRPr sz="1800" kern="1200">
+                <a:solidFill>
+                  <a:schemeClr val="lt1"/>
+                </a:solidFill>
+                <a:latin typeface="+mn-lt"/>
+                <a:ea typeface="+mn-ea"/>
+                <a:cs typeface="+mn-cs"/>
+              </a:defRPr>
+            </a:lvl3pPr>
+            <a:lvl4pPr marL="1399113" algn="l" defTabSz="932742" rtl="0" eaLnBrk="1" latinLnBrk="0" hangingPunct="1">
+              <a:defRPr sz="1800" kern="1200">
+                <a:solidFill>
+                  <a:schemeClr val="lt1"/>
+                </a:solidFill>
+                <a:latin typeface="+mn-lt"/>
+                <a:ea typeface="+mn-ea"/>
+                <a:cs typeface="+mn-cs"/>
+              </a:defRPr>
+            </a:lvl4pPr>
+            <a:lvl5pPr marL="1865484" algn="l" defTabSz="932742" rtl="0" eaLnBrk="1" latinLnBrk="0" hangingPunct="1">
+              <a:defRPr sz="1800" kern="1200">
+                <a:solidFill>
+                  <a:schemeClr val="lt1"/>
+                </a:solidFill>
+                <a:latin typeface="+mn-lt"/>
+                <a:ea typeface="+mn-ea"/>
+                <a:cs typeface="+mn-cs"/>
+              </a:defRPr>
+            </a:lvl5pPr>
+            <a:lvl6pPr marL="2331856" algn="l" defTabSz="932742" rtl="0" eaLnBrk="1" latinLnBrk="0" hangingPunct="1">
+              <a:defRPr sz="1800" kern="1200">
+                <a:solidFill>
+                  <a:schemeClr val="lt1"/>
+                </a:solidFill>
+                <a:latin typeface="+mn-lt"/>
+                <a:ea typeface="+mn-ea"/>
+                <a:cs typeface="+mn-cs"/>
+              </a:defRPr>
+            </a:lvl6pPr>
+            <a:lvl7pPr marL="2798226" algn="l" defTabSz="932742" rtl="0" eaLnBrk="1" latinLnBrk="0" hangingPunct="1">
+              <a:defRPr sz="1800" kern="1200">
+                <a:solidFill>
+                  <a:schemeClr val="lt1"/>
+                </a:solidFill>
+                <a:latin typeface="+mn-lt"/>
+                <a:ea typeface="+mn-ea"/>
+                <a:cs typeface="+mn-cs"/>
+              </a:defRPr>
+            </a:lvl7pPr>
+            <a:lvl8pPr marL="3264597" algn="l" defTabSz="932742" rtl="0" eaLnBrk="1" latinLnBrk="0" hangingPunct="1">
+              <a:defRPr sz="1800" kern="1200">
+                <a:solidFill>
+                  <a:schemeClr val="lt1"/>
+                </a:solidFill>
+                <a:latin typeface="+mn-lt"/>
+                <a:ea typeface="+mn-ea"/>
+                <a:cs typeface="+mn-cs"/>
+              </a:defRPr>
+            </a:lvl8pPr>
+            <a:lvl9pPr marL="3730969" algn="l" defTabSz="932742" rtl="0" eaLnBrk="1" latinLnBrk="0" hangingPunct="1">
+              <a:defRPr sz="1800" kern="1200">
+                <a:solidFill>
+                  <a:schemeClr val="lt1"/>
+                </a:solidFill>
+                <a:latin typeface="+mn-lt"/>
+                <a:ea typeface="+mn-ea"/>
+                <a:cs typeface="+mn-cs"/>
+              </a:defRPr>
+            </a:lvl9pPr>
+          </a:lstStyle>
+          <a:p>
+            <a:pPr algn="ctr" defTabSz="932406"/>
+            <a:endParaRPr lang="en-US" sz="800" dirty="0">
+              <a:gradFill>
+                <a:gsLst>
+                  <a:gs pos="0">
+                    <a:srgbClr val="FFFFFF"/>
+                  </a:gs>
+                  <a:gs pos="100000">
+                    <a:srgbClr val="FFFFFF"/>
+                  </a:gs>
+                </a:gsLst>
+                <a:lin ang="5400000" scaled="0"/>
+              </a:gradFill>
+              <a:ea typeface="Segoe UI" pitchFamily="34" charset="0"/>
+              <a:cs typeface="Segoe UI" pitchFamily="34" charset="0"/>
+            </a:endParaRPr>
+          </a:p>
+        </p:txBody>
+      </p:sp>
+      <p:sp>
+        <p:nvSpPr>
+          <p:cNvPr id="27" name="Hexagon 26"/>
+          <p:cNvSpPr/>
+          <p:nvPr/>
+        </p:nvSpPr>
+        <p:spPr bwMode="auto">
+          <a:xfrm>
+            <a:off x="2998565" y="3651192"/>
+            <a:ext cx="232312" cy="193231"/>
+          </a:xfrm>
+          <a:prstGeom prst="hexagon">
+            <a:avLst/>
+          </a:prstGeom>
+          <a:solidFill>
+            <a:srgbClr val="0046D2"/>
+          </a:solidFill>
+          <a:ln>
+            <a:noFill/>
+            <a:headEnd type="none" w="med" len="med"/>
+            <a:tailEnd type="none" w="med" len="med"/>
+          </a:ln>
+          <a:effectLst/>
+        </p:spPr>
+        <p:style>
+          <a:lnRef idx="1">
+            <a:schemeClr val="accent2"/>
+          </a:lnRef>
+          <a:fillRef idx="3">
+            <a:schemeClr val="accent2"/>
+          </a:fillRef>
+          <a:effectRef idx="2">
+            <a:schemeClr val="accent2"/>
+          </a:effectRef>
+          <a:fontRef idx="minor">
+            <a:schemeClr val="lt1"/>
+          </a:fontRef>
+        </p:style>
+        <p:txBody>
+          <a:bodyPr lIns="91440" tIns="91440" rIns="34294" bIns="34294" rtlCol="0" anchor="b" anchorCtr="0"/>
+          <a:lstStyle>
+            <a:defPPr>
+              <a:defRPr lang="en-US"/>
+            </a:defPPr>
+            <a:lvl1pPr marL="0" algn="l" defTabSz="932742" rtl="0" eaLnBrk="1" latinLnBrk="0" hangingPunct="1">
+              <a:defRPr sz="1800" kern="1200">
+                <a:solidFill>
+                  <a:schemeClr val="lt1"/>
+                </a:solidFill>
+                <a:latin typeface="+mn-lt"/>
+                <a:ea typeface="+mn-ea"/>
+                <a:cs typeface="+mn-cs"/>
+              </a:defRPr>
+            </a:lvl1pPr>
+            <a:lvl2pPr marL="466371" algn="l" defTabSz="932742" rtl="0" eaLnBrk="1" latinLnBrk="0" hangingPunct="1">
+              <a:defRPr sz="1800" kern="1200">
+                <a:solidFill>
+                  <a:schemeClr val="lt1"/>
+                </a:solidFill>
+                <a:latin typeface="+mn-lt"/>
+                <a:ea typeface="+mn-ea"/>
+                <a:cs typeface="+mn-cs"/>
+              </a:defRPr>
+            </a:lvl2pPr>
+            <a:lvl3pPr marL="932742" algn="l" defTabSz="932742" rtl="0" eaLnBrk="1" latinLnBrk="0" hangingPunct="1">
+              <a:defRPr sz="1800" kern="1200">
+                <a:solidFill>
+                  <a:schemeClr val="lt1"/>
+                </a:solidFill>
+                <a:latin typeface="+mn-lt"/>
+                <a:ea typeface="+mn-ea"/>
+                <a:cs typeface="+mn-cs"/>
+              </a:defRPr>
+            </a:lvl3pPr>
+            <a:lvl4pPr marL="1399113" algn="l" defTabSz="932742" rtl="0" eaLnBrk="1" latinLnBrk="0" hangingPunct="1">
+              <a:defRPr sz="1800" kern="1200">
+                <a:solidFill>
+                  <a:schemeClr val="lt1"/>
+                </a:solidFill>
+                <a:latin typeface="+mn-lt"/>
+                <a:ea typeface="+mn-ea"/>
+                <a:cs typeface="+mn-cs"/>
+              </a:defRPr>
+            </a:lvl4pPr>
+            <a:lvl5pPr marL="1865484" algn="l" defTabSz="932742" rtl="0" eaLnBrk="1" latinLnBrk="0" hangingPunct="1">
+              <a:defRPr sz="1800" kern="1200">
+                <a:solidFill>
+                  <a:schemeClr val="lt1"/>
+                </a:solidFill>
+                <a:latin typeface="+mn-lt"/>
+                <a:ea typeface="+mn-ea"/>
+                <a:cs typeface="+mn-cs"/>
+              </a:defRPr>
+            </a:lvl5pPr>
+            <a:lvl6pPr marL="2331856" algn="l" defTabSz="932742" rtl="0" eaLnBrk="1" latinLnBrk="0" hangingPunct="1">
+              <a:defRPr sz="1800" kern="1200">
+                <a:solidFill>
+                  <a:schemeClr val="lt1"/>
+                </a:solidFill>
+                <a:latin typeface="+mn-lt"/>
+                <a:ea typeface="+mn-ea"/>
+                <a:cs typeface="+mn-cs"/>
+              </a:defRPr>
+            </a:lvl6pPr>
+            <a:lvl7pPr marL="2798226" algn="l" defTabSz="932742" rtl="0" eaLnBrk="1" latinLnBrk="0" hangingPunct="1">
+              <a:defRPr sz="1800" kern="1200">
+                <a:solidFill>
+                  <a:schemeClr val="lt1"/>
+                </a:solidFill>
+                <a:latin typeface="+mn-lt"/>
+                <a:ea typeface="+mn-ea"/>
+                <a:cs typeface="+mn-cs"/>
+              </a:defRPr>
+            </a:lvl7pPr>
+            <a:lvl8pPr marL="3264597" algn="l" defTabSz="932742" rtl="0" eaLnBrk="1" latinLnBrk="0" hangingPunct="1">
+              <a:defRPr sz="1800" kern="1200">
+                <a:solidFill>
+                  <a:schemeClr val="lt1"/>
+                </a:solidFill>
+                <a:latin typeface="+mn-lt"/>
+                <a:ea typeface="+mn-ea"/>
+                <a:cs typeface="+mn-cs"/>
+              </a:defRPr>
+            </a:lvl8pPr>
+            <a:lvl9pPr marL="3730969" algn="l" defTabSz="932742" rtl="0" eaLnBrk="1" latinLnBrk="0" hangingPunct="1">
+              <a:defRPr sz="1800" kern="1200">
+                <a:solidFill>
+                  <a:schemeClr val="lt1"/>
+                </a:solidFill>
+                <a:latin typeface="+mn-lt"/>
+                <a:ea typeface="+mn-ea"/>
+                <a:cs typeface="+mn-cs"/>
+              </a:defRPr>
+            </a:lvl9pPr>
+          </a:lstStyle>
+          <a:p>
+            <a:pPr algn="ctr" defTabSz="932406"/>
+            <a:endParaRPr lang="en-US" sz="800" dirty="0">
+              <a:gradFill>
+                <a:gsLst>
+                  <a:gs pos="0">
+                    <a:srgbClr val="FFFFFF"/>
+                  </a:gs>
+                  <a:gs pos="100000">
+                    <a:srgbClr val="FFFFFF"/>
+                  </a:gs>
+                </a:gsLst>
+                <a:lin ang="5400000" scaled="0"/>
+              </a:gradFill>
+              <a:ea typeface="Segoe UI" pitchFamily="34" charset="0"/>
+              <a:cs typeface="Segoe UI" pitchFamily="34" charset="0"/>
+            </a:endParaRPr>
+          </a:p>
+        </p:txBody>
+      </p:sp>
+      <p:sp>
+        <p:nvSpPr>
+          <p:cNvPr id="28" name="Hexagon 27"/>
+          <p:cNvSpPr/>
+          <p:nvPr/>
+        </p:nvSpPr>
+        <p:spPr bwMode="auto">
+          <a:xfrm>
+            <a:off x="2998565" y="3651192"/>
+            <a:ext cx="232312" cy="193231"/>
+          </a:xfrm>
+          <a:prstGeom prst="hexagon">
+            <a:avLst/>
+          </a:prstGeom>
+          <a:solidFill>
+            <a:srgbClr val="0046D2"/>
+          </a:solidFill>
+          <a:ln>
+            <a:noFill/>
+            <a:headEnd type="none" w="med" len="med"/>
+            <a:tailEnd type="none" w="med" len="med"/>
+          </a:ln>
+          <a:effectLst/>
+        </p:spPr>
+        <p:style>
+          <a:lnRef idx="1">
+            <a:schemeClr val="accent2"/>
+          </a:lnRef>
+          <a:fillRef idx="3">
+            <a:schemeClr val="accent2"/>
+          </a:fillRef>
+          <a:effectRef idx="2">
+            <a:schemeClr val="accent2"/>
+          </a:effectRef>
+          <a:fontRef idx="minor">
+            <a:schemeClr val="lt1"/>
+          </a:fontRef>
+        </p:style>
+        <p:txBody>
+          <a:bodyPr lIns="91440" tIns="91440" rIns="34294" bIns="34294" rtlCol="0" anchor="b" anchorCtr="0"/>
+          <a:lstStyle>
+            <a:defPPr>
+              <a:defRPr lang="en-US"/>
+            </a:defPPr>
+            <a:lvl1pPr marL="0" algn="l" defTabSz="932742" rtl="0" eaLnBrk="1" latinLnBrk="0" hangingPunct="1">
+              <a:defRPr sz="1800" kern="1200">
+                <a:solidFill>
+                  <a:schemeClr val="lt1"/>
+                </a:solidFill>
+                <a:latin typeface="+mn-lt"/>
+                <a:ea typeface="+mn-ea"/>
+                <a:cs typeface="+mn-cs"/>
+              </a:defRPr>
+            </a:lvl1pPr>
+            <a:lvl2pPr marL="466371" algn="l" defTabSz="932742" rtl="0" eaLnBrk="1" latinLnBrk="0" hangingPunct="1">
+              <a:defRPr sz="1800" kern="1200">
+                <a:solidFill>
+                  <a:schemeClr val="lt1"/>
+                </a:solidFill>
+                <a:latin typeface="+mn-lt"/>
+                <a:ea typeface="+mn-ea"/>
+                <a:cs typeface="+mn-cs"/>
+              </a:defRPr>
+            </a:lvl2pPr>
+            <a:lvl3pPr marL="932742" algn="l" defTabSz="932742" rtl="0" eaLnBrk="1" latinLnBrk="0" hangingPunct="1">
+              <a:defRPr sz="1800" kern="1200">
+                <a:solidFill>
+                  <a:schemeClr val="lt1"/>
+                </a:solidFill>
+                <a:latin typeface="+mn-lt"/>
+                <a:ea typeface="+mn-ea"/>
+                <a:cs typeface="+mn-cs"/>
+              </a:defRPr>
+            </a:lvl3pPr>
+            <a:lvl4pPr marL="1399113" algn="l" defTabSz="932742" rtl="0" eaLnBrk="1" latinLnBrk="0" hangingPunct="1">
+              <a:defRPr sz="1800" kern="1200">
+                <a:solidFill>
+                  <a:schemeClr val="lt1"/>
+                </a:solidFill>
+                <a:latin typeface="+mn-lt"/>
+                <a:ea typeface="+mn-ea"/>
+                <a:cs typeface="+mn-cs"/>
+              </a:defRPr>
+            </a:lvl4pPr>
+            <a:lvl5pPr marL="1865484" algn="l" defTabSz="932742" rtl="0" eaLnBrk="1" latinLnBrk="0" hangingPunct="1">
+              <a:defRPr sz="1800" kern="1200">
+                <a:solidFill>
+                  <a:schemeClr val="lt1"/>
+                </a:solidFill>
+                <a:latin typeface="+mn-lt"/>
+                <a:ea typeface="+mn-ea"/>
+                <a:cs typeface="+mn-cs"/>
+              </a:defRPr>
+            </a:lvl5pPr>
+            <a:lvl6pPr marL="2331856" algn="l" defTabSz="932742" rtl="0" eaLnBrk="1" latinLnBrk="0" hangingPunct="1">
+              <a:defRPr sz="1800" kern="1200">
+                <a:solidFill>
+                  <a:schemeClr val="lt1"/>
+                </a:solidFill>
+                <a:latin typeface="+mn-lt"/>
+                <a:ea typeface="+mn-ea"/>
+                <a:cs typeface="+mn-cs"/>
+              </a:defRPr>
+            </a:lvl6pPr>
+            <a:lvl7pPr marL="2798226" algn="l" defTabSz="932742" rtl="0" eaLnBrk="1" latinLnBrk="0" hangingPunct="1">
+              <a:defRPr sz="1800" kern="1200">
+                <a:solidFill>
+                  <a:schemeClr val="lt1"/>
+                </a:solidFill>
+                <a:latin typeface="+mn-lt"/>
+                <a:ea typeface="+mn-ea"/>
+                <a:cs typeface="+mn-cs"/>
+              </a:defRPr>
+            </a:lvl7pPr>
+            <a:lvl8pPr marL="3264597" algn="l" defTabSz="932742" rtl="0" eaLnBrk="1" latinLnBrk="0" hangingPunct="1">
+              <a:defRPr sz="1800" kern="1200">
+                <a:solidFill>
+                  <a:schemeClr val="lt1"/>
+                </a:solidFill>
+                <a:latin typeface="+mn-lt"/>
+                <a:ea typeface="+mn-ea"/>
+                <a:cs typeface="+mn-cs"/>
+              </a:defRPr>
+            </a:lvl8pPr>
+            <a:lvl9pPr marL="3730969" algn="l" defTabSz="932742" rtl="0" eaLnBrk="1" latinLnBrk="0" hangingPunct="1">
+              <a:defRPr sz="1800" kern="1200">
+                <a:solidFill>
+                  <a:schemeClr val="lt1"/>
+                </a:solidFill>
+                <a:latin typeface="+mn-lt"/>
+                <a:ea typeface="+mn-ea"/>
+                <a:cs typeface="+mn-cs"/>
+              </a:defRPr>
+            </a:lvl9pPr>
+          </a:lstStyle>
+          <a:p>
+            <a:pPr algn="ctr" defTabSz="932406"/>
+            <a:endParaRPr lang="en-US" sz="800" dirty="0">
+              <a:gradFill>
+                <a:gsLst>
+                  <a:gs pos="0">
+                    <a:srgbClr val="FFFFFF"/>
+                  </a:gs>
+                  <a:gs pos="100000">
+                    <a:srgbClr val="FFFFFF"/>
+                  </a:gs>
+                </a:gsLst>
+                <a:lin ang="5400000" scaled="0"/>
+              </a:gradFill>
+              <a:ea typeface="Segoe UI" pitchFamily="34" charset="0"/>
+              <a:cs typeface="Segoe UI" pitchFamily="34" charset="0"/>
+            </a:endParaRPr>
+          </a:p>
+        </p:txBody>
+      </p:sp>
+      <p:sp>
+        <p:nvSpPr>
+          <p:cNvPr id="29" name="Hexagon 28"/>
+          <p:cNvSpPr/>
+          <p:nvPr/>
+        </p:nvSpPr>
+        <p:spPr bwMode="auto">
+          <a:xfrm>
+            <a:off x="2998565" y="3651192"/>
+            <a:ext cx="232312" cy="193231"/>
+          </a:xfrm>
+          <a:prstGeom prst="hexagon">
+            <a:avLst/>
+          </a:prstGeom>
+          <a:solidFill>
+            <a:srgbClr val="0046D2"/>
+          </a:solidFill>
+          <a:ln>
+            <a:noFill/>
+            <a:headEnd type="none" w="med" len="med"/>
+            <a:tailEnd type="none" w="med" len="med"/>
+          </a:ln>
+          <a:effectLst/>
+        </p:spPr>
+        <p:style>
+          <a:lnRef idx="1">
+            <a:schemeClr val="accent2"/>
+          </a:lnRef>
+          <a:fillRef idx="3">
+            <a:schemeClr val="accent2"/>
+          </a:fillRef>
+          <a:effectRef idx="2">
+            <a:schemeClr val="accent2"/>
+          </a:effectRef>
+          <a:fontRef idx="minor">
+            <a:schemeClr val="lt1"/>
+          </a:fontRef>
+        </p:style>
+        <p:txBody>
+          <a:bodyPr lIns="91440" tIns="91440" rIns="34294" bIns="34294" rtlCol="0" anchor="b" anchorCtr="0"/>
+          <a:lstStyle>
+            <a:defPPr>
+              <a:defRPr lang="en-US"/>
+            </a:defPPr>
+            <a:lvl1pPr marL="0" algn="l" defTabSz="932742" rtl="0" eaLnBrk="1" latinLnBrk="0" hangingPunct="1">
+              <a:defRPr sz="1800" kern="1200">
+                <a:solidFill>
+                  <a:schemeClr val="lt1"/>
+                </a:solidFill>
+                <a:latin typeface="+mn-lt"/>
+                <a:ea typeface="+mn-ea"/>
+                <a:cs typeface="+mn-cs"/>
+              </a:defRPr>
+            </a:lvl1pPr>
+            <a:lvl2pPr marL="466371" algn="l" defTabSz="932742" rtl="0" eaLnBrk="1" latinLnBrk="0" hangingPunct="1">
+              <a:defRPr sz="1800" kern="1200">
+                <a:solidFill>
+                  <a:schemeClr val="lt1"/>
+                </a:solidFill>
+                <a:latin typeface="+mn-lt"/>
+                <a:ea typeface="+mn-ea"/>
+                <a:cs typeface="+mn-cs"/>
+              </a:defRPr>
+            </a:lvl2pPr>
+            <a:lvl3pPr marL="932742" algn="l" defTabSz="932742" rtl="0" eaLnBrk="1" latinLnBrk="0" hangingPunct="1">
+              <a:defRPr sz="1800" kern="1200">
+                <a:solidFill>
+                  <a:schemeClr val="lt1"/>
+                </a:solidFill>
+                <a:latin typeface="+mn-lt"/>
+                <a:ea typeface="+mn-ea"/>
+                <a:cs typeface="+mn-cs"/>
+              </a:defRPr>
+            </a:lvl3pPr>
+            <a:lvl4pPr marL="1399113" algn="l" defTabSz="932742" rtl="0" eaLnBrk="1" latinLnBrk="0" hangingPunct="1">
+              <a:defRPr sz="1800" kern="1200">
+                <a:solidFill>
+                  <a:schemeClr val="lt1"/>
+                </a:solidFill>
+                <a:latin typeface="+mn-lt"/>
+                <a:ea typeface="+mn-ea"/>
+                <a:cs typeface="+mn-cs"/>
+              </a:defRPr>
+            </a:lvl4pPr>
+            <a:lvl5pPr marL="1865484" algn="l" defTabSz="932742" rtl="0" eaLnBrk="1" latinLnBrk="0" hangingPunct="1">
+              <a:defRPr sz="1800" kern="1200">
+                <a:solidFill>
+                  <a:schemeClr val="lt1"/>
+                </a:solidFill>
+                <a:latin typeface="+mn-lt"/>
+                <a:ea typeface="+mn-ea"/>
+                <a:cs typeface="+mn-cs"/>
+              </a:defRPr>
+            </a:lvl5pPr>
+            <a:lvl6pPr marL="2331856" algn="l" defTabSz="932742" rtl="0" eaLnBrk="1" latinLnBrk="0" hangingPunct="1">
+              <a:defRPr sz="1800" kern="1200">
+                <a:solidFill>
+                  <a:schemeClr val="lt1"/>
+                </a:solidFill>
+                <a:latin typeface="+mn-lt"/>
+                <a:ea typeface="+mn-ea"/>
+                <a:cs typeface="+mn-cs"/>
+              </a:defRPr>
+            </a:lvl6pPr>
+            <a:lvl7pPr marL="2798226" algn="l" defTabSz="932742" rtl="0" eaLnBrk="1" latinLnBrk="0" hangingPunct="1">
+              <a:defRPr sz="1800" kern="1200">
+                <a:solidFill>
+                  <a:schemeClr val="lt1"/>
+                </a:solidFill>
+                <a:latin typeface="+mn-lt"/>
+                <a:ea typeface="+mn-ea"/>
+                <a:cs typeface="+mn-cs"/>
+              </a:defRPr>
+            </a:lvl7pPr>
+            <a:lvl8pPr marL="3264597" algn="l" defTabSz="932742" rtl="0" eaLnBrk="1" latinLnBrk="0" hangingPunct="1">
+              <a:defRPr sz="1800" kern="1200">
+                <a:solidFill>
+                  <a:schemeClr val="lt1"/>
+                </a:solidFill>
+                <a:latin typeface="+mn-lt"/>
+                <a:ea typeface="+mn-ea"/>
+                <a:cs typeface="+mn-cs"/>
+              </a:defRPr>
+            </a:lvl8pPr>
+            <a:lvl9pPr marL="3730969" algn="l" defTabSz="932742" rtl="0" eaLnBrk="1" latinLnBrk="0" hangingPunct="1">
+              <a:defRPr sz="1800" kern="1200">
+                <a:solidFill>
+                  <a:schemeClr val="lt1"/>
+                </a:solidFill>
+                <a:latin typeface="+mn-lt"/>
+                <a:ea typeface="+mn-ea"/>
+                <a:cs typeface="+mn-cs"/>
+              </a:defRPr>
+            </a:lvl9pPr>
+          </a:lstStyle>
+          <a:p>
+            <a:pPr algn="ctr" defTabSz="932406"/>
+            <a:endParaRPr lang="en-US" sz="800" dirty="0">
+              <a:gradFill>
+                <a:gsLst>
+                  <a:gs pos="0">
+                    <a:srgbClr val="FFFFFF"/>
+                  </a:gs>
+                  <a:gs pos="100000">
+                    <a:srgbClr val="FFFFFF"/>
+                  </a:gs>
+                </a:gsLst>
+                <a:lin ang="5400000" scaled="0"/>
+              </a:gradFill>
+              <a:ea typeface="Segoe UI" pitchFamily="34" charset="0"/>
+              <a:cs typeface="Segoe UI" pitchFamily="34" charset="0"/>
+            </a:endParaRPr>
+          </a:p>
+        </p:txBody>
+      </p:sp>
+      <p:sp>
+        <p:nvSpPr>
+          <p:cNvPr id="30" name="Hexagon 29"/>
+          <p:cNvSpPr/>
+          <p:nvPr/>
+        </p:nvSpPr>
+        <p:spPr bwMode="auto">
+          <a:xfrm>
+            <a:off x="2998565" y="3651192"/>
+            <a:ext cx="232312" cy="193231"/>
+          </a:xfrm>
+          <a:prstGeom prst="hexagon">
+            <a:avLst/>
+          </a:prstGeom>
+          <a:solidFill>
+            <a:srgbClr val="0046D2"/>
+          </a:solidFill>
+          <a:ln>
+            <a:solidFill>
+              <a:srgbClr val="FFFF00"/>
+            </a:solidFill>
+            <a:headEnd type="none" w="med" len="med"/>
+            <a:tailEnd type="none" w="med" len="med"/>
+          </a:ln>
+          <a:effectLst/>
+        </p:spPr>
+        <p:style>
+          <a:lnRef idx="1">
+            <a:schemeClr val="accent2"/>
+          </a:lnRef>
+          <a:fillRef idx="3">
+            <a:schemeClr val="accent2"/>
+          </a:fillRef>
+          <a:effectRef idx="2">
+            <a:schemeClr val="accent2"/>
+          </a:effectRef>
+          <a:fontRef idx="minor">
+            <a:schemeClr val="lt1"/>
+          </a:fontRef>
+        </p:style>
+        <p:txBody>
+          <a:bodyPr lIns="91440" tIns="91440" rIns="34294" bIns="34294" rtlCol="0" anchor="b" anchorCtr="0"/>
+          <a:lstStyle>
+            <a:defPPr>
+              <a:defRPr lang="en-US"/>
+            </a:defPPr>
+            <a:lvl1pPr marL="0" algn="l" defTabSz="932742" rtl="0" eaLnBrk="1" latinLnBrk="0" hangingPunct="1">
+              <a:defRPr sz="1800" kern="1200">
+                <a:solidFill>
+                  <a:schemeClr val="lt1"/>
+                </a:solidFill>
+                <a:latin typeface="+mn-lt"/>
+                <a:ea typeface="+mn-ea"/>
+                <a:cs typeface="+mn-cs"/>
+              </a:defRPr>
+            </a:lvl1pPr>
+            <a:lvl2pPr marL="466371" algn="l" defTabSz="932742" rtl="0" eaLnBrk="1" latinLnBrk="0" hangingPunct="1">
+              <a:defRPr sz="1800" kern="1200">
+                <a:solidFill>
+                  <a:schemeClr val="lt1"/>
+                </a:solidFill>
+                <a:latin typeface="+mn-lt"/>
+                <a:ea typeface="+mn-ea"/>
+                <a:cs typeface="+mn-cs"/>
+              </a:defRPr>
+            </a:lvl2pPr>
+            <a:lvl3pPr marL="932742" algn="l" defTabSz="932742" rtl="0" eaLnBrk="1" latinLnBrk="0" hangingPunct="1">
+              <a:defRPr sz="1800" kern="1200">
+                <a:solidFill>
+                  <a:schemeClr val="lt1"/>
+                </a:solidFill>
+                <a:latin typeface="+mn-lt"/>
+                <a:ea typeface="+mn-ea"/>
+                <a:cs typeface="+mn-cs"/>
+              </a:defRPr>
+            </a:lvl3pPr>
+            <a:lvl4pPr marL="1399113" algn="l" defTabSz="932742" rtl="0" eaLnBrk="1" latinLnBrk="0" hangingPunct="1">
+              <a:defRPr sz="1800" kern="1200">
+                <a:solidFill>
+                  <a:schemeClr val="lt1"/>
+                </a:solidFill>
+                <a:latin typeface="+mn-lt"/>
+                <a:ea typeface="+mn-ea"/>
+                <a:cs typeface="+mn-cs"/>
+              </a:defRPr>
+            </a:lvl4pPr>
+            <a:lvl5pPr marL="1865484" algn="l" defTabSz="932742" rtl="0" eaLnBrk="1" latinLnBrk="0" hangingPunct="1">
+              <a:defRPr sz="1800" kern="1200">
+                <a:solidFill>
+                  <a:schemeClr val="lt1"/>
+                </a:solidFill>
+                <a:latin typeface="+mn-lt"/>
+                <a:ea typeface="+mn-ea"/>
+                <a:cs typeface="+mn-cs"/>
+              </a:defRPr>
+            </a:lvl5pPr>
+            <a:lvl6pPr marL="2331856" algn="l" defTabSz="932742" rtl="0" eaLnBrk="1" latinLnBrk="0" hangingPunct="1">
+              <a:defRPr sz="1800" kern="1200">
+                <a:solidFill>
+                  <a:schemeClr val="lt1"/>
+                </a:solidFill>
+                <a:latin typeface="+mn-lt"/>
+                <a:ea typeface="+mn-ea"/>
+                <a:cs typeface="+mn-cs"/>
+              </a:defRPr>
+            </a:lvl6pPr>
+            <a:lvl7pPr marL="2798226" algn="l" defTabSz="932742" rtl="0" eaLnBrk="1" latinLnBrk="0" hangingPunct="1">
+              <a:defRPr sz="1800" kern="1200">
+                <a:solidFill>
+                  <a:schemeClr val="lt1"/>
+                </a:solidFill>
+                <a:latin typeface="+mn-lt"/>
+                <a:ea typeface="+mn-ea"/>
+                <a:cs typeface="+mn-cs"/>
+              </a:defRPr>
+            </a:lvl7pPr>
+            <a:lvl8pPr marL="3264597" algn="l" defTabSz="932742" rtl="0" eaLnBrk="1" latinLnBrk="0" hangingPunct="1">
+              <a:defRPr sz="1800" kern="1200">
+                <a:solidFill>
+                  <a:schemeClr val="lt1"/>
+                </a:solidFill>
+                <a:latin typeface="+mn-lt"/>
+                <a:ea typeface="+mn-ea"/>
+                <a:cs typeface="+mn-cs"/>
+              </a:defRPr>
+            </a:lvl8pPr>
+            <a:lvl9pPr marL="3730969" algn="l" defTabSz="932742" rtl="0" eaLnBrk="1" latinLnBrk="0" hangingPunct="1">
+              <a:defRPr sz="1800" kern="1200">
+                <a:solidFill>
+                  <a:schemeClr val="lt1"/>
+                </a:solidFill>
+                <a:latin typeface="+mn-lt"/>
+                <a:ea typeface="+mn-ea"/>
+                <a:cs typeface="+mn-cs"/>
+              </a:defRPr>
+            </a:lvl9pPr>
+          </a:lstStyle>
+          <a:p>
+            <a:pPr algn="ctr" defTabSz="932406"/>
+            <a:endParaRPr lang="en-US" sz="800" dirty="0">
+              <a:gradFill>
+                <a:gsLst>
+                  <a:gs pos="0">
+                    <a:srgbClr val="FFFFFF"/>
+                  </a:gs>
+                  <a:gs pos="100000">
+                    <a:srgbClr val="FFFFFF"/>
+                  </a:gs>
+                </a:gsLst>
+                <a:lin ang="5400000" scaled="0"/>
+              </a:gradFill>
+              <a:ea typeface="Segoe UI" pitchFamily="34" charset="0"/>
+              <a:cs typeface="Segoe UI" pitchFamily="34" charset="0"/>
+            </a:endParaRPr>
+          </a:p>
+        </p:txBody>
+      </p:sp>
+      <p:sp>
+        <p:nvSpPr>
+          <p:cNvPr id="31" name="Hexagon 30"/>
+          <p:cNvSpPr/>
+          <p:nvPr/>
+        </p:nvSpPr>
+        <p:spPr bwMode="auto">
+          <a:xfrm>
+            <a:off x="2993443" y="4034780"/>
+            <a:ext cx="232312" cy="193231"/>
+          </a:xfrm>
+          <a:prstGeom prst="hexagon">
+            <a:avLst/>
+          </a:prstGeom>
+          <a:solidFill>
+            <a:srgbClr val="FF0000"/>
+          </a:solidFill>
+          <a:ln>
+            <a:noFill/>
+            <a:headEnd type="none" w="med" len="med"/>
+            <a:tailEnd type="none" w="med" len="med"/>
+          </a:ln>
+          <a:effectLst/>
+        </p:spPr>
+        <p:style>
+          <a:lnRef idx="1">
+            <a:schemeClr val="accent2"/>
+          </a:lnRef>
+          <a:fillRef idx="3">
+            <a:schemeClr val="accent2"/>
+          </a:fillRef>
+          <a:effectRef idx="2">
+            <a:schemeClr val="accent2"/>
+          </a:effectRef>
+          <a:fontRef idx="minor">
+            <a:schemeClr val="lt1"/>
+          </a:fontRef>
+        </p:style>
+        <p:txBody>
+          <a:bodyPr lIns="91440" tIns="91440" rIns="34294" bIns="34294" rtlCol="0" anchor="b" anchorCtr="0"/>
+          <a:lstStyle>
+            <a:defPPr>
+              <a:defRPr lang="en-US"/>
+            </a:defPPr>
+            <a:lvl1pPr marL="0" algn="l" defTabSz="932742" rtl="0" eaLnBrk="1" latinLnBrk="0" hangingPunct="1">
+              <a:defRPr sz="1800" kern="1200">
+                <a:solidFill>
+                  <a:schemeClr val="lt1"/>
+                </a:solidFill>
+                <a:latin typeface="+mn-lt"/>
+                <a:ea typeface="+mn-ea"/>
+                <a:cs typeface="+mn-cs"/>
+              </a:defRPr>
+            </a:lvl1pPr>
+            <a:lvl2pPr marL="466371" algn="l" defTabSz="932742" rtl="0" eaLnBrk="1" latinLnBrk="0" hangingPunct="1">
+              <a:defRPr sz="1800" kern="1200">
+                <a:solidFill>
+                  <a:schemeClr val="lt1"/>
+                </a:solidFill>
+                <a:latin typeface="+mn-lt"/>
+                <a:ea typeface="+mn-ea"/>
+                <a:cs typeface="+mn-cs"/>
+              </a:defRPr>
+            </a:lvl2pPr>
+            <a:lvl3pPr marL="932742" algn="l" defTabSz="932742" rtl="0" eaLnBrk="1" latinLnBrk="0" hangingPunct="1">
+              <a:defRPr sz="1800" kern="1200">
+                <a:solidFill>
+                  <a:schemeClr val="lt1"/>
+                </a:solidFill>
+                <a:latin typeface="+mn-lt"/>
+                <a:ea typeface="+mn-ea"/>
+                <a:cs typeface="+mn-cs"/>
+              </a:defRPr>
+            </a:lvl3pPr>
+            <a:lvl4pPr marL="1399113" algn="l" defTabSz="932742" rtl="0" eaLnBrk="1" latinLnBrk="0" hangingPunct="1">
+              <a:defRPr sz="1800" kern="1200">
+                <a:solidFill>
+                  <a:schemeClr val="lt1"/>
+                </a:solidFill>
+                <a:latin typeface="+mn-lt"/>
+                <a:ea typeface="+mn-ea"/>
+                <a:cs typeface="+mn-cs"/>
+              </a:defRPr>
+            </a:lvl4pPr>
+            <a:lvl5pPr marL="1865484" algn="l" defTabSz="932742" rtl="0" eaLnBrk="1" latinLnBrk="0" hangingPunct="1">
+              <a:defRPr sz="1800" kern="1200">
+                <a:solidFill>
+                  <a:schemeClr val="lt1"/>
+                </a:solidFill>
+                <a:latin typeface="+mn-lt"/>
+                <a:ea typeface="+mn-ea"/>
+                <a:cs typeface="+mn-cs"/>
+              </a:defRPr>
+            </a:lvl5pPr>
+            <a:lvl6pPr marL="2331856" algn="l" defTabSz="932742" rtl="0" eaLnBrk="1" latinLnBrk="0" hangingPunct="1">
+              <a:defRPr sz="1800" kern="1200">
+                <a:solidFill>
+                  <a:schemeClr val="lt1"/>
+                </a:solidFill>
+                <a:latin typeface="+mn-lt"/>
+                <a:ea typeface="+mn-ea"/>
+                <a:cs typeface="+mn-cs"/>
+              </a:defRPr>
+            </a:lvl6pPr>
+            <a:lvl7pPr marL="2798226" algn="l" defTabSz="932742" rtl="0" eaLnBrk="1" latinLnBrk="0" hangingPunct="1">
+              <a:defRPr sz="1800" kern="1200">
+                <a:solidFill>
+                  <a:schemeClr val="lt1"/>
+                </a:solidFill>
+                <a:latin typeface="+mn-lt"/>
+                <a:ea typeface="+mn-ea"/>
+                <a:cs typeface="+mn-cs"/>
+              </a:defRPr>
+            </a:lvl7pPr>
+            <a:lvl8pPr marL="3264597" algn="l" defTabSz="932742" rtl="0" eaLnBrk="1" latinLnBrk="0" hangingPunct="1">
+              <a:defRPr sz="1800" kern="1200">
+                <a:solidFill>
+                  <a:schemeClr val="lt1"/>
+                </a:solidFill>
+                <a:latin typeface="+mn-lt"/>
+                <a:ea typeface="+mn-ea"/>
+                <a:cs typeface="+mn-cs"/>
+              </a:defRPr>
+            </a:lvl8pPr>
+            <a:lvl9pPr marL="3730969" algn="l" defTabSz="932742" rtl="0" eaLnBrk="1" latinLnBrk="0" hangingPunct="1">
+              <a:defRPr sz="1800" kern="1200">
+                <a:solidFill>
+                  <a:schemeClr val="lt1"/>
+                </a:solidFill>
+                <a:latin typeface="+mn-lt"/>
+                <a:ea typeface="+mn-ea"/>
+                <a:cs typeface="+mn-cs"/>
+              </a:defRPr>
+            </a:lvl9pPr>
+          </a:lstStyle>
+          <a:p>
+            <a:pPr algn="ctr" defTabSz="932406"/>
+            <a:endParaRPr lang="en-US" sz="800" dirty="0">
+              <a:gradFill>
+                <a:gsLst>
+                  <a:gs pos="0">
+                    <a:srgbClr val="FFFFFF"/>
+                  </a:gs>
+                  <a:gs pos="100000">
+                    <a:srgbClr val="FFFFFF"/>
+                  </a:gs>
+                </a:gsLst>
+                <a:lin ang="5400000" scaled="0"/>
+              </a:gradFill>
+              <a:ea typeface="Segoe UI" pitchFamily="34" charset="0"/>
+              <a:cs typeface="Segoe UI" pitchFamily="34" charset="0"/>
+            </a:endParaRPr>
+          </a:p>
+        </p:txBody>
+      </p:sp>
+      <p:sp>
+        <p:nvSpPr>
+          <p:cNvPr id="32" name="Hexagon 31"/>
+          <p:cNvSpPr/>
+          <p:nvPr/>
+        </p:nvSpPr>
+        <p:spPr bwMode="auto">
+          <a:xfrm>
+            <a:off x="2993443" y="4034780"/>
+            <a:ext cx="232312" cy="193231"/>
+          </a:xfrm>
+          <a:prstGeom prst="hexagon">
+            <a:avLst/>
+          </a:prstGeom>
+          <a:solidFill>
+            <a:srgbClr val="FF0000"/>
+          </a:solidFill>
+          <a:ln>
+            <a:noFill/>
+            <a:headEnd type="none" w="med" len="med"/>
+            <a:tailEnd type="none" w="med" len="med"/>
+          </a:ln>
+          <a:effectLst/>
+        </p:spPr>
+        <p:style>
+          <a:lnRef idx="1">
+            <a:schemeClr val="accent2"/>
+          </a:lnRef>
+          <a:fillRef idx="3">
+            <a:schemeClr val="accent2"/>
+          </a:fillRef>
+          <a:effectRef idx="2">
+            <a:schemeClr val="accent2"/>
+          </a:effectRef>
+          <a:fontRef idx="minor">
+            <a:schemeClr val="lt1"/>
+          </a:fontRef>
+        </p:style>
+        <p:txBody>
+          <a:bodyPr lIns="91440" tIns="91440" rIns="34294" bIns="34294" rtlCol="0" anchor="b" anchorCtr="0"/>
+          <a:lstStyle>
+            <a:defPPr>
+              <a:defRPr lang="en-US"/>
+            </a:defPPr>
+            <a:lvl1pPr marL="0" algn="l" defTabSz="932742" rtl="0" eaLnBrk="1" latinLnBrk="0" hangingPunct="1">
+              <a:defRPr sz="1800" kern="1200">
+                <a:solidFill>
+                  <a:schemeClr val="lt1"/>
+                </a:solidFill>
+                <a:latin typeface="+mn-lt"/>
+                <a:ea typeface="+mn-ea"/>
+                <a:cs typeface="+mn-cs"/>
+              </a:defRPr>
+            </a:lvl1pPr>
+            <a:lvl2pPr marL="466371" algn="l" defTabSz="932742" rtl="0" eaLnBrk="1" latinLnBrk="0" hangingPunct="1">
+              <a:defRPr sz="1800" kern="1200">
+                <a:solidFill>
+                  <a:schemeClr val="lt1"/>
+                </a:solidFill>
+                <a:latin typeface="+mn-lt"/>
+                <a:ea typeface="+mn-ea"/>
+                <a:cs typeface="+mn-cs"/>
+              </a:defRPr>
+            </a:lvl2pPr>
+            <a:lvl3pPr marL="932742" algn="l" defTabSz="932742" rtl="0" eaLnBrk="1" latinLnBrk="0" hangingPunct="1">
+              <a:defRPr sz="1800" kern="1200">
+                <a:solidFill>
+                  <a:schemeClr val="lt1"/>
+                </a:solidFill>
+                <a:latin typeface="+mn-lt"/>
+                <a:ea typeface="+mn-ea"/>
+                <a:cs typeface="+mn-cs"/>
+              </a:defRPr>
+            </a:lvl3pPr>
+            <a:lvl4pPr marL="1399113" algn="l" defTabSz="932742" rtl="0" eaLnBrk="1" latinLnBrk="0" hangingPunct="1">
+              <a:defRPr sz="1800" kern="1200">
+                <a:solidFill>
+                  <a:schemeClr val="lt1"/>
+                </a:solidFill>
+                <a:latin typeface="+mn-lt"/>
+                <a:ea typeface="+mn-ea"/>
+                <a:cs typeface="+mn-cs"/>
+              </a:defRPr>
+            </a:lvl4pPr>
+            <a:lvl5pPr marL="1865484" algn="l" defTabSz="932742" rtl="0" eaLnBrk="1" latinLnBrk="0" hangingPunct="1">
+              <a:defRPr sz="1800" kern="1200">
+                <a:solidFill>
+                  <a:schemeClr val="lt1"/>
+                </a:solidFill>
+                <a:latin typeface="+mn-lt"/>
+                <a:ea typeface="+mn-ea"/>
+                <a:cs typeface="+mn-cs"/>
+              </a:defRPr>
+            </a:lvl5pPr>
+            <a:lvl6pPr marL="2331856" algn="l" defTabSz="932742" rtl="0" eaLnBrk="1" latinLnBrk="0" hangingPunct="1">
+              <a:defRPr sz="1800" kern="1200">
+                <a:solidFill>
+                  <a:schemeClr val="lt1"/>
+                </a:solidFill>
+                <a:latin typeface="+mn-lt"/>
+                <a:ea typeface="+mn-ea"/>
+                <a:cs typeface="+mn-cs"/>
+              </a:defRPr>
+            </a:lvl6pPr>
+            <a:lvl7pPr marL="2798226" algn="l" defTabSz="932742" rtl="0" eaLnBrk="1" latinLnBrk="0" hangingPunct="1">
+              <a:defRPr sz="1800" kern="1200">
+                <a:solidFill>
+                  <a:schemeClr val="lt1"/>
+                </a:solidFill>
+                <a:latin typeface="+mn-lt"/>
+                <a:ea typeface="+mn-ea"/>
+                <a:cs typeface="+mn-cs"/>
+              </a:defRPr>
+            </a:lvl7pPr>
+            <a:lvl8pPr marL="3264597" algn="l" defTabSz="932742" rtl="0" eaLnBrk="1" latinLnBrk="0" hangingPunct="1">
+              <a:defRPr sz="1800" kern="1200">
+                <a:solidFill>
+                  <a:schemeClr val="lt1"/>
+                </a:solidFill>
+                <a:latin typeface="+mn-lt"/>
+                <a:ea typeface="+mn-ea"/>
+                <a:cs typeface="+mn-cs"/>
+              </a:defRPr>
+            </a:lvl8pPr>
+            <a:lvl9pPr marL="3730969" algn="l" defTabSz="932742" rtl="0" eaLnBrk="1" latinLnBrk="0" hangingPunct="1">
+              <a:defRPr sz="1800" kern="1200">
+                <a:solidFill>
+                  <a:schemeClr val="lt1"/>
+                </a:solidFill>
+                <a:latin typeface="+mn-lt"/>
+                <a:ea typeface="+mn-ea"/>
+                <a:cs typeface="+mn-cs"/>
+              </a:defRPr>
+            </a:lvl9pPr>
+          </a:lstStyle>
+          <a:p>
+            <a:pPr algn="ctr" defTabSz="932406"/>
+            <a:endParaRPr lang="en-US" sz="800" dirty="0">
+              <a:gradFill>
+                <a:gsLst>
+                  <a:gs pos="0">
+                    <a:srgbClr val="FFFFFF"/>
+                  </a:gs>
+                  <a:gs pos="100000">
+                    <a:srgbClr val="FFFFFF"/>
+                  </a:gs>
+                </a:gsLst>
+                <a:lin ang="5400000" scaled="0"/>
+              </a:gradFill>
+              <a:ea typeface="Segoe UI" pitchFamily="34" charset="0"/>
+              <a:cs typeface="Segoe UI" pitchFamily="34" charset="0"/>
+            </a:endParaRPr>
+          </a:p>
+        </p:txBody>
+      </p:sp>
+      <p:sp>
+        <p:nvSpPr>
+          <p:cNvPr id="33" name="Hexagon 32"/>
+          <p:cNvSpPr/>
+          <p:nvPr/>
+        </p:nvSpPr>
+        <p:spPr bwMode="auto">
+          <a:xfrm>
+            <a:off x="2993443" y="4034780"/>
+            <a:ext cx="232312" cy="193231"/>
+          </a:xfrm>
+          <a:prstGeom prst="hexagon">
+            <a:avLst/>
+          </a:prstGeom>
+          <a:solidFill>
+            <a:srgbClr val="FF0000"/>
+          </a:solidFill>
+          <a:ln>
+            <a:solidFill>
+              <a:srgbClr val="FFFF00"/>
+            </a:solidFill>
+            <a:headEnd type="none" w="med" len="med"/>
+            <a:tailEnd type="none" w="med" len="med"/>
+          </a:ln>
+          <a:effectLst/>
+        </p:spPr>
+        <p:style>
+          <a:lnRef idx="1">
+            <a:schemeClr val="accent2"/>
+          </a:lnRef>
+          <a:fillRef idx="3">
+            <a:schemeClr val="accent2"/>
+          </a:fillRef>
+          <a:effectRef idx="2">
+            <a:schemeClr val="accent2"/>
+          </a:effectRef>
+          <a:fontRef idx="minor">
+            <a:schemeClr val="lt1"/>
+          </a:fontRef>
+        </p:style>
+        <p:txBody>
+          <a:bodyPr lIns="91440" tIns="91440" rIns="34294" bIns="34294" rtlCol="0" anchor="b" anchorCtr="0"/>
+          <a:lstStyle>
+            <a:defPPr>
+              <a:defRPr lang="en-US"/>
+            </a:defPPr>
+            <a:lvl1pPr marL="0" algn="l" defTabSz="932742" rtl="0" eaLnBrk="1" latinLnBrk="0" hangingPunct="1">
+              <a:defRPr sz="1800" kern="1200">
+                <a:solidFill>
+                  <a:schemeClr val="lt1"/>
+                </a:solidFill>
+                <a:latin typeface="+mn-lt"/>
+                <a:ea typeface="+mn-ea"/>
+                <a:cs typeface="+mn-cs"/>
+              </a:defRPr>
+            </a:lvl1pPr>
+            <a:lvl2pPr marL="466371" algn="l" defTabSz="932742" rtl="0" eaLnBrk="1" latinLnBrk="0" hangingPunct="1">
+              <a:defRPr sz="1800" kern="1200">
+                <a:solidFill>
+                  <a:schemeClr val="lt1"/>
+                </a:solidFill>
+                <a:latin typeface="+mn-lt"/>
+                <a:ea typeface="+mn-ea"/>
+                <a:cs typeface="+mn-cs"/>
+              </a:defRPr>
+            </a:lvl2pPr>
+            <a:lvl3pPr marL="932742" algn="l" defTabSz="932742" rtl="0" eaLnBrk="1" latinLnBrk="0" hangingPunct="1">
+              <a:defRPr sz="1800" kern="1200">
+                <a:solidFill>
+                  <a:schemeClr val="lt1"/>
+                </a:solidFill>
+                <a:latin typeface="+mn-lt"/>
+                <a:ea typeface="+mn-ea"/>
+                <a:cs typeface="+mn-cs"/>
+              </a:defRPr>
+            </a:lvl3pPr>
+            <a:lvl4pPr marL="1399113" algn="l" defTabSz="932742" rtl="0" eaLnBrk="1" latinLnBrk="0" hangingPunct="1">
+              <a:defRPr sz="1800" kern="1200">
+                <a:solidFill>
+                  <a:schemeClr val="lt1"/>
+                </a:solidFill>
+                <a:latin typeface="+mn-lt"/>
+                <a:ea typeface="+mn-ea"/>
+                <a:cs typeface="+mn-cs"/>
+              </a:defRPr>
+            </a:lvl4pPr>
+            <a:lvl5pPr marL="1865484" algn="l" defTabSz="932742" rtl="0" eaLnBrk="1" latinLnBrk="0" hangingPunct="1">
+              <a:defRPr sz="1800" kern="1200">
+                <a:solidFill>
+                  <a:schemeClr val="lt1"/>
+                </a:solidFill>
+                <a:latin typeface="+mn-lt"/>
+                <a:ea typeface="+mn-ea"/>
+                <a:cs typeface="+mn-cs"/>
+              </a:defRPr>
+            </a:lvl5pPr>
+            <a:lvl6pPr marL="2331856" algn="l" defTabSz="932742" rtl="0" eaLnBrk="1" latinLnBrk="0" hangingPunct="1">
+              <a:defRPr sz="1800" kern="1200">
+                <a:solidFill>
+                  <a:schemeClr val="lt1"/>
+                </a:solidFill>
+                <a:latin typeface="+mn-lt"/>
+                <a:ea typeface="+mn-ea"/>
+                <a:cs typeface="+mn-cs"/>
+              </a:defRPr>
+            </a:lvl6pPr>
+            <a:lvl7pPr marL="2798226" algn="l" defTabSz="932742" rtl="0" eaLnBrk="1" latinLnBrk="0" hangingPunct="1">
+              <a:defRPr sz="1800" kern="1200">
+                <a:solidFill>
+                  <a:schemeClr val="lt1"/>
+                </a:solidFill>
+                <a:latin typeface="+mn-lt"/>
+                <a:ea typeface="+mn-ea"/>
+                <a:cs typeface="+mn-cs"/>
+              </a:defRPr>
+            </a:lvl7pPr>
+            <a:lvl8pPr marL="3264597" algn="l" defTabSz="932742" rtl="0" eaLnBrk="1" latinLnBrk="0" hangingPunct="1">
+              <a:defRPr sz="1800" kern="1200">
+                <a:solidFill>
+                  <a:schemeClr val="lt1"/>
+                </a:solidFill>
+                <a:latin typeface="+mn-lt"/>
+                <a:ea typeface="+mn-ea"/>
+                <a:cs typeface="+mn-cs"/>
+              </a:defRPr>
+            </a:lvl8pPr>
+            <a:lvl9pPr marL="3730969" algn="l" defTabSz="932742" rtl="0" eaLnBrk="1" latinLnBrk="0" hangingPunct="1">
+              <a:defRPr sz="1800" kern="1200">
+                <a:solidFill>
+                  <a:schemeClr val="lt1"/>
+                </a:solidFill>
+                <a:latin typeface="+mn-lt"/>
+                <a:ea typeface="+mn-ea"/>
+                <a:cs typeface="+mn-cs"/>
+              </a:defRPr>
+            </a:lvl9pPr>
+          </a:lstStyle>
+          <a:p>
+            <a:pPr algn="ctr" defTabSz="932406"/>
+            <a:endParaRPr lang="en-US" sz="800" dirty="0">
+              <a:gradFill>
+                <a:gsLst>
+                  <a:gs pos="0">
+                    <a:srgbClr val="FFFFFF"/>
+                  </a:gs>
+                  <a:gs pos="100000">
+                    <a:srgbClr val="FFFFFF"/>
+                  </a:gs>
+                </a:gsLst>
+                <a:lin ang="5400000" scaled="0"/>
+              </a:gradFill>
+              <a:ea typeface="Segoe UI" pitchFamily="34" charset="0"/>
+              <a:cs typeface="Segoe UI" pitchFamily="34" charset="0"/>
+            </a:endParaRPr>
+          </a:p>
+        </p:txBody>
+      </p:sp>
+    </p:spTree>
+    <p:extLst>
+      <p:ext uri="{BB962C8B-B14F-4D97-AF65-F5344CB8AC3E}">
+        <p14:creationId xmlns:p14="http://schemas.microsoft.com/office/powerpoint/2010/main" val="690549462"/>
+      </p:ext>
+    </p:extLst>
+  </p:cSld>
+  <p:clrMapOvr>
+    <a:masterClrMapping/>
+  </p:clrMapOvr>
+  <p:timing>
+    <p:tnLst>
+      <p:par>
+        <p:cTn id="1" dur="indefinite" restart="never" nodeType="tmRoot">
+          <p:childTnLst>
+            <p:seq concurrent="1" nextAc="seek">
+              <p:cTn id="2" dur="indefinite" nodeType="mainSeq">
+                <p:childTnLst>
+                  <p:par>
+                    <p:cTn id="3" fill="hold">
+                      <p:stCondLst>
+                        <p:cond delay="indefinite"/>
+                      </p:stCondLst>
+                      <p:childTnLst>
+                        <p:par>
+                          <p:cTn id="4" fill="hold">
+                            <p:stCondLst>
+                              <p:cond delay="0"/>
+                            </p:stCondLst>
+                            <p:childTnLst>
+                              <p:par>
+                                <p:cTn id="5" presetID="42" presetClass="path" presetSubtype="0" accel="50000" decel="50000" fill="hold" grpId="0" nodeType="clickEffect">
+                                  <p:stCondLst>
+                                    <p:cond delay="0"/>
+                                  </p:stCondLst>
+                                  <p:childTnLst>
+                                    <p:animMotion origin="layout" path="M 1.25E-6 2.22222E-6 L 0.43177 0.27523 " pathEditMode="relative" rAng="0" ptsTypes="AA">
+                                      <p:cBhvr>
+                                        <p:cTn id="6" dur="1000" fill="hold"/>
+                                        <p:tgtEl>
+                                          <p:spTgt spid="30"/>
+                                        </p:tgtEl>
+                                        <p:attrNameLst>
+                                          <p:attrName>ppt_x</p:attrName>
+                                          <p:attrName>ppt_y</p:attrName>
+                                        </p:attrNameLst>
+                                      </p:cBhvr>
+                                      <p:rCtr x="21589" y="13750"/>
+                                    </p:animMotion>
+                                  </p:childTnLst>
+                                </p:cTn>
+                              </p:par>
+                              <p:par>
+                                <p:cTn id="7" presetID="42" presetClass="path" presetSubtype="0" accel="50000" decel="50000" fill="hold" grpId="0" nodeType="withEffect">
+                                  <p:stCondLst>
+                                    <p:cond delay="0"/>
+                                  </p:stCondLst>
+                                  <p:childTnLst>
+                                    <p:animMotion origin="layout" path="M 1.25E-6 2.22222E-6 L 0.34557 -0.20509 " pathEditMode="relative" rAng="0" ptsTypes="AA">
+                                      <p:cBhvr>
+                                        <p:cTn id="8" dur="1000" fill="hold"/>
+                                        <p:tgtEl>
+                                          <p:spTgt spid="29"/>
+                                        </p:tgtEl>
+                                        <p:attrNameLst>
+                                          <p:attrName>ppt_x</p:attrName>
+                                          <p:attrName>ppt_y</p:attrName>
+                                        </p:attrNameLst>
+                                      </p:cBhvr>
+                                      <p:rCtr x="17279" y="-10255"/>
+                                    </p:animMotion>
+                                  </p:childTnLst>
+                                </p:cTn>
+                              </p:par>
+                              <p:par>
+                                <p:cTn id="9" presetID="42" presetClass="path" presetSubtype="0" accel="50000" decel="50000" fill="hold" grpId="0" nodeType="withEffect">
+                                  <p:stCondLst>
+                                    <p:cond delay="0"/>
+                                  </p:stCondLst>
+                                  <p:childTnLst>
+                                    <p:animMotion origin="layout" path="M 1.25E-6 2.22222E-6 L 0.21055 -0.03287 " pathEditMode="relative" rAng="0" ptsTypes="AA">
+                                      <p:cBhvr>
+                                        <p:cTn id="10" dur="1000" fill="hold"/>
+                                        <p:tgtEl>
+                                          <p:spTgt spid="27"/>
+                                        </p:tgtEl>
+                                        <p:attrNameLst>
+                                          <p:attrName>ppt_x</p:attrName>
+                                          <p:attrName>ppt_y</p:attrName>
+                                        </p:attrNameLst>
+                                      </p:cBhvr>
+                                      <p:rCtr x="10521" y="-1644"/>
+                                    </p:animMotion>
+                                  </p:childTnLst>
+                                </p:cTn>
+                              </p:par>
+                            </p:childTnLst>
+                          </p:cTn>
+                        </p:par>
+                      </p:childTnLst>
+                    </p:cTn>
+                  </p:par>
+                  <p:par>
+                    <p:cTn id="11" fill="hold">
+                      <p:stCondLst>
+                        <p:cond delay="indefinite"/>
+                      </p:stCondLst>
+                      <p:childTnLst>
+                        <p:par>
+                          <p:cTn id="12" fill="hold">
+                            <p:stCondLst>
+                              <p:cond delay="0"/>
+                            </p:stCondLst>
+                            <p:childTnLst>
+                              <p:par>
+                                <p:cTn id="13" presetID="42" presetClass="path" presetSubtype="0" accel="50000" decel="50000" fill="hold" grpId="0" nodeType="clickEffect">
+                                  <p:stCondLst>
+                                    <p:cond delay="0"/>
+                                  </p:stCondLst>
+                                  <p:childTnLst>
+                                    <p:animMotion origin="layout" path="M 1.875E-6 -4.81481E-6 L 0.4845 -0.07337 " pathEditMode="relative" rAng="0" ptsTypes="AA">
+                                      <p:cBhvr>
+                                        <p:cTn id="14" dur="1000" fill="hold"/>
+                                        <p:tgtEl>
+                                          <p:spTgt spid="33"/>
+                                        </p:tgtEl>
+                                        <p:attrNameLst>
+                                          <p:attrName>ppt_x</p:attrName>
+                                          <p:attrName>ppt_y</p:attrName>
+                                        </p:attrNameLst>
+                                      </p:cBhvr>
+                                      <p:rCtr x="24219" y="-3681"/>
+                                    </p:animMotion>
+                                  </p:childTnLst>
+                                </p:cTn>
+                              </p:par>
+                              <p:par>
+                                <p:cTn id="15" presetID="42" presetClass="path" presetSubtype="0" accel="50000" decel="50000" fill="hold" grpId="0" nodeType="withEffect">
+                                  <p:stCondLst>
+                                    <p:cond delay="0"/>
+                                  </p:stCondLst>
+                                  <p:childTnLst>
+                                    <p:animMotion origin="layout" path="M 1.875E-6 -4.81481E-6 L 0.26159 0.2007 " pathEditMode="relative" rAng="0" ptsTypes="AA">
+                                      <p:cBhvr>
+                                        <p:cTn id="16" dur="1000" fill="hold"/>
+                                        <p:tgtEl>
+                                          <p:spTgt spid="32"/>
+                                        </p:tgtEl>
+                                        <p:attrNameLst>
+                                          <p:attrName>ppt_x</p:attrName>
+                                          <p:attrName>ppt_y</p:attrName>
+                                        </p:attrNameLst>
+                                      </p:cBhvr>
+                                      <p:rCtr x="13073" y="10023"/>
+                                    </p:animMotion>
+                                  </p:childTnLst>
+                                </p:cTn>
+                              </p:par>
+                              <p:par>
+                                <p:cTn id="17" presetID="42" presetClass="path" presetSubtype="0" accel="50000" decel="50000" fill="hold" grpId="0" nodeType="withEffect">
+                                  <p:stCondLst>
+                                    <p:cond delay="0"/>
+                                  </p:stCondLst>
+                                  <p:childTnLst>
+                                    <p:animMotion origin="layout" path="M 1.875E-6 -4.81481E-6 L 0.34661 -0.22754 " pathEditMode="relative" rAng="0" ptsTypes="AA">
+                                      <p:cBhvr>
+                                        <p:cTn id="18" dur="1000" fill="hold"/>
+                                        <p:tgtEl>
+                                          <p:spTgt spid="31"/>
+                                        </p:tgtEl>
+                                        <p:attrNameLst>
+                                          <p:attrName>ppt_x</p:attrName>
+                                          <p:attrName>ppt_y</p:attrName>
+                                        </p:attrNameLst>
+                                      </p:cBhvr>
+                                      <p:rCtr x="17331" y="-11389"/>
+                                    </p:animMotion>
+                                  </p:childTnLst>
+                                </p:cTn>
+                              </p:par>
+                            </p:childTnLst>
+                          </p:cTn>
+                        </p:par>
+                      </p:childTnLst>
+                    </p:cTn>
+                  </p:par>
+                  <p:par>
+                    <p:cTn id="19" fill="hold">
+                      <p:stCondLst>
+                        <p:cond delay="indefinite"/>
+                      </p:stCondLst>
+                      <p:childTnLst>
+                        <p:par>
+                          <p:cTn id="20" fill="hold">
+                            <p:stCondLst>
+                              <p:cond delay="0"/>
+                            </p:stCondLst>
+                            <p:childTnLst>
+                              <p:par>
+                                <p:cTn id="21" presetID="42" presetClass="path" presetSubtype="0" accel="50000" decel="50000" fill="hold" grpId="0" nodeType="clickEffect">
+                                  <p:stCondLst>
+                                    <p:cond delay="0"/>
+                                  </p:stCondLst>
+                                  <p:childTnLst>
+                                    <p:animMotion origin="layout" path="M 1.25E-6 -3.33333E-6 L 0.48424 -0.09467 " pathEditMode="relative" rAng="0" ptsTypes="AA">
+                                      <p:cBhvr>
+                                        <p:cTn id="22" dur="1000" fill="hold"/>
+                                        <p:tgtEl>
+                                          <p:spTgt spid="25"/>
+                                        </p:tgtEl>
+                                        <p:attrNameLst>
+                                          <p:attrName>ppt_x</p:attrName>
+                                          <p:attrName>ppt_y</p:attrName>
+                                        </p:attrNameLst>
+                                      </p:cBhvr>
+                                      <p:rCtr x="24206" y="-4745"/>
+                                    </p:animMotion>
+                                  </p:childTnLst>
+                                </p:cTn>
+                              </p:par>
+                              <p:par>
+                                <p:cTn id="23" presetID="42" presetClass="path" presetSubtype="0" accel="50000" decel="50000" fill="hold" grpId="0" nodeType="withEffect">
+                                  <p:stCondLst>
+                                    <p:cond delay="0"/>
+                                  </p:stCondLst>
+                                  <p:childTnLst>
+                                    <p:animMotion origin="layout" path="M 1.25E-6 -3.33333E-6 L 0.26172 0.17848 " pathEditMode="relative" rAng="0" ptsTypes="AA">
+                                      <p:cBhvr>
+                                        <p:cTn id="24" dur="1000" fill="hold"/>
+                                        <p:tgtEl>
+                                          <p:spTgt spid="24"/>
+                                        </p:tgtEl>
+                                        <p:attrNameLst>
+                                          <p:attrName>ppt_x</p:attrName>
+                                          <p:attrName>ppt_y</p:attrName>
+                                        </p:attrNameLst>
+                                      </p:cBhvr>
+                                      <p:rCtr x="13086" y="8912"/>
+                                    </p:animMotion>
+                                  </p:childTnLst>
+                                </p:cTn>
+                              </p:par>
+                              <p:par>
+                                <p:cTn id="25" presetID="42" presetClass="path" presetSubtype="0" accel="50000" decel="50000" fill="hold" grpId="0" nodeType="withEffect">
+                                  <p:stCondLst>
+                                    <p:cond delay="0"/>
+                                  </p:stCondLst>
+                                  <p:childTnLst>
+                                    <p:animMotion origin="layout" path="M 1.25E-6 -3.33333E-6 L 0.21107 -0.10995 " pathEditMode="relative" rAng="0" ptsTypes="AA">
+                                      <p:cBhvr>
+                                        <p:cTn id="26" dur="1000" fill="hold"/>
+                                        <p:tgtEl>
+                                          <p:spTgt spid="26"/>
+                                        </p:tgtEl>
+                                        <p:attrNameLst>
+                                          <p:attrName>ppt_x</p:attrName>
+                                          <p:attrName>ppt_y</p:attrName>
+                                        </p:attrNameLst>
+                                      </p:cBhvr>
+                                      <p:rCtr x="10547" y="-5509"/>
+                                    </p:animMotion>
+                                  </p:childTnLst>
+                                </p:cTn>
+                              </p:par>
+                            </p:childTnLst>
+                          </p:cTn>
+                        </p:par>
+                      </p:childTnLst>
+                    </p:cTn>
+                  </p:par>
+                </p:childTnLst>
+              </p:cTn>
+              <p:prevCondLst>
+                <p:cond evt="onPrev" delay="0">
+                  <p:tgtEl>
+                    <p:sldTgt/>
+                  </p:tgtEl>
+                </p:cond>
+              </p:prevCondLst>
+              <p:nextCondLst>
+                <p:cond evt="onNext" delay="0">
+                  <p:tgtEl>
+                    <p:sldTgt/>
+                  </p:tgtEl>
+                </p:cond>
+              </p:nextCondLst>
+            </p:seq>
+          </p:childTnLst>
+        </p:cTn>
+      </p:par>
+    </p:tnLst>
+    <p:bldLst>
+      <p:bldP spid="24" grpId="0" animBg="1"/>
+      <p:bldP spid="25" grpId="0" animBg="1"/>
+      <p:bldP spid="26" grpId="0" animBg="1"/>
+      <p:bldP spid="27" grpId="0" animBg="1"/>
+      <p:bldP spid="29" grpId="0" animBg="1"/>
+      <p:bldP spid="30" grpId="0" animBg="1"/>
+      <p:bldP spid="31" grpId="0" animBg="1"/>
+      <p:bldP spid="32" grpId="0" animBg="1"/>
+      <p:bldP spid="33" grpId="0" animBg="1"/>
+    </p:bldLst>
+  </p:timing>
+</p:sld>
+</file>
+
+<file path=ppt/slides/slide7.xml><?xml version="1.0" encoding="utf-8"?>
+<p:sld xmlns:a="http://schemas.openxmlformats.org/drawingml/2006/main" xmlns:r="http://schemas.openxmlformats.org/officeDocument/2006/relationships" xmlns:p="http://schemas.openxmlformats.org/presentationml/2006/main">
+  <p:cSld>
+    <p:spTree>
+      <p:nvGrpSpPr>
+        <p:cNvPr id="1" name=""/>
+        <p:cNvGrpSpPr/>
+        <p:nvPr/>
+      </p:nvGrpSpPr>
+      <p:grpSpPr>
+        <a:xfrm>
+          <a:off x="0" y="0"/>
+          <a:ext cx="0" cy="0"/>
+          <a:chOff x="0" y="0"/>
+          <a:chExt cx="0" cy="0"/>
+        </a:xfrm>
+      </p:grpSpPr>
+      <p:sp>
+        <p:nvSpPr>
+          <p:cNvPr id="2" name="Title 1"/>
+          <p:cNvSpPr>
+            <a:spLocks noGrp="1"/>
+          </p:cNvSpPr>
+          <p:nvPr>
+            <p:ph type="title"/>
+          </p:nvPr>
+        </p:nvSpPr>
+        <p:spPr/>
+        <p:txBody>
+          <a:bodyPr/>
+          <a:lstStyle/>
+          <a:p>
+            <a:r>
               <a:rPr lang="en-US" dirty="0" err="1"/>
               <a:t>Stateful</a:t>
             </a:r>
@@ -6082,7 +12745,9 @@
             <p:ph sz="half" idx="2"/>
           </p:nvPr>
         </p:nvSpPr>
-        <p:spPr/>
+        <p:spPr>
+          <a:effectLst/>
+        </p:spPr>
         <p:txBody>
           <a:bodyPr/>
           <a:lstStyle/>
@@ -6138,7 +12803,9 @@
             <p:ph sz="quarter" idx="4"/>
           </p:nvPr>
         </p:nvSpPr>
-        <p:spPr/>
+        <p:spPr>
+          <a:effectLst/>
+        </p:spPr>
         <p:txBody>
           <a:bodyPr/>
           <a:lstStyle/>
@@ -6178,10 +12845,387 @@
   <p:clrMapOvr>
     <a:masterClrMapping/>
   </p:clrMapOvr>
+  <p:timing>
+    <p:tnLst>
+      <p:par>
+        <p:cTn id="1" dur="indefinite" restart="never" nodeType="tmRoot">
+          <p:childTnLst>
+            <p:seq concurrent="1" nextAc="seek">
+              <p:cTn id="2" dur="indefinite" nodeType="mainSeq">
+                <p:childTnLst>
+                  <p:par>
+                    <p:cTn id="3" fill="hold">
+                      <p:stCondLst>
+                        <p:cond delay="indefinite"/>
+                      </p:stCondLst>
+                      <p:childTnLst>
+                        <p:par>
+                          <p:cTn id="4" fill="hold">
+                            <p:stCondLst>
+                              <p:cond delay="0"/>
+                            </p:stCondLst>
+                            <p:childTnLst>
+                              <p:par>
+                                <p:cTn id="5" presetID="1" presetClass="entr" presetSubtype="0" fill="hold" grpId="0" nodeType="clickEffect">
+                                  <p:stCondLst>
+                                    <p:cond delay="0"/>
+                                  </p:stCondLst>
+                                  <p:childTnLst>
+                                    <p:set>
+                                      <p:cBhvr>
+                                        <p:cTn id="6" dur="1" fill="hold">
+                                          <p:stCondLst>
+                                            <p:cond delay="0"/>
+                                          </p:stCondLst>
+                                        </p:cTn>
+                                        <p:tgtEl>
+                                          <p:spTgt spid="4">
+                                            <p:txEl>
+                                              <p:pRg st="0" end="0"/>
+                                            </p:txEl>
+                                          </p:spTgt>
+                                        </p:tgtEl>
+                                        <p:attrNameLst>
+                                          <p:attrName>style.visibility</p:attrName>
+                                        </p:attrNameLst>
+                                      </p:cBhvr>
+                                      <p:to>
+                                        <p:strVal val="visible"/>
+                                      </p:to>
+                                    </p:set>
+                                  </p:childTnLst>
+                                </p:cTn>
+                              </p:par>
+                            </p:childTnLst>
+                          </p:cTn>
+                        </p:par>
+                      </p:childTnLst>
+                    </p:cTn>
+                  </p:par>
+                  <p:par>
+                    <p:cTn id="7" fill="hold">
+                      <p:stCondLst>
+                        <p:cond delay="indefinite"/>
+                      </p:stCondLst>
+                      <p:childTnLst>
+                        <p:par>
+                          <p:cTn id="8" fill="hold">
+                            <p:stCondLst>
+                              <p:cond delay="0"/>
+                            </p:stCondLst>
+                            <p:childTnLst>
+                              <p:par>
+                                <p:cTn id="9" presetID="1" presetClass="entr" presetSubtype="0" fill="hold" grpId="0" nodeType="clickEffect">
+                                  <p:stCondLst>
+                                    <p:cond delay="0"/>
+                                  </p:stCondLst>
+                                  <p:childTnLst>
+                                    <p:set>
+                                      <p:cBhvr>
+                                        <p:cTn id="10" dur="1" fill="hold">
+                                          <p:stCondLst>
+                                            <p:cond delay="0"/>
+                                          </p:stCondLst>
+                                        </p:cTn>
+                                        <p:tgtEl>
+                                          <p:spTgt spid="4">
+                                            <p:txEl>
+                                              <p:pRg st="1" end="1"/>
+                                            </p:txEl>
+                                          </p:spTgt>
+                                        </p:tgtEl>
+                                        <p:attrNameLst>
+                                          <p:attrName>style.visibility</p:attrName>
+                                        </p:attrNameLst>
+                                      </p:cBhvr>
+                                      <p:to>
+                                        <p:strVal val="visible"/>
+                                      </p:to>
+                                    </p:set>
+                                  </p:childTnLst>
+                                </p:cTn>
+                              </p:par>
+                            </p:childTnLst>
+                          </p:cTn>
+                        </p:par>
+                      </p:childTnLst>
+                    </p:cTn>
+                  </p:par>
+                  <p:par>
+                    <p:cTn id="11" fill="hold">
+                      <p:stCondLst>
+                        <p:cond delay="indefinite"/>
+                      </p:stCondLst>
+                      <p:childTnLst>
+                        <p:par>
+                          <p:cTn id="12" fill="hold">
+                            <p:stCondLst>
+                              <p:cond delay="0"/>
+                            </p:stCondLst>
+                            <p:childTnLst>
+                              <p:par>
+                                <p:cTn id="13" presetID="1" presetClass="entr" presetSubtype="0" fill="hold" grpId="0" nodeType="clickEffect">
+                                  <p:stCondLst>
+                                    <p:cond delay="0"/>
+                                  </p:stCondLst>
+                                  <p:childTnLst>
+                                    <p:set>
+                                      <p:cBhvr>
+                                        <p:cTn id="14" dur="1" fill="hold">
+                                          <p:stCondLst>
+                                            <p:cond delay="0"/>
+                                          </p:stCondLst>
+                                        </p:cTn>
+                                        <p:tgtEl>
+                                          <p:spTgt spid="4">
+                                            <p:txEl>
+                                              <p:pRg st="2" end="2"/>
+                                            </p:txEl>
+                                          </p:spTgt>
+                                        </p:tgtEl>
+                                        <p:attrNameLst>
+                                          <p:attrName>style.visibility</p:attrName>
+                                        </p:attrNameLst>
+                                      </p:cBhvr>
+                                      <p:to>
+                                        <p:strVal val="visible"/>
+                                      </p:to>
+                                    </p:set>
+                                  </p:childTnLst>
+                                </p:cTn>
+                              </p:par>
+                            </p:childTnLst>
+                          </p:cTn>
+                        </p:par>
+                      </p:childTnLst>
+                    </p:cTn>
+                  </p:par>
+                  <p:par>
+                    <p:cTn id="15" fill="hold">
+                      <p:stCondLst>
+                        <p:cond delay="indefinite"/>
+                      </p:stCondLst>
+                      <p:childTnLst>
+                        <p:par>
+                          <p:cTn id="16" fill="hold">
+                            <p:stCondLst>
+                              <p:cond delay="0"/>
+                            </p:stCondLst>
+                            <p:childTnLst>
+                              <p:par>
+                                <p:cTn id="17" presetID="1" presetClass="entr" presetSubtype="0" fill="hold" grpId="0" nodeType="clickEffect">
+                                  <p:stCondLst>
+                                    <p:cond delay="0"/>
+                                  </p:stCondLst>
+                                  <p:childTnLst>
+                                    <p:set>
+                                      <p:cBhvr>
+                                        <p:cTn id="18" dur="1" fill="hold">
+                                          <p:stCondLst>
+                                            <p:cond delay="0"/>
+                                          </p:stCondLst>
+                                        </p:cTn>
+                                        <p:tgtEl>
+                                          <p:spTgt spid="6">
+                                            <p:txEl>
+                                              <p:pRg st="0" end="0"/>
+                                            </p:txEl>
+                                          </p:spTgt>
+                                        </p:tgtEl>
+                                        <p:attrNameLst>
+                                          <p:attrName>style.visibility</p:attrName>
+                                        </p:attrNameLst>
+                                      </p:cBhvr>
+                                      <p:to>
+                                        <p:strVal val="visible"/>
+                                      </p:to>
+                                    </p:set>
+                                  </p:childTnLst>
+                                </p:cTn>
+                              </p:par>
+                            </p:childTnLst>
+                          </p:cTn>
+                        </p:par>
+                      </p:childTnLst>
+                    </p:cTn>
+                  </p:par>
+                  <p:par>
+                    <p:cTn id="19" fill="hold">
+                      <p:stCondLst>
+                        <p:cond delay="indefinite"/>
+                      </p:stCondLst>
+                      <p:childTnLst>
+                        <p:par>
+                          <p:cTn id="20" fill="hold">
+                            <p:stCondLst>
+                              <p:cond delay="0"/>
+                            </p:stCondLst>
+                            <p:childTnLst>
+                              <p:par>
+                                <p:cTn id="21" presetID="1" presetClass="entr" presetSubtype="0" fill="hold" grpId="0" nodeType="clickEffect">
+                                  <p:stCondLst>
+                                    <p:cond delay="0"/>
+                                  </p:stCondLst>
+                                  <p:childTnLst>
+                                    <p:set>
+                                      <p:cBhvr>
+                                        <p:cTn id="22" dur="1" fill="hold">
+                                          <p:stCondLst>
+                                            <p:cond delay="0"/>
+                                          </p:stCondLst>
+                                        </p:cTn>
+                                        <p:tgtEl>
+                                          <p:spTgt spid="6">
+                                            <p:txEl>
+                                              <p:pRg st="1" end="1"/>
+                                            </p:txEl>
+                                          </p:spTgt>
+                                        </p:tgtEl>
+                                        <p:attrNameLst>
+                                          <p:attrName>style.visibility</p:attrName>
+                                        </p:attrNameLst>
+                                      </p:cBhvr>
+                                      <p:to>
+                                        <p:strVal val="visible"/>
+                                      </p:to>
+                                    </p:set>
+                                  </p:childTnLst>
+                                </p:cTn>
+                              </p:par>
+                            </p:childTnLst>
+                          </p:cTn>
+                        </p:par>
+                      </p:childTnLst>
+                    </p:cTn>
+                  </p:par>
+                  <p:par>
+                    <p:cTn id="23" fill="hold">
+                      <p:stCondLst>
+                        <p:cond delay="indefinite"/>
+                      </p:stCondLst>
+                      <p:childTnLst>
+                        <p:par>
+                          <p:cTn id="24" fill="hold">
+                            <p:stCondLst>
+                              <p:cond delay="0"/>
+                            </p:stCondLst>
+                            <p:childTnLst>
+                              <p:par>
+                                <p:cTn id="25" presetID="1" presetClass="entr" presetSubtype="0" fill="hold" grpId="0" nodeType="clickEffect">
+                                  <p:stCondLst>
+                                    <p:cond delay="0"/>
+                                  </p:stCondLst>
+                                  <p:childTnLst>
+                                    <p:set>
+                                      <p:cBhvr>
+                                        <p:cTn id="26" dur="1" fill="hold">
+                                          <p:stCondLst>
+                                            <p:cond delay="0"/>
+                                          </p:stCondLst>
+                                        </p:cTn>
+                                        <p:tgtEl>
+                                          <p:spTgt spid="6">
+                                            <p:txEl>
+                                              <p:pRg st="2" end="2"/>
+                                            </p:txEl>
+                                          </p:spTgt>
+                                        </p:tgtEl>
+                                        <p:attrNameLst>
+                                          <p:attrName>style.visibility</p:attrName>
+                                        </p:attrNameLst>
+                                      </p:cBhvr>
+                                      <p:to>
+                                        <p:strVal val="visible"/>
+                                      </p:to>
+                                    </p:set>
+                                  </p:childTnLst>
+                                </p:cTn>
+                              </p:par>
+                            </p:childTnLst>
+                          </p:cTn>
+                        </p:par>
+                      </p:childTnLst>
+                    </p:cTn>
+                  </p:par>
+                  <p:par>
+                    <p:cTn id="27" fill="hold">
+                      <p:stCondLst>
+                        <p:cond delay="indefinite"/>
+                      </p:stCondLst>
+                      <p:childTnLst>
+                        <p:par>
+                          <p:cTn id="28" fill="hold">
+                            <p:stCondLst>
+                              <p:cond delay="0"/>
+                            </p:stCondLst>
+                            <p:childTnLst>
+                              <p:par>
+                                <p:cTn id="29" presetID="1" presetClass="entr" presetSubtype="0" fill="hold" grpId="0" nodeType="clickEffect">
+                                  <p:stCondLst>
+                                    <p:cond delay="0"/>
+                                  </p:stCondLst>
+                                  <p:childTnLst>
+                                    <p:set>
+                                      <p:cBhvr>
+                                        <p:cTn id="30" dur="1" fill="hold">
+                                          <p:stCondLst>
+                                            <p:cond delay="0"/>
+                                          </p:stCondLst>
+                                        </p:cTn>
+                                        <p:tgtEl>
+                                          <p:spTgt spid="6">
+                                            <p:txEl>
+                                              <p:pRg st="3" end="3"/>
+                                            </p:txEl>
+                                          </p:spTgt>
+                                        </p:tgtEl>
+                                        <p:attrNameLst>
+                                          <p:attrName>style.visibility</p:attrName>
+                                        </p:attrNameLst>
+                                      </p:cBhvr>
+                                      <p:to>
+                                        <p:strVal val="visible"/>
+                                      </p:to>
+                                    </p:set>
+                                  </p:childTnLst>
+                                </p:cTn>
+                              </p:par>
+                            </p:childTnLst>
+                          </p:cTn>
+                        </p:par>
+                      </p:childTnLst>
+                    </p:cTn>
+                  </p:par>
+                </p:childTnLst>
+              </p:cTn>
+              <p:prevCondLst>
+                <p:cond evt="onPrev" delay="0">
+                  <p:tgtEl>
+                    <p:sldTgt/>
+                  </p:tgtEl>
+                </p:cond>
+              </p:prevCondLst>
+              <p:nextCondLst>
+                <p:cond evt="onNext" delay="0">
+                  <p:tgtEl>
+                    <p:sldTgt/>
+                  </p:tgtEl>
+                </p:cond>
+              </p:nextCondLst>
+            </p:seq>
+          </p:childTnLst>
+        </p:cTn>
+      </p:par>
+    </p:tnLst>
+    <p:bldLst>
+      <p:bldP spid="4" grpId="0" build="p"/>
+      <p:bldP spid="6" grpId="0" build="p"/>
+    </p:bldLst>
+  </p:timing>
 </p:sld>
 </file>
 
-<file path=ppt/slides/slide7.xml><?xml version="1.0" encoding="utf-8"?>
+<file path=ppt/slides/slide8.xml><?xml version="1.0" encoding="utf-8"?>
 <p:sld xmlns:a="http://schemas.openxmlformats.org/drawingml/2006/main" xmlns:r="http://schemas.openxmlformats.org/officeDocument/2006/relationships" xmlns:p="http://schemas.openxmlformats.org/presentationml/2006/main">
   <p:cSld>
     <p:spTree>
@@ -6747,7 +13791,7 @@
 </p:sld>
 </file>
 
-<file path=ppt/slides/slide8.xml><?xml version="1.0" encoding="utf-8"?>
+<file path=ppt/slides/slide9.xml><?xml version="1.0" encoding="utf-8"?>
 <p:sld xmlns:a="http://schemas.openxmlformats.org/drawingml/2006/main" xmlns:r="http://schemas.openxmlformats.org/officeDocument/2006/relationships" xmlns:p="http://schemas.openxmlformats.org/presentationml/2006/main">
   <p:cSld>
     <p:spTree>

--- a/doc/MicroservicesInServiceFabric.pptx
+++ b/doc/MicroservicesInServiceFabric.pptx
@@ -3204,7 +3204,7 @@
           <a:effectLst/>
           <a:extLst>
             <a:ext uri="{91240B29-F687-4f45-9708-019B960494DF}">
-              <a14:hiddenLine xmlns:a14="http://schemas.microsoft.com/office/drawing/2010/main" xmlns="" w="9525">
+              <a14:hiddenLine xmlns="" xmlns:a14="http://schemas.microsoft.com/office/drawing/2010/main" w="9525">
                 <a:solidFill>
                   <a:srgbClr val="000000"/>
                 </a:solidFill>
@@ -4726,7 +4726,7 @@
           <a:ln/>
           <a:extLst>
             <a:ext uri="{91240B29-F687-4f45-9708-019B960494DF}">
-              <a14:hiddenLine xmlns:a14="http://schemas.microsoft.com/office/drawing/2010/main" xmlns="" w="9525">
+              <a14:hiddenLine xmlns="" xmlns:a14="http://schemas.microsoft.com/office/drawing/2010/main" w="9525">
                 <a:solidFill>
                   <a:srgbClr val="000000"/>
                 </a:solidFill>
@@ -5001,7 +5001,7 @@
           <a:ln/>
           <a:extLst>
             <a:ext uri="{91240B29-F687-4f45-9708-019B960494DF}">
-              <a14:hiddenLine xmlns:a14="http://schemas.microsoft.com/office/drawing/2010/main" xmlns="" w="9525">
+              <a14:hiddenLine xmlns="" xmlns:a14="http://schemas.microsoft.com/office/drawing/2010/main" w="9525">
                 <a:solidFill>
                   <a:srgbClr val="000000"/>
                 </a:solidFill>
@@ -5284,7 +5284,7 @@
           <a:ln/>
           <a:extLst>
             <a:ext uri="{91240B29-F687-4f45-9708-019B960494DF}">
-              <a14:hiddenLine xmlns:a14="http://schemas.microsoft.com/office/drawing/2010/main" xmlns="" w="9525">
+              <a14:hiddenLine xmlns="" xmlns:a14="http://schemas.microsoft.com/office/drawing/2010/main" w="9525">
                 <a:solidFill>
                   <a:srgbClr val="000000"/>
                 </a:solidFill>
@@ -5910,7 +5910,7 @@
           <a:ln/>
           <a:extLst>
             <a:ext uri="{91240B29-F687-4f45-9708-019B960494DF}">
-              <a14:hiddenLine xmlns:a14="http://schemas.microsoft.com/office/drawing/2010/main" xmlns="" w="9525">
+              <a14:hiddenLine xmlns="" xmlns:a14="http://schemas.microsoft.com/office/drawing/2010/main" w="9525">
                 <a:solidFill>
                   <a:srgbClr val="000000"/>
                 </a:solidFill>
@@ -6249,7 +6249,7 @@
           <a:ln/>
           <a:extLst>
             <a:ext uri="{91240B29-F687-4f45-9708-019B960494DF}">
-              <a14:hiddenLine xmlns:a14="http://schemas.microsoft.com/office/drawing/2010/main" xmlns="" w="9525">
+              <a14:hiddenLine xmlns="" xmlns:a14="http://schemas.microsoft.com/office/drawing/2010/main" w="9525">
                 <a:solidFill>
                   <a:srgbClr val="000000"/>
                 </a:solidFill>
@@ -6726,7 +6726,7 @@
           <a:ln/>
           <a:extLst>
             <a:ext uri="{91240B29-F687-4f45-9708-019B960494DF}">
-              <a14:hiddenLine xmlns:a14="http://schemas.microsoft.com/office/drawing/2010/main" xmlns="" w="9525">
+              <a14:hiddenLine xmlns="" xmlns:a14="http://schemas.microsoft.com/office/drawing/2010/main" w="9525">
                 <a:solidFill>
                   <a:srgbClr val="000000"/>
                 </a:solidFill>
@@ -7155,7 +7155,7 @@
           <a:ln/>
           <a:extLst>
             <a:ext uri="{91240B29-F687-4f45-9708-019B960494DF}">
-              <a14:hiddenLine xmlns:a14="http://schemas.microsoft.com/office/drawing/2010/main" xmlns="" w="9525">
+              <a14:hiddenLine xmlns="" xmlns:a14="http://schemas.microsoft.com/office/drawing/2010/main" w="9525">
                 <a:solidFill>
                   <a:srgbClr val="000000"/>
                 </a:solidFill>
@@ -9020,7 +9020,7 @@
                             </p:stCondLst>
                             <p:childTnLst>
                               <p:par>
-                                <p:cTn id="5" presetID="10" presetClass="entr" presetSubtype="0" fill="hold" grpId="0" nodeType="clickEffect">
+                                <p:cTn id="5" presetID="1" presetClass="entr" presetSubtype="0" fill="hold" grpId="0" nodeType="clickEffect">
                                   <p:stCondLst>
                                     <p:cond delay="0"/>
                                   </p:stCondLst>
@@ -9047,18 +9047,6 @@
                                         <p:strVal val="visible"/>
                                       </p:to>
                                     </p:set>
-                                    <p:animEffect transition="in" filter="fade">
-                                      <p:cBhvr>
-                                        <p:cTn id="7" dur="500"/>
-                                        <p:tgtEl>
-                                          <p:spTgt spid="4">
-                                            <p:txEl>
-                                              <p:pRg st="0" end="0"/>
-                                            </p:txEl>
-                                          </p:spTgt>
-                                        </p:tgtEl>
-                                      </p:cBhvr>
-                                    </p:animEffect>
                                   </p:childTnLst>
                                 </p:cTn>
                               </p:par>
@@ -9069,26 +9057,26 @@
                     </p:cTn>
                   </p:par>
                   <p:par>
-                    <p:cTn id="8" fill="hold">
+                    <p:cTn id="7" fill="hold">
                       <p:stCondLst>
                         <p:cond delay="indefinite"/>
                       </p:stCondLst>
                       <p:childTnLst>
                         <p:par>
-                          <p:cTn id="9" fill="hold">
+                          <p:cTn id="8" fill="hold">
                             <p:stCondLst>
                               <p:cond delay="0"/>
                             </p:stCondLst>
                             <p:childTnLst>
                               <p:par>
-                                <p:cTn id="10" presetID="10" presetClass="entr" presetSubtype="0" fill="hold" grpId="0" nodeType="clickEffect">
+                                <p:cTn id="9" presetID="1" presetClass="entr" presetSubtype="0" fill="hold" grpId="0" nodeType="clickEffect">
                                   <p:stCondLst>
                                     <p:cond delay="0"/>
                                   </p:stCondLst>
                                   <p:childTnLst>
                                     <p:set>
                                       <p:cBhvr>
-                                        <p:cTn id="11" dur="1" fill="hold">
+                                        <p:cTn id="10" dur="1" fill="hold">
                                           <p:stCondLst>
                                             <p:cond delay="0"/>
                                           </p:stCondLst>
@@ -9108,18 +9096,6 @@
                                         <p:strVal val="visible"/>
                                       </p:to>
                                     </p:set>
-                                    <p:animEffect transition="in" filter="fade">
-                                      <p:cBhvr>
-                                        <p:cTn id="12" dur="500"/>
-                                        <p:tgtEl>
-                                          <p:spTgt spid="4">
-                                            <p:txEl>
-                                              <p:pRg st="1" end="1"/>
-                                            </p:txEl>
-                                          </p:spTgt>
-                                        </p:tgtEl>
-                                      </p:cBhvr>
-                                    </p:animEffect>
                                   </p:childTnLst>
                                 </p:cTn>
                               </p:par>
@@ -9130,26 +9106,26 @@
                     </p:cTn>
                   </p:par>
                   <p:par>
-                    <p:cTn id="13" fill="hold">
+                    <p:cTn id="11" fill="hold">
                       <p:stCondLst>
                         <p:cond delay="indefinite"/>
                       </p:stCondLst>
                       <p:childTnLst>
                         <p:par>
-                          <p:cTn id="14" fill="hold">
+                          <p:cTn id="12" fill="hold">
                             <p:stCondLst>
                               <p:cond delay="0"/>
                             </p:stCondLst>
                             <p:childTnLst>
                               <p:par>
-                                <p:cTn id="15" presetID="10" presetClass="entr" presetSubtype="0" fill="hold" grpId="0" nodeType="clickEffect">
+                                <p:cTn id="13" presetID="1" presetClass="entr" presetSubtype="0" fill="hold" grpId="0" nodeType="clickEffect">
                                   <p:stCondLst>
                                     <p:cond delay="0"/>
                                   </p:stCondLst>
                                   <p:childTnLst>
                                     <p:set>
                                       <p:cBhvr>
-                                        <p:cTn id="16" dur="1" fill="hold">
+                                        <p:cTn id="14" dur="1" fill="hold">
                                           <p:stCondLst>
                                             <p:cond delay="0"/>
                                           </p:stCondLst>
@@ -9169,18 +9145,6 @@
                                         <p:strVal val="visible"/>
                                       </p:to>
                                     </p:set>
-                                    <p:animEffect transition="in" filter="fade">
-                                      <p:cBhvr>
-                                        <p:cTn id="17" dur="500"/>
-                                        <p:tgtEl>
-                                          <p:spTgt spid="4">
-                                            <p:txEl>
-                                              <p:pRg st="2" end="2"/>
-                                            </p:txEl>
-                                          </p:spTgt>
-                                        </p:tgtEl>
-                                      </p:cBhvr>
-                                    </p:animEffect>
                                   </p:childTnLst>
                                 </p:cTn>
                               </p:par>
@@ -9191,26 +9155,26 @@
                     </p:cTn>
                   </p:par>
                   <p:par>
-                    <p:cTn id="18" fill="hold">
+                    <p:cTn id="15" fill="hold">
                       <p:stCondLst>
                         <p:cond delay="indefinite"/>
                       </p:stCondLst>
                       <p:childTnLst>
                         <p:par>
-                          <p:cTn id="19" fill="hold">
+                          <p:cTn id="16" fill="hold">
                             <p:stCondLst>
                               <p:cond delay="0"/>
                             </p:stCondLst>
                             <p:childTnLst>
                               <p:par>
-                                <p:cTn id="20" presetID="10" presetClass="entr" presetSubtype="0" fill="hold" grpId="0" nodeType="clickEffect">
+                                <p:cTn id="17" presetID="1" presetClass="entr" presetSubtype="0" fill="hold" grpId="0" nodeType="clickEffect">
                                   <p:stCondLst>
                                     <p:cond delay="0"/>
                                   </p:stCondLst>
                                   <p:childTnLst>
                                     <p:set>
                                       <p:cBhvr>
-                                        <p:cTn id="21" dur="1" fill="hold">
+                                        <p:cTn id="18" dur="1" fill="hold">
                                           <p:stCondLst>
                                             <p:cond delay="0"/>
                                           </p:stCondLst>
@@ -9230,18 +9194,55 @@
                                         <p:strVal val="visible"/>
                                       </p:to>
                                     </p:set>
-                                    <p:animEffect transition="in" filter="fade">
+                                  </p:childTnLst>
+                                </p:cTn>
+                              </p:par>
+                            </p:childTnLst>
+                          </p:cTn>
+                        </p:par>
+                      </p:childTnLst>
+                    </p:cTn>
+                  </p:par>
+                  <p:par>
+                    <p:cTn id="19" fill="hold">
+                      <p:stCondLst>
+                        <p:cond delay="indefinite"/>
+                      </p:stCondLst>
+                      <p:childTnLst>
+                        <p:par>
+                          <p:cTn id="20" fill="hold">
+                            <p:stCondLst>
+                              <p:cond delay="0"/>
+                            </p:stCondLst>
+                            <p:childTnLst>
+                              <p:par>
+                                <p:cTn id="21" presetID="1" presetClass="entr" presetSubtype="0" fill="hold" grpId="0" nodeType="clickEffect">
+                                  <p:stCondLst>
+                                    <p:cond delay="0"/>
+                                  </p:stCondLst>
+                                  <p:childTnLst>
+                                    <p:set>
                                       <p:cBhvr>
-                                        <p:cTn id="22" dur="500"/>
+                                        <p:cTn id="22" dur="1" fill="hold">
+                                          <p:stCondLst>
+                                            <p:cond delay="0"/>
+                                          </p:stCondLst>
+                                        </p:cTn>
                                         <p:tgtEl>
                                           <p:spTgt spid="4">
                                             <p:txEl>
-                                              <p:pRg st="3" end="3"/>
+                                              <p:pRg st="4" end="4"/>
                                             </p:txEl>
                                           </p:spTgt>
                                         </p:tgtEl>
+                                        <p:attrNameLst>
+                                          <p:attrName>style.visibility</p:attrName>
+                                        </p:attrNameLst>
                                       </p:cBhvr>
-                                    </p:animEffect>
+                                      <p:to>
+                                        <p:strVal val="visible"/>
+                                      </p:to>
+                                    </p:set>
                                   </p:childTnLst>
                                 </p:cTn>
                               </p:par>
@@ -9264,7 +9265,7 @@
                             </p:stCondLst>
                             <p:childTnLst>
                               <p:par>
-                                <p:cTn id="25" presetID="10" presetClass="entr" presetSubtype="0" fill="hold" grpId="0" nodeType="clickEffect">
+                                <p:cTn id="25" presetID="1" presetClass="entr" presetSubtype="0" fill="hold" grpId="0" nodeType="clickEffect">
                                   <p:stCondLst>
                                     <p:cond delay="0"/>
                                   </p:stCondLst>
@@ -9272,67 +9273,6 @@
                                     <p:set>
                                       <p:cBhvr>
                                         <p:cTn id="26" dur="1" fill="hold">
-                                          <p:stCondLst>
-                                            <p:cond delay="0"/>
-                                          </p:stCondLst>
-                                        </p:cTn>
-                                        <p:tgtEl>
-                                          <p:spTgt spid="4">
-                                            <p:txEl>
-                                              <p:pRg st="4" end="4"/>
-                                            </p:txEl>
-                                          </p:spTgt>
-                                        </p:tgtEl>
-                                        <p:attrNameLst>
-                                          <p:attrName>style.visibility</p:attrName>
-                                        </p:attrNameLst>
-                                      </p:cBhvr>
-                                      <p:to>
-                                        <p:strVal val="visible"/>
-                                      </p:to>
-                                    </p:set>
-                                    <p:animEffect transition="in" filter="fade">
-                                      <p:cBhvr>
-                                        <p:cTn id="27" dur="500"/>
-                                        <p:tgtEl>
-                                          <p:spTgt spid="4">
-                                            <p:txEl>
-                                              <p:pRg st="4" end="4"/>
-                                            </p:txEl>
-                                          </p:spTgt>
-                                        </p:tgtEl>
-                                      </p:cBhvr>
-                                    </p:animEffect>
-                                  </p:childTnLst>
-                                </p:cTn>
-                              </p:par>
-                            </p:childTnLst>
-                          </p:cTn>
-                        </p:par>
-                      </p:childTnLst>
-                    </p:cTn>
-                  </p:par>
-                  <p:par>
-                    <p:cTn id="28" fill="hold">
-                      <p:stCondLst>
-                        <p:cond delay="indefinite"/>
-                      </p:stCondLst>
-                      <p:childTnLst>
-                        <p:par>
-                          <p:cTn id="29" fill="hold">
-                            <p:stCondLst>
-                              <p:cond delay="0"/>
-                            </p:stCondLst>
-                            <p:childTnLst>
-                              <p:par>
-                                <p:cTn id="30" presetID="10" presetClass="entr" presetSubtype="0" fill="hold" grpId="0" nodeType="clickEffect">
-                                  <p:stCondLst>
-                                    <p:cond delay="0"/>
-                                  </p:stCondLst>
-                                  <p:childTnLst>
-                                    <p:set>
-                                      <p:cBhvr>
-                                        <p:cTn id="31" dur="1" fill="hold">
                                           <p:stCondLst>
                                             <p:cond delay="0"/>
                                           </p:stCondLst>
@@ -9352,18 +9292,6 @@
                                         <p:strVal val="visible"/>
                                       </p:to>
                                     </p:set>
-                                    <p:animEffect transition="in" filter="fade">
-                                      <p:cBhvr>
-                                        <p:cTn id="32" dur="500"/>
-                                        <p:tgtEl>
-                                          <p:spTgt spid="6">
-                                            <p:txEl>
-                                              <p:pRg st="0" end="0"/>
-                                            </p:txEl>
-                                          </p:spTgt>
-                                        </p:tgtEl>
-                                      </p:cBhvr>
-                                    </p:animEffect>
                                   </p:childTnLst>
                                 </p:cTn>
                               </p:par>
@@ -9374,26 +9302,26 @@
                     </p:cTn>
                   </p:par>
                   <p:par>
-                    <p:cTn id="33" fill="hold">
+                    <p:cTn id="27" fill="hold">
                       <p:stCondLst>
                         <p:cond delay="indefinite"/>
                       </p:stCondLst>
                       <p:childTnLst>
                         <p:par>
-                          <p:cTn id="34" fill="hold">
+                          <p:cTn id="28" fill="hold">
                             <p:stCondLst>
                               <p:cond delay="0"/>
                             </p:stCondLst>
                             <p:childTnLst>
                               <p:par>
-                                <p:cTn id="35" presetID="10" presetClass="entr" presetSubtype="0" fill="hold" grpId="0" nodeType="clickEffect">
+                                <p:cTn id="29" presetID="1" presetClass="entr" presetSubtype="0" fill="hold" grpId="0" nodeType="clickEffect">
                                   <p:stCondLst>
                                     <p:cond delay="0"/>
                                   </p:stCondLst>
                                   <p:childTnLst>
                                     <p:set>
                                       <p:cBhvr>
-                                        <p:cTn id="36" dur="1" fill="hold">
+                                        <p:cTn id="30" dur="1" fill="hold">
                                           <p:stCondLst>
                                             <p:cond delay="0"/>
                                           </p:stCondLst>
@@ -9413,18 +9341,6 @@
                                         <p:strVal val="visible"/>
                                       </p:to>
                                     </p:set>
-                                    <p:animEffect transition="in" filter="fade">
-                                      <p:cBhvr>
-                                        <p:cTn id="37" dur="500"/>
-                                        <p:tgtEl>
-                                          <p:spTgt spid="6">
-                                            <p:txEl>
-                                              <p:pRg st="1" end="1"/>
-                                            </p:txEl>
-                                          </p:spTgt>
-                                        </p:tgtEl>
-                                      </p:cBhvr>
-                                    </p:animEffect>
                                   </p:childTnLst>
                                 </p:cTn>
                               </p:par>
@@ -9435,26 +9351,26 @@
                     </p:cTn>
                   </p:par>
                   <p:par>
-                    <p:cTn id="38" fill="hold">
+                    <p:cTn id="31" fill="hold">
                       <p:stCondLst>
                         <p:cond delay="indefinite"/>
                       </p:stCondLst>
                       <p:childTnLst>
                         <p:par>
-                          <p:cTn id="39" fill="hold">
+                          <p:cTn id="32" fill="hold">
                             <p:stCondLst>
                               <p:cond delay="0"/>
                             </p:stCondLst>
                             <p:childTnLst>
                               <p:par>
-                                <p:cTn id="40" presetID="10" presetClass="entr" presetSubtype="0" fill="hold" grpId="0" nodeType="clickEffect">
+                                <p:cTn id="33" presetID="1" presetClass="entr" presetSubtype="0" fill="hold" grpId="0" nodeType="clickEffect">
                                   <p:stCondLst>
                                     <p:cond delay="0"/>
                                   </p:stCondLst>
                                   <p:childTnLst>
                                     <p:set>
                                       <p:cBhvr>
-                                        <p:cTn id="41" dur="1" fill="hold">
+                                        <p:cTn id="34" dur="1" fill="hold">
                                           <p:stCondLst>
                                             <p:cond delay="0"/>
                                           </p:stCondLst>
@@ -9474,18 +9390,6 @@
                                         <p:strVal val="visible"/>
                                       </p:to>
                                     </p:set>
-                                    <p:animEffect transition="in" filter="fade">
-                                      <p:cBhvr>
-                                        <p:cTn id="42" dur="500"/>
-                                        <p:tgtEl>
-                                          <p:spTgt spid="6">
-                                            <p:txEl>
-                                              <p:pRg st="2" end="2"/>
-                                            </p:txEl>
-                                          </p:spTgt>
-                                        </p:tgtEl>
-                                      </p:cBhvr>
-                                    </p:animEffect>
                                   </p:childTnLst>
                                 </p:cTn>
                               </p:par>
